--- a/static/files/SDA/week9/lecture_week_9.pptx
+++ b/static/files/SDA/week9/lecture_week_9.pptx
@@ -5,7 +5,7 @@
     <p:sldMasterId id="2147483648" r:id="rId1"/>
   </p:sldMasterIdLst>
   <p:notesMasterIdLst>
-    <p:notesMasterId r:id="rId53"/>
+    <p:notesMasterId r:id="rId54"/>
   </p:notesMasterIdLst>
   <p:sldIdLst>
     <p:sldId id="256" r:id="rId2"/>
@@ -38,29 +38,30 @@
     <p:sldId id="295" r:id="rId29"/>
     <p:sldId id="314" r:id="rId30"/>
     <p:sldId id="296" r:id="rId31"/>
-    <p:sldId id="413" r:id="rId32"/>
-    <p:sldId id="416" r:id="rId33"/>
-    <p:sldId id="415" r:id="rId34"/>
-    <p:sldId id="258" r:id="rId35"/>
-    <p:sldId id="268" r:id="rId36"/>
-    <p:sldId id="266" r:id="rId37"/>
-    <p:sldId id="259" r:id="rId38"/>
-    <p:sldId id="271" r:id="rId39"/>
-    <p:sldId id="270" r:id="rId40"/>
-    <p:sldId id="261" r:id="rId41"/>
-    <p:sldId id="263" r:id="rId42"/>
-    <p:sldId id="264" r:id="rId43"/>
-    <p:sldId id="265" r:id="rId44"/>
-    <p:sldId id="272" r:id="rId45"/>
-    <p:sldId id="276" r:id="rId46"/>
-    <p:sldId id="412" r:id="rId47"/>
-    <p:sldId id="286" r:id="rId48"/>
-    <p:sldId id="419" r:id="rId49"/>
-    <p:sldId id="319" r:id="rId50"/>
-    <p:sldId id="315" r:id="rId51"/>
-    <p:sldId id="410" r:id="rId52"/>
+    <p:sldId id="417" r:id="rId32"/>
+    <p:sldId id="413" r:id="rId33"/>
+    <p:sldId id="416" r:id="rId34"/>
+    <p:sldId id="415" r:id="rId35"/>
+    <p:sldId id="258" r:id="rId36"/>
+    <p:sldId id="268" r:id="rId37"/>
+    <p:sldId id="266" r:id="rId38"/>
+    <p:sldId id="259" r:id="rId39"/>
+    <p:sldId id="271" r:id="rId40"/>
+    <p:sldId id="270" r:id="rId41"/>
+    <p:sldId id="261" r:id="rId42"/>
+    <p:sldId id="263" r:id="rId43"/>
+    <p:sldId id="264" r:id="rId44"/>
+    <p:sldId id="265" r:id="rId45"/>
+    <p:sldId id="272" r:id="rId46"/>
+    <p:sldId id="276" r:id="rId47"/>
+    <p:sldId id="412" r:id="rId48"/>
+    <p:sldId id="286" r:id="rId49"/>
+    <p:sldId id="419" r:id="rId50"/>
+    <p:sldId id="319" r:id="rId51"/>
+    <p:sldId id="315" r:id="rId52"/>
+    <p:sldId id="410" r:id="rId53"/>
   </p:sldIdLst>
-  <p:sldSz cx="9144000" cy="6858000" type="screen4x3"/>
+  <p:sldSz cx="12192000" cy="6858000"/>
   <p:notesSz cx="7099300" cy="10234613"/>
   <p:defaultTextStyle>
     <a:defPPr>
@@ -160,12 +161,12 @@
   <p:extLst>
     <p:ext uri="{EFAFB233-063F-42B5-8137-9DF3F51BA10A}">
       <p15:sldGuideLst xmlns:p15="http://schemas.microsoft.com/office/powerpoint/2012/main">
-        <p15:guide id="1" orient="horz" pos="2160">
+        <p15:guide id="1" orient="horz" pos="2160" userDrawn="1">
           <p15:clr>
             <a:srgbClr val="A4A3A4"/>
           </p15:clr>
         </p15:guide>
-        <p15:guide id="2" pos="2880">
+        <p15:guide id="2" pos="3840" userDrawn="1">
           <p15:clr>
             <a:srgbClr val="A4A3A4"/>
           </p15:clr>
@@ -258,7 +259,7 @@
           <a:p>
             <a:fld id="{8FEAE804-2177-420F-80EC-8435C849749E}" type="datetimeFigureOut">
               <a:rPr lang="nl-NL" smtClean="0"/>
-              <a:t>25-08-2023</a:t>
+              <a:t>16-10-2023</a:t>
             </a:fld>
             <a:endParaRPr lang="nl-NL"/>
           </a:p>
@@ -276,8 +277,8 @@
         </p:nvSpPr>
         <p:spPr>
           <a:xfrm>
-            <a:off x="992188" y="768350"/>
-            <a:ext cx="5114925" cy="3836988"/>
+            <a:off x="139700" y="768350"/>
+            <a:ext cx="6819900" cy="3836988"/>
           </a:xfrm>
           <a:prstGeom prst="rect">
             <a:avLst/>
@@ -417,7 +418,7 @@
           <a:p>
             <a:fld id="{5A5C3F83-0697-4E86-ACCC-06B2BA00787A}" type="slidenum">
               <a:rPr lang="nl-NL" smtClean="0"/>
-              <a:t>‹nr.›</a:t>
+              <a:t>‹#›</a:t>
             </a:fld>
             <a:endParaRPr lang="nl-NL"/>
           </a:p>
@@ -553,7 +554,12 @@
             <p:ph type="sldImg"/>
           </p:nvPr>
         </p:nvSpPr>
-        <p:spPr/>
+        <p:spPr>
+          <a:xfrm>
+            <a:off x="139700" y="768350"/>
+            <a:ext cx="6819900" cy="3836988"/>
+          </a:xfrm>
+        </p:spPr>
       </p:sp>
       <p:sp>
         <p:nvSpPr>
@@ -602,6 +608,96 @@
     <p:extLst>
       <p:ext uri="{BB962C8B-B14F-4D97-AF65-F5344CB8AC3E}">
         <p14:creationId xmlns:p14="http://schemas.microsoft.com/office/powerpoint/2010/main" val="3290595681"/>
+      </p:ext>
+    </p:extLst>
+  </p:cSld>
+  <p:clrMapOvr>
+    <a:masterClrMapping/>
+  </p:clrMapOvr>
+</p:notes>
+</file>
+
+<file path=ppt/notesSlides/notesSlide10.xml><?xml version="1.0" encoding="utf-8"?>
+<p:notes xmlns:a="http://schemas.openxmlformats.org/drawingml/2006/main" xmlns:r="http://schemas.openxmlformats.org/officeDocument/2006/relationships" xmlns:p="http://schemas.openxmlformats.org/presentationml/2006/main">
+  <p:cSld>
+    <p:spTree>
+      <p:nvGrpSpPr>
+        <p:cNvPr id="1" name=""/>
+        <p:cNvGrpSpPr/>
+        <p:nvPr/>
+      </p:nvGrpSpPr>
+      <p:grpSpPr>
+        <a:xfrm>
+          <a:off x="0" y="0"/>
+          <a:ext cx="0" cy="0"/>
+          <a:chOff x="0" y="0"/>
+          <a:chExt cx="0" cy="0"/>
+        </a:xfrm>
+      </p:grpSpPr>
+      <p:sp>
+        <p:nvSpPr>
+          <p:cNvPr id="2" name="Folienbildplatzhalter 1"/>
+          <p:cNvSpPr>
+            <a:spLocks noGrp="1" noRot="1" noChangeAspect="1"/>
+          </p:cNvSpPr>
+          <p:nvPr>
+            <p:ph type="sldImg"/>
+          </p:nvPr>
+        </p:nvSpPr>
+        <p:spPr>
+          <a:xfrm>
+            <a:off x="139700" y="768350"/>
+            <a:ext cx="6819900" cy="3836988"/>
+          </a:xfrm>
+        </p:spPr>
+      </p:sp>
+      <p:sp>
+        <p:nvSpPr>
+          <p:cNvPr id="3" name="Notizenplatzhalter 2"/>
+          <p:cNvSpPr>
+            <a:spLocks noGrp="1"/>
+          </p:cNvSpPr>
+          <p:nvPr>
+            <p:ph type="body" idx="1"/>
+          </p:nvPr>
+        </p:nvSpPr>
+        <p:spPr/>
+        <p:txBody>
+          <a:bodyPr/>
+          <a:lstStyle/>
+          <a:p>
+            <a:endParaRPr lang="en-US" dirty="0"/>
+          </a:p>
+        </p:txBody>
+      </p:sp>
+      <p:sp>
+        <p:nvSpPr>
+          <p:cNvPr id="4" name="Foliennummernplatzhalter 3"/>
+          <p:cNvSpPr>
+            <a:spLocks noGrp="1"/>
+          </p:cNvSpPr>
+          <p:nvPr>
+            <p:ph type="sldNum" sz="quarter" idx="10"/>
+          </p:nvPr>
+        </p:nvSpPr>
+        <p:spPr/>
+        <p:txBody>
+          <a:bodyPr/>
+          <a:lstStyle/>
+          <a:p>
+            <a:fld id="{1D4D7F4E-221A-4A1C-B8F9-5079699281C6}" type="slidenum">
+              <a:rPr lang="de-DE" smtClean="0"/>
+              <a:pPr/>
+              <a:t>48</a:t>
+            </a:fld>
+            <a:endParaRPr lang="de-DE"/>
+          </a:p>
+        </p:txBody>
+      </p:sp>
+    </p:spTree>
+    <p:extLst>
+      <p:ext uri="{BB962C8B-B14F-4D97-AF65-F5344CB8AC3E}">
+        <p14:creationId xmlns:p14="http://schemas.microsoft.com/office/powerpoint/2010/main" val="1595685951"/>
       </p:ext>
     </p:extLst>
   </p:cSld>
@@ -638,7 +734,12 @@
             <p:ph type="sldImg"/>
           </p:nvPr>
         </p:nvSpPr>
-        <p:spPr/>
+        <p:spPr>
+          <a:xfrm>
+            <a:off x="139700" y="768350"/>
+            <a:ext cx="6819900" cy="3836988"/>
+          </a:xfrm>
+        </p:spPr>
       </p:sp>
       <p:sp>
         <p:nvSpPr>
@@ -723,7 +824,12 @@
             <p:ph type="sldImg"/>
           </p:nvPr>
         </p:nvSpPr>
-        <p:spPr/>
+        <p:spPr>
+          <a:xfrm>
+            <a:off x="139700" y="768350"/>
+            <a:ext cx="6819900" cy="3836988"/>
+          </a:xfrm>
+        </p:spPr>
       </p:sp>
       <p:sp>
         <p:nvSpPr>
@@ -808,7 +914,12 @@
             <p:ph type="sldImg"/>
           </p:nvPr>
         </p:nvSpPr>
-        <p:spPr/>
+        <p:spPr>
+          <a:xfrm>
+            <a:off x="139700" y="768350"/>
+            <a:ext cx="6819900" cy="3836988"/>
+          </a:xfrm>
+        </p:spPr>
       </p:sp>
       <p:sp>
         <p:nvSpPr>
@@ -893,7 +1004,12 @@
             <p:ph type="sldImg"/>
           </p:nvPr>
         </p:nvSpPr>
-        <p:spPr/>
+        <p:spPr>
+          <a:xfrm>
+            <a:off x="139700" y="768350"/>
+            <a:ext cx="6819900" cy="3836988"/>
+          </a:xfrm>
+        </p:spPr>
       </p:sp>
       <p:sp>
         <p:nvSpPr>
@@ -978,7 +1094,12 @@
             <p:ph type="sldImg"/>
           </p:nvPr>
         </p:nvSpPr>
-        <p:spPr/>
+        <p:spPr>
+          <a:xfrm>
+            <a:off x="139700" y="768350"/>
+            <a:ext cx="6819900" cy="3836988"/>
+          </a:xfrm>
+        </p:spPr>
       </p:sp>
       <p:sp>
         <p:nvSpPr>
@@ -1063,7 +1184,12 @@
             <p:ph type="sldImg"/>
           </p:nvPr>
         </p:nvSpPr>
-        <p:spPr/>
+        <p:spPr>
+          <a:xfrm>
+            <a:off x="139700" y="768350"/>
+            <a:ext cx="6819900" cy="3836988"/>
+          </a:xfrm>
+        </p:spPr>
       </p:sp>
       <p:sp>
         <p:nvSpPr>
@@ -1152,7 +1278,12 @@
             <p:ph type="sldImg"/>
           </p:nvPr>
         </p:nvSpPr>
-        <p:spPr/>
+        <p:spPr>
+          <a:xfrm>
+            <a:off x="139700" y="768350"/>
+            <a:ext cx="6819900" cy="3836988"/>
+          </a:xfrm>
+        </p:spPr>
       </p:sp>
       <p:sp>
         <p:nvSpPr>
@@ -1236,7 +1367,7 @@
       </p:grpSpPr>
       <p:sp>
         <p:nvSpPr>
-          <p:cNvPr id="2" name="Folienbildplatzhalter 1"/>
+          <p:cNvPr id="2" name="Tijdelijke aanduiding voor dia-afbeelding 1"/>
           <p:cNvSpPr>
             <a:spLocks noGrp="1" noRot="1" noChangeAspect="1"/>
           </p:cNvSpPr>
@@ -1244,11 +1375,16 @@
             <p:ph type="sldImg"/>
           </p:nvPr>
         </p:nvSpPr>
-        <p:spPr/>
+        <p:spPr>
+          <a:xfrm>
+            <a:off x="139700" y="768350"/>
+            <a:ext cx="6819900" cy="3836988"/>
+          </a:xfrm>
+        </p:spPr>
       </p:sp>
       <p:sp>
         <p:nvSpPr>
-          <p:cNvPr id="3" name="Notizenplatzhalter 2"/>
+          <p:cNvPr id="3" name="Tijdelijke aanduiding voor notities 2"/>
           <p:cNvSpPr>
             <a:spLocks noGrp="1"/>
           </p:cNvSpPr>
@@ -1261,18 +1397,18 @@
           <a:bodyPr/>
           <a:lstStyle/>
           <a:p>
-            <a:endParaRPr lang="en-US" dirty="0"/>
+            <a:endParaRPr lang="nl-NL" dirty="0"/>
           </a:p>
         </p:txBody>
       </p:sp>
       <p:sp>
         <p:nvSpPr>
-          <p:cNvPr id="4" name="Foliennummernplatzhalter 3"/>
+          <p:cNvPr id="4" name="Tijdelijke aanduiding voor dianummer 3"/>
           <p:cNvSpPr>
             <a:spLocks noGrp="1"/>
           </p:cNvSpPr>
           <p:nvPr>
-            <p:ph type="sldNum" sz="quarter" idx="10"/>
+            <p:ph type="sldNum" sz="quarter" idx="5"/>
           </p:nvPr>
         </p:nvSpPr>
         <p:spPr/>
@@ -1280,19 +1416,18 @@
           <a:bodyPr/>
           <a:lstStyle/>
           <a:p>
-            <a:fld id="{1D4D7F4E-221A-4A1C-B8F9-5079699281C6}" type="slidenum">
-              <a:rPr lang="de-DE" smtClean="0"/>
-              <a:pPr/>
-              <a:t>47</a:t>
+            <a:fld id="{5A5C3F83-0697-4E86-ACCC-06B2BA00787A}" type="slidenum">
+              <a:rPr lang="nl-NL" smtClean="0"/>
+              <a:t>31</a:t>
             </a:fld>
-            <a:endParaRPr lang="de-DE"/>
+            <a:endParaRPr lang="nl-NL"/>
           </a:p>
         </p:txBody>
       </p:sp>
     </p:spTree>
     <p:extLst>
       <p:ext uri="{BB962C8B-B14F-4D97-AF65-F5344CB8AC3E}">
-        <p14:creationId xmlns:p14="http://schemas.microsoft.com/office/powerpoint/2010/main" val="1595685951"/>
+        <p14:creationId xmlns:p14="http://schemas.microsoft.com/office/powerpoint/2010/main" val="232754875"/>
       </p:ext>
     </p:extLst>
   </p:cSld>
@@ -1331,8 +1466,8 @@
         </p:nvSpPr>
         <p:spPr>
           <a:xfrm>
-            <a:off x="685800" y="2130425"/>
-            <a:ext cx="7772400" cy="1470025"/>
+            <a:off x="914400" y="2130426"/>
+            <a:ext cx="10363200" cy="1470025"/>
           </a:xfrm>
         </p:spPr>
         <p:txBody>
@@ -1359,8 +1494,8 @@
         </p:nvSpPr>
         <p:spPr>
           <a:xfrm>
-            <a:off x="1371600" y="3886200"/>
-            <a:ext cx="6400800" cy="1752600"/>
+            <a:off x="1828800" y="3886200"/>
+            <a:ext cx="8534400" cy="1752600"/>
           </a:xfrm>
         </p:spPr>
         <p:txBody>
@@ -1483,7 +1618,7 @@
           <a:p>
             <a:fld id="{7758815F-D99B-4B41-95A2-A0AEC8FACC43}" type="datetimeFigureOut">
               <a:rPr lang="nl-NL" smtClean="0"/>
-              <a:t>25-08-2023</a:t>
+              <a:t>16-10-2023</a:t>
             </a:fld>
             <a:endParaRPr lang="nl-NL"/>
           </a:p>
@@ -1525,7 +1660,7 @@
           <a:p>
             <a:fld id="{DBA3E7B4-B031-428C-A875-F1315D524DB8}" type="slidenum">
               <a:rPr lang="nl-NL" smtClean="0"/>
-              <a:t>‹nr.›</a:t>
+              <a:t>‹#›</a:t>
             </a:fld>
             <a:endParaRPr lang="nl-NL"/>
           </a:p>
@@ -1653,7 +1788,7 @@
           <a:p>
             <a:fld id="{7758815F-D99B-4B41-95A2-A0AEC8FACC43}" type="datetimeFigureOut">
               <a:rPr lang="nl-NL" smtClean="0"/>
-              <a:t>25-08-2023</a:t>
+              <a:t>16-10-2023</a:t>
             </a:fld>
             <a:endParaRPr lang="nl-NL"/>
           </a:p>
@@ -1695,7 +1830,7 @@
           <a:p>
             <a:fld id="{DBA3E7B4-B031-428C-A875-F1315D524DB8}" type="slidenum">
               <a:rPr lang="nl-NL" smtClean="0"/>
-              <a:t>‹nr.›</a:t>
+              <a:t>‹#›</a:t>
             </a:fld>
             <a:endParaRPr lang="nl-NL"/>
           </a:p>
@@ -1743,8 +1878,8 @@
         </p:nvSpPr>
         <p:spPr>
           <a:xfrm>
-            <a:off x="6629400" y="274638"/>
-            <a:ext cx="2057400" cy="5851525"/>
+            <a:off x="8839200" y="274639"/>
+            <a:ext cx="2743200" cy="5851525"/>
           </a:xfrm>
         </p:spPr>
         <p:txBody>
@@ -1771,8 +1906,8 @@
         </p:nvSpPr>
         <p:spPr>
           <a:xfrm>
-            <a:off x="457200" y="274638"/>
-            <a:ext cx="6019800" cy="5851525"/>
+            <a:off x="609600" y="274639"/>
+            <a:ext cx="8026400" cy="5851525"/>
           </a:xfrm>
         </p:spPr>
         <p:txBody>
@@ -1833,7 +1968,7 @@
           <a:p>
             <a:fld id="{7758815F-D99B-4B41-95A2-A0AEC8FACC43}" type="datetimeFigureOut">
               <a:rPr lang="nl-NL" smtClean="0"/>
-              <a:t>25-08-2023</a:t>
+              <a:t>16-10-2023</a:t>
             </a:fld>
             <a:endParaRPr lang="nl-NL"/>
           </a:p>
@@ -1875,7 +2010,7 @@
           <a:p>
             <a:fld id="{DBA3E7B4-B031-428C-A875-F1315D524DB8}" type="slidenum">
               <a:rPr lang="nl-NL" smtClean="0"/>
-              <a:t>‹nr.›</a:t>
+              <a:t>‹#›</a:t>
             </a:fld>
             <a:endParaRPr lang="nl-NL"/>
           </a:p>
@@ -2003,7 +2138,7 @@
           <a:p>
             <a:fld id="{7758815F-D99B-4B41-95A2-A0AEC8FACC43}" type="datetimeFigureOut">
               <a:rPr lang="nl-NL" smtClean="0"/>
-              <a:t>25-08-2023</a:t>
+              <a:t>16-10-2023</a:t>
             </a:fld>
             <a:endParaRPr lang="nl-NL"/>
           </a:p>
@@ -2045,7 +2180,7 @@
           <a:p>
             <a:fld id="{DBA3E7B4-B031-428C-A875-F1315D524DB8}" type="slidenum">
               <a:rPr lang="nl-NL" smtClean="0"/>
-              <a:t>‹nr.›</a:t>
+              <a:t>‹#›</a:t>
             </a:fld>
             <a:endParaRPr lang="nl-NL"/>
           </a:p>
@@ -2093,8 +2228,8 @@
         </p:nvSpPr>
         <p:spPr>
           <a:xfrm>
-            <a:off x="722313" y="4406900"/>
-            <a:ext cx="7772400" cy="1362075"/>
+            <a:off x="963084" y="4406901"/>
+            <a:ext cx="10363200" cy="1362075"/>
           </a:xfrm>
         </p:spPr>
         <p:txBody>
@@ -2125,8 +2260,8 @@
         </p:nvSpPr>
         <p:spPr>
           <a:xfrm>
-            <a:off x="722313" y="2906713"/>
-            <a:ext cx="7772400" cy="1500187"/>
+            <a:off x="963084" y="2906713"/>
+            <a:ext cx="10363200" cy="1500187"/>
           </a:xfrm>
         </p:spPr>
         <p:txBody>
@@ -2249,7 +2384,7 @@
           <a:p>
             <a:fld id="{7758815F-D99B-4B41-95A2-A0AEC8FACC43}" type="datetimeFigureOut">
               <a:rPr lang="nl-NL" smtClean="0"/>
-              <a:t>25-08-2023</a:t>
+              <a:t>16-10-2023</a:t>
             </a:fld>
             <a:endParaRPr lang="nl-NL"/>
           </a:p>
@@ -2291,7 +2426,7 @@
           <a:p>
             <a:fld id="{DBA3E7B4-B031-428C-A875-F1315D524DB8}" type="slidenum">
               <a:rPr lang="nl-NL" smtClean="0"/>
-              <a:t>‹nr.›</a:t>
+              <a:t>‹#›</a:t>
             </a:fld>
             <a:endParaRPr lang="nl-NL"/>
           </a:p>
@@ -2362,8 +2497,8 @@
         </p:nvSpPr>
         <p:spPr>
           <a:xfrm>
-            <a:off x="457200" y="1600200"/>
-            <a:ext cx="4038600" cy="4525963"/>
+            <a:off x="609600" y="1600201"/>
+            <a:ext cx="5384800" cy="4525963"/>
           </a:xfrm>
         </p:spPr>
         <p:txBody>
@@ -2447,8 +2582,8 @@
         </p:nvSpPr>
         <p:spPr>
           <a:xfrm>
-            <a:off x="4648200" y="1600200"/>
-            <a:ext cx="4038600" cy="4525963"/>
+            <a:off x="6197600" y="1600201"/>
+            <a:ext cx="5384800" cy="4525963"/>
           </a:xfrm>
         </p:spPr>
         <p:txBody>
@@ -2537,7 +2672,7 @@
           <a:p>
             <a:fld id="{7758815F-D99B-4B41-95A2-A0AEC8FACC43}" type="datetimeFigureOut">
               <a:rPr lang="nl-NL" smtClean="0"/>
-              <a:t>25-08-2023</a:t>
+              <a:t>16-10-2023</a:t>
             </a:fld>
             <a:endParaRPr lang="nl-NL"/>
           </a:p>
@@ -2579,7 +2714,7 @@
           <a:p>
             <a:fld id="{DBA3E7B4-B031-428C-A875-F1315D524DB8}" type="slidenum">
               <a:rPr lang="nl-NL" smtClean="0"/>
-              <a:t>‹nr.›</a:t>
+              <a:t>‹#›</a:t>
             </a:fld>
             <a:endParaRPr lang="nl-NL"/>
           </a:p>
@@ -2654,8 +2789,8 @@
         </p:nvSpPr>
         <p:spPr>
           <a:xfrm>
-            <a:off x="457200" y="1535113"/>
-            <a:ext cx="4040188" cy="639762"/>
+            <a:off x="609600" y="1535113"/>
+            <a:ext cx="5386917" cy="639762"/>
           </a:xfrm>
         </p:spPr>
         <p:txBody>
@@ -2719,8 +2854,8 @@
         </p:nvSpPr>
         <p:spPr>
           <a:xfrm>
-            <a:off x="457200" y="2174875"/>
-            <a:ext cx="4040188" cy="3951288"/>
+            <a:off x="609600" y="2174875"/>
+            <a:ext cx="5386917" cy="3951288"/>
           </a:xfrm>
         </p:spPr>
         <p:txBody>
@@ -2804,8 +2939,8 @@
         </p:nvSpPr>
         <p:spPr>
           <a:xfrm>
-            <a:off x="4645025" y="1535113"/>
-            <a:ext cx="4041775" cy="639762"/>
+            <a:off x="6193368" y="1535113"/>
+            <a:ext cx="5389033" cy="639762"/>
           </a:xfrm>
         </p:spPr>
         <p:txBody>
@@ -2869,8 +3004,8 @@
         </p:nvSpPr>
         <p:spPr>
           <a:xfrm>
-            <a:off x="4645025" y="2174875"/>
-            <a:ext cx="4041775" cy="3951288"/>
+            <a:off x="6193368" y="2174875"/>
+            <a:ext cx="5389033" cy="3951288"/>
           </a:xfrm>
         </p:spPr>
         <p:txBody>
@@ -2959,7 +3094,7 @@
           <a:p>
             <a:fld id="{7758815F-D99B-4B41-95A2-A0AEC8FACC43}" type="datetimeFigureOut">
               <a:rPr lang="nl-NL" smtClean="0"/>
-              <a:t>25-08-2023</a:t>
+              <a:t>16-10-2023</a:t>
             </a:fld>
             <a:endParaRPr lang="nl-NL"/>
           </a:p>
@@ -3001,7 +3136,7 @@
           <a:p>
             <a:fld id="{DBA3E7B4-B031-428C-A875-F1315D524DB8}" type="slidenum">
               <a:rPr lang="nl-NL" smtClean="0"/>
-              <a:t>‹nr.›</a:t>
+              <a:t>‹#›</a:t>
             </a:fld>
             <a:endParaRPr lang="nl-NL"/>
           </a:p>
@@ -3077,7 +3212,7 @@
           <a:p>
             <a:fld id="{7758815F-D99B-4B41-95A2-A0AEC8FACC43}" type="datetimeFigureOut">
               <a:rPr lang="nl-NL" smtClean="0"/>
-              <a:t>25-08-2023</a:t>
+              <a:t>16-10-2023</a:t>
             </a:fld>
             <a:endParaRPr lang="nl-NL"/>
           </a:p>
@@ -3119,7 +3254,7 @@
           <a:p>
             <a:fld id="{DBA3E7B4-B031-428C-A875-F1315D524DB8}" type="slidenum">
               <a:rPr lang="nl-NL" smtClean="0"/>
-              <a:t>‹nr.›</a:t>
+              <a:t>‹#›</a:t>
             </a:fld>
             <a:endParaRPr lang="nl-NL"/>
           </a:p>
@@ -3172,7 +3307,7 @@
           <a:p>
             <a:fld id="{7758815F-D99B-4B41-95A2-A0AEC8FACC43}" type="datetimeFigureOut">
               <a:rPr lang="nl-NL" smtClean="0"/>
-              <a:t>25-08-2023</a:t>
+              <a:t>16-10-2023</a:t>
             </a:fld>
             <a:endParaRPr lang="nl-NL"/>
           </a:p>
@@ -3214,7 +3349,7 @@
           <a:p>
             <a:fld id="{DBA3E7B4-B031-428C-A875-F1315D524DB8}" type="slidenum">
               <a:rPr lang="nl-NL" smtClean="0"/>
-              <a:t>‹nr.›</a:t>
+              <a:t>‹#›</a:t>
             </a:fld>
             <a:endParaRPr lang="nl-NL"/>
           </a:p>
@@ -3262,8 +3397,8 @@
         </p:nvSpPr>
         <p:spPr>
           <a:xfrm>
-            <a:off x="457200" y="273050"/>
-            <a:ext cx="3008313" cy="1162050"/>
+            <a:off x="609601" y="273050"/>
+            <a:ext cx="4011084" cy="1162050"/>
           </a:xfrm>
         </p:spPr>
         <p:txBody>
@@ -3294,8 +3429,8 @@
         </p:nvSpPr>
         <p:spPr>
           <a:xfrm>
-            <a:off x="3575050" y="273050"/>
-            <a:ext cx="5111750" cy="5853113"/>
+            <a:off x="4766733" y="273051"/>
+            <a:ext cx="6815667" cy="5853113"/>
           </a:xfrm>
         </p:spPr>
         <p:txBody>
@@ -3379,8 +3514,8 @@
         </p:nvSpPr>
         <p:spPr>
           <a:xfrm>
-            <a:off x="457200" y="1435100"/>
-            <a:ext cx="3008313" cy="4691063"/>
+            <a:off x="609601" y="1435101"/>
+            <a:ext cx="4011084" cy="4691063"/>
           </a:xfrm>
         </p:spPr>
         <p:txBody>
@@ -3449,7 +3584,7 @@
           <a:p>
             <a:fld id="{7758815F-D99B-4B41-95A2-A0AEC8FACC43}" type="datetimeFigureOut">
               <a:rPr lang="nl-NL" smtClean="0"/>
-              <a:t>25-08-2023</a:t>
+              <a:t>16-10-2023</a:t>
             </a:fld>
             <a:endParaRPr lang="nl-NL"/>
           </a:p>
@@ -3491,7 +3626,7 @@
           <a:p>
             <a:fld id="{DBA3E7B4-B031-428C-A875-F1315D524DB8}" type="slidenum">
               <a:rPr lang="nl-NL" smtClean="0"/>
-              <a:t>‹nr.›</a:t>
+              <a:t>‹#›</a:t>
             </a:fld>
             <a:endParaRPr lang="nl-NL"/>
           </a:p>
@@ -3539,8 +3674,8 @@
         </p:nvSpPr>
         <p:spPr>
           <a:xfrm>
-            <a:off x="1792288" y="4800600"/>
-            <a:ext cx="5486400" cy="566738"/>
+            <a:off x="2389717" y="4800600"/>
+            <a:ext cx="7315200" cy="566738"/>
           </a:xfrm>
         </p:spPr>
         <p:txBody>
@@ -3571,8 +3706,8 @@
         </p:nvSpPr>
         <p:spPr>
           <a:xfrm>
-            <a:off x="1792288" y="612775"/>
-            <a:ext cx="5486400" cy="4114800"/>
+            <a:off x="2389717" y="612775"/>
+            <a:ext cx="7315200" cy="4114800"/>
           </a:xfrm>
         </p:spPr>
         <p:txBody>
@@ -3632,8 +3767,8 @@
         </p:nvSpPr>
         <p:spPr>
           <a:xfrm>
-            <a:off x="1792288" y="5367338"/>
-            <a:ext cx="5486400" cy="804862"/>
+            <a:off x="2389717" y="5367338"/>
+            <a:ext cx="7315200" cy="804862"/>
           </a:xfrm>
         </p:spPr>
         <p:txBody>
@@ -3702,7 +3837,7 @@
           <a:p>
             <a:fld id="{7758815F-D99B-4B41-95A2-A0AEC8FACC43}" type="datetimeFigureOut">
               <a:rPr lang="nl-NL" smtClean="0"/>
-              <a:t>25-08-2023</a:t>
+              <a:t>16-10-2023</a:t>
             </a:fld>
             <a:endParaRPr lang="nl-NL"/>
           </a:p>
@@ -3744,7 +3879,7 @@
           <a:p>
             <a:fld id="{DBA3E7B4-B031-428C-A875-F1315D524DB8}" type="slidenum">
               <a:rPr lang="nl-NL" smtClean="0"/>
-              <a:t>‹nr.›</a:t>
+              <a:t>‹#›</a:t>
             </a:fld>
             <a:endParaRPr lang="nl-NL"/>
           </a:p>
@@ -3797,8 +3932,8 @@
         </p:nvSpPr>
         <p:spPr>
           <a:xfrm>
-            <a:off x="457200" y="274638"/>
-            <a:ext cx="8229600" cy="1143000"/>
+            <a:off x="609600" y="274638"/>
+            <a:ext cx="10972800" cy="1143000"/>
           </a:xfrm>
           <a:prstGeom prst="rect">
             <a:avLst/>
@@ -3830,8 +3965,8 @@
         </p:nvSpPr>
         <p:spPr>
           <a:xfrm>
-            <a:off x="457200" y="1600200"/>
-            <a:ext cx="8229600" cy="4525963"/>
+            <a:off x="609600" y="1600201"/>
+            <a:ext cx="10972800" cy="4525963"/>
           </a:xfrm>
           <a:prstGeom prst="rect">
             <a:avLst/>
@@ -3892,8 +4027,8 @@
         </p:nvSpPr>
         <p:spPr>
           <a:xfrm>
-            <a:off x="457200" y="6356350"/>
-            <a:ext cx="2133600" cy="365125"/>
+            <a:off x="609600" y="6356351"/>
+            <a:ext cx="2844800" cy="365125"/>
           </a:xfrm>
           <a:prstGeom prst="rect">
             <a:avLst/>
@@ -3915,7 +4050,7 @@
           <a:p>
             <a:fld id="{7758815F-D99B-4B41-95A2-A0AEC8FACC43}" type="datetimeFigureOut">
               <a:rPr lang="nl-NL" smtClean="0"/>
-              <a:t>25-08-2023</a:t>
+              <a:t>16-10-2023</a:t>
             </a:fld>
             <a:endParaRPr lang="nl-NL"/>
           </a:p>
@@ -3933,8 +4068,8 @@
         </p:nvSpPr>
         <p:spPr>
           <a:xfrm>
-            <a:off x="3124200" y="6356350"/>
-            <a:ext cx="2895600" cy="365125"/>
+            <a:off x="4165600" y="6356351"/>
+            <a:ext cx="3860800" cy="365125"/>
           </a:xfrm>
           <a:prstGeom prst="rect">
             <a:avLst/>
@@ -3970,8 +4105,8 @@
         </p:nvSpPr>
         <p:spPr>
           <a:xfrm>
-            <a:off x="6553200" y="6356350"/>
-            <a:ext cx="2133600" cy="365125"/>
+            <a:off x="8737600" y="6356351"/>
+            <a:ext cx="2844800" cy="365125"/>
           </a:xfrm>
           <a:prstGeom prst="rect">
             <a:avLst/>
@@ -3993,7 +4128,7 @@
           <a:p>
             <a:fld id="{DBA3E7B4-B031-428C-A875-F1315D524DB8}" type="slidenum">
               <a:rPr lang="nl-NL" smtClean="0"/>
-              <a:t>‹nr.›</a:t>
+              <a:t>‹#›</a:t>
             </a:fld>
             <a:endParaRPr lang="nl-NL"/>
           </a:p>
@@ -4445,7 +4580,7 @@
         </p:nvSpPr>
         <p:spPr>
           <a:xfrm>
-            <a:off x="428413" y="1043211"/>
+            <a:off x="1952413" y="1043211"/>
             <a:ext cx="4040188" cy="685800"/>
           </a:xfrm>
         </p:spPr>
@@ -4479,7 +4614,7 @@
         </p:nvSpPr>
         <p:spPr>
           <a:xfrm>
-            <a:off x="4619413" y="1052736"/>
+            <a:off x="6143414" y="1052736"/>
             <a:ext cx="4041775" cy="685800"/>
           </a:xfrm>
         </p:spPr>
@@ -4536,7 +4671,7 @@
           </p:nvPr>
         </p:nvGraphicFramePr>
         <p:xfrm>
-          <a:off x="510765" y="1962200"/>
+          <a:off x="2034765" y="1962200"/>
           <a:ext cx="3615894" cy="3173716"/>
         </p:xfrm>
         <a:graphic>
@@ -5503,7 +5638,7 @@
           <p:nvPr/>
         </p:nvGraphicFramePr>
         <p:xfrm>
-          <a:off x="4687229" y="2034209"/>
+          <a:off x="6211230" y="2034209"/>
           <a:ext cx="4066005" cy="3024336"/>
         </p:xfrm>
         <a:graphic>
@@ -6469,7 +6604,7 @@
         </p:nvSpPr>
         <p:spPr>
           <a:xfrm>
-            <a:off x="3535101" y="4136261"/>
+            <a:off x="5059101" y="4136261"/>
             <a:ext cx="4536504" cy="864096"/>
           </a:xfrm>
           <a:prstGeom prst="curvedUpArrow">
@@ -6518,7 +6653,7 @@
         </p:nvSpPr>
         <p:spPr>
           <a:xfrm>
-            <a:off x="493204" y="5445224"/>
+            <a:off x="2017204" y="5445224"/>
             <a:ext cx="8229600" cy="1008112"/>
           </a:xfrm>
           <a:prstGeom prst="rect">
@@ -6717,7 +6852,6 @@
               <a:spcBef>
                 <a:spcPts val="1800"/>
               </a:spcBef>
-              <a:buFont typeface="Wingdings 3"/>
               <a:buNone/>
             </a:pPr>
             <a:r>
@@ -6901,7 +7035,7 @@
         </p:nvSpPr>
         <p:spPr>
           <a:xfrm>
-            <a:off x="428413" y="1043211"/>
+            <a:off x="1952413" y="1043211"/>
             <a:ext cx="4040188" cy="685800"/>
           </a:xfrm>
         </p:spPr>
@@ -6935,7 +7069,7 @@
         </p:nvSpPr>
         <p:spPr>
           <a:xfrm>
-            <a:off x="4619413" y="1052736"/>
+            <a:off x="6143414" y="1052736"/>
             <a:ext cx="4041775" cy="685800"/>
           </a:xfrm>
         </p:spPr>
@@ -6992,7 +7126,7 @@
           </p:nvPr>
         </p:nvGraphicFramePr>
         <p:xfrm>
-          <a:off x="510765" y="1962200"/>
+          <a:off x="2034765" y="1962200"/>
           <a:ext cx="3615894" cy="3173716"/>
         </p:xfrm>
         <a:graphic>
@@ -7959,7 +8093,7 @@
           <p:nvPr/>
         </p:nvGraphicFramePr>
         <p:xfrm>
-          <a:off x="4687229" y="2034209"/>
+          <a:off x="6211230" y="2034209"/>
           <a:ext cx="4066005" cy="3024336"/>
         </p:xfrm>
         <a:graphic>
@@ -8925,7 +9059,7 @@
         </p:nvSpPr>
         <p:spPr>
           <a:xfrm>
-            <a:off x="3535101" y="4136261"/>
+            <a:off x="5059101" y="4136261"/>
             <a:ext cx="4536504" cy="864096"/>
           </a:xfrm>
           <a:prstGeom prst="curvedUpArrow">
@@ -8974,7 +9108,7 @@
         </p:nvSpPr>
         <p:spPr>
           <a:xfrm>
-            <a:off x="493204" y="5445224"/>
+            <a:off x="2017204" y="5445224"/>
             <a:ext cx="8229600" cy="1008112"/>
           </a:xfrm>
           <a:prstGeom prst="rect">
@@ -9193,7 +9327,7 @@
         </p:nvSpPr>
         <p:spPr>
           <a:xfrm>
-            <a:off x="191294" y="5522595"/>
+            <a:off x="1715294" y="5522596"/>
             <a:ext cx="8561940" cy="646331"/>
           </a:xfrm>
           <a:prstGeom prst="rect">
@@ -9395,7 +9529,7 @@
         </p:nvSpPr>
         <p:spPr>
           <a:xfrm>
-            <a:off x="457200" y="274638"/>
+            <a:off x="1981200" y="274638"/>
             <a:ext cx="8229600" cy="850106"/>
           </a:xfrm>
         </p:spPr>
@@ -9422,7 +9556,7 @@
         </p:nvSpPr>
         <p:spPr>
           <a:xfrm>
-            <a:off x="457200" y="1484784"/>
+            <a:off x="1981200" y="1484784"/>
             <a:ext cx="8229600" cy="4752528"/>
           </a:xfrm>
         </p:spPr>
@@ -9486,7 +9620,7 @@
         </p:nvSpPr>
         <p:spPr>
           <a:xfrm>
-            <a:off x="755576" y="4293096"/>
+            <a:off x="2279576" y="4293096"/>
             <a:ext cx="8229600" cy="2308324"/>
           </a:xfrm>
           <a:prstGeom prst="rect">
@@ -9711,7 +9845,7 @@
         </p:nvSpPr>
         <p:spPr>
           <a:xfrm>
-            <a:off x="457200" y="274638"/>
+            <a:off x="1981200" y="274638"/>
             <a:ext cx="8229600" cy="850106"/>
           </a:xfrm>
         </p:spPr>
@@ -9738,7 +9872,7 @@
         </p:nvSpPr>
         <p:spPr>
           <a:xfrm>
-            <a:off x="457200" y="1484784"/>
+            <a:off x="1981200" y="1484784"/>
             <a:ext cx="8229600" cy="4752528"/>
           </a:xfrm>
         </p:spPr>
@@ -9802,7 +9936,7 @@
         </p:nvSpPr>
         <p:spPr>
           <a:xfrm>
-            <a:off x="755576" y="4293096"/>
+            <a:off x="2279576" y="4293096"/>
             <a:ext cx="8229600" cy="2308324"/>
           </a:xfrm>
           <a:prstGeom prst="rect">
@@ -9875,7 +10009,7 @@
         </p:nvSpPr>
         <p:spPr>
           <a:xfrm>
-            <a:off x="755576" y="4365104"/>
+            <a:off x="2279576" y="4365104"/>
             <a:ext cx="8280920" cy="2646878"/>
           </a:xfrm>
           <a:prstGeom prst="rect">
@@ -10017,7 +10151,7 @@
         </p:nvSpPr>
         <p:spPr>
           <a:xfrm>
-            <a:off x="179512" y="274638"/>
+            <a:off x="1703512" y="274638"/>
             <a:ext cx="8784976" cy="1143000"/>
           </a:xfrm>
         </p:spPr>
@@ -10324,7 +10458,7 @@
         </p:nvSpPr>
         <p:spPr>
           <a:xfrm>
-            <a:off x="457200" y="274638"/>
+            <a:off x="1981200" y="274638"/>
             <a:ext cx="8229600" cy="850106"/>
           </a:xfrm>
         </p:spPr>
@@ -10360,7 +10494,7 @@
         </p:nvSpPr>
         <p:spPr>
           <a:xfrm>
-            <a:off x="457200" y="1484784"/>
+            <a:off x="1981200" y="1484784"/>
             <a:ext cx="8229600" cy="2736304"/>
           </a:xfrm>
         </p:spPr>
@@ -10443,7 +10577,7 @@
         </p:nvSpPr>
         <p:spPr>
           <a:xfrm>
-            <a:off x="467544" y="228600"/>
+            <a:off x="1991544" y="228600"/>
             <a:ext cx="8219256" cy="914400"/>
           </a:xfrm>
         </p:spPr>
@@ -10474,7 +10608,7 @@
         </p:nvSpPr>
         <p:spPr>
           <a:xfrm>
-            <a:off x="424380" y="1043211"/>
+            <a:off x="1948380" y="1043211"/>
             <a:ext cx="4040188" cy="685800"/>
           </a:xfrm>
         </p:spPr>
@@ -10508,7 +10642,7 @@
         </p:nvSpPr>
         <p:spPr>
           <a:xfrm>
-            <a:off x="4615380" y="1052736"/>
+            <a:off x="6139381" y="1052736"/>
             <a:ext cx="4041775" cy="685800"/>
           </a:xfrm>
         </p:spPr>
@@ -10542,7 +10676,7 @@
         </p:nvSpPr>
         <p:spPr>
           <a:xfrm>
-            <a:off x="424380" y="1890936"/>
+            <a:off x="1948380" y="1890936"/>
             <a:ext cx="4038600" cy="4038600"/>
           </a:xfrm>
         </p:spPr>
@@ -10570,7 +10704,7 @@
           </p:nvPr>
         </p:nvGraphicFramePr>
         <p:xfrm>
-          <a:off x="1043608" y="1844824"/>
+          <a:off x="2567608" y="1844825"/>
           <a:ext cx="2376264" cy="1368153"/>
         </p:xfrm>
         <a:graphic>
@@ -10939,7 +11073,7 @@
           <p:nvPr/>
         </p:nvGraphicFramePr>
         <p:xfrm>
-          <a:off x="1115616" y="3307553"/>
+          <a:off x="2639616" y="3307553"/>
           <a:ext cx="2232248" cy="2474304"/>
         </p:xfrm>
         <a:graphic>
@@ -11626,7 +11760,7 @@
           <p:nvPr/>
         </p:nvGraphicFramePr>
         <p:xfrm>
-          <a:off x="5004048" y="1844824"/>
+          <a:off x="6528048" y="1844825"/>
           <a:ext cx="2376264" cy="1368153"/>
         </p:xfrm>
         <a:graphic>
@@ -11992,12 +12126,10 @@
           <p:cNvGraphicFramePr>
             <a:graphicFrameLocks noGrp="1"/>
           </p:cNvGraphicFramePr>
-          <p:nvPr>
-            <p:extLst/>
-          </p:nvPr>
+          <p:nvPr/>
         </p:nvGraphicFramePr>
         <p:xfrm>
-          <a:off x="5076056" y="3307553"/>
+          <a:off x="6600056" y="3307553"/>
           <a:ext cx="2232248" cy="2474304"/>
         </p:xfrm>
         <a:graphic>
@@ -12683,7 +12815,7 @@
         </p:nvSpPr>
         <p:spPr>
           <a:xfrm>
-            <a:off x="2682705" y="5781965"/>
+            <a:off x="4206706" y="5781966"/>
             <a:ext cx="4337567" cy="694229"/>
           </a:xfrm>
           <a:prstGeom prst="curvedUpArrow">
@@ -12730,7 +12862,7 @@
         </p:nvSpPr>
         <p:spPr>
           <a:xfrm>
-            <a:off x="2699716" y="3140968"/>
+            <a:off x="4223717" y="3140969"/>
             <a:ext cx="4337567" cy="694229"/>
           </a:xfrm>
           <a:prstGeom prst="curvedUpArrow">
@@ -12777,7 +12909,7 @@
         </p:nvSpPr>
         <p:spPr>
           <a:xfrm>
-            <a:off x="2852116" y="3293368"/>
+            <a:off x="4376117" y="3293369"/>
             <a:ext cx="4337567" cy="694229"/>
           </a:xfrm>
           <a:prstGeom prst="curvedUpArrow">
@@ -12824,7 +12956,7 @@
         </p:nvSpPr>
         <p:spPr>
           <a:xfrm>
-            <a:off x="3004516" y="3445768"/>
+            <a:off x="4528517" y="3445769"/>
             <a:ext cx="4337567" cy="694229"/>
           </a:xfrm>
           <a:prstGeom prst="curvedUpArrow">
@@ -12871,7 +13003,7 @@
         </p:nvSpPr>
         <p:spPr>
           <a:xfrm>
-            <a:off x="2835105" y="5934365"/>
+            <a:off x="4359106" y="5934366"/>
             <a:ext cx="4337567" cy="694229"/>
           </a:xfrm>
           <a:prstGeom prst="curvedUpArrow">
@@ -12918,7 +13050,7 @@
         </p:nvSpPr>
         <p:spPr>
           <a:xfrm>
-            <a:off x="2987505" y="6086765"/>
+            <a:off x="4511506" y="6086766"/>
             <a:ext cx="4337567" cy="694229"/>
           </a:xfrm>
           <a:prstGeom prst="curvedUpArrow">
@@ -13307,7 +13439,7 @@
         </p:nvSpPr>
         <p:spPr>
           <a:xfrm>
-            <a:off x="467544" y="228600"/>
+            <a:off x="1991544" y="228600"/>
             <a:ext cx="8219256" cy="914400"/>
           </a:xfrm>
         </p:spPr>
@@ -13338,7 +13470,7 @@
         </p:nvSpPr>
         <p:spPr>
           <a:xfrm>
-            <a:off x="424380" y="1043211"/>
+            <a:off x="1948380" y="1043211"/>
             <a:ext cx="4040188" cy="685800"/>
           </a:xfrm>
         </p:spPr>
@@ -13372,7 +13504,7 @@
         </p:nvSpPr>
         <p:spPr>
           <a:xfrm>
-            <a:off x="4615380" y="1052736"/>
+            <a:off x="6139381" y="1052736"/>
             <a:ext cx="4041775" cy="685800"/>
           </a:xfrm>
         </p:spPr>
@@ -13406,7 +13538,7 @@
         </p:nvSpPr>
         <p:spPr>
           <a:xfrm>
-            <a:off x="424380" y="1890936"/>
+            <a:off x="1948380" y="1890936"/>
             <a:ext cx="4038600" cy="4038600"/>
           </a:xfrm>
         </p:spPr>
@@ -13433,7 +13565,7 @@
         </p:nvSpPr>
         <p:spPr>
           <a:xfrm>
-            <a:off x="323528" y="5831115"/>
+            <a:off x="1847528" y="5831115"/>
             <a:ext cx="8712968" cy="1008112"/>
           </a:xfrm>
           <a:prstGeom prst="rect">
@@ -13635,7 +13767,6 @@
               <a:spcBef>
                 <a:spcPts val="1800"/>
               </a:spcBef>
-              <a:buFont typeface="Wingdings 3"/>
               <a:buNone/>
             </a:pPr>
             <a:r>
@@ -13690,7 +13821,7 @@
           </p:nvPr>
         </p:nvGraphicFramePr>
         <p:xfrm>
-          <a:off x="1043608" y="1844824"/>
+          <a:off x="2567608" y="1844825"/>
           <a:ext cx="2376264" cy="1368153"/>
         </p:xfrm>
         <a:graphic>
@@ -14059,7 +14190,7 @@
           <p:nvPr/>
         </p:nvGraphicFramePr>
         <p:xfrm>
-          <a:off x="1115616" y="3307553"/>
+          <a:off x="2639616" y="3307553"/>
           <a:ext cx="2232248" cy="2474304"/>
         </p:xfrm>
         <a:graphic>
@@ -14746,7 +14877,7 @@
           <p:nvPr/>
         </p:nvGraphicFramePr>
         <p:xfrm>
-          <a:off x="5004048" y="1844824"/>
+          <a:off x="6528048" y="1844825"/>
           <a:ext cx="2376264" cy="1368153"/>
         </p:xfrm>
         <a:graphic>
@@ -15112,12 +15243,10 @@
           <p:cNvGraphicFramePr>
             <a:graphicFrameLocks noGrp="1"/>
           </p:cNvGraphicFramePr>
-          <p:nvPr>
-            <p:extLst/>
-          </p:nvPr>
+          <p:nvPr/>
         </p:nvGraphicFramePr>
         <p:xfrm>
-          <a:off x="5076056" y="3307553"/>
+          <a:off x="6600056" y="3307553"/>
           <a:ext cx="2232248" cy="2474304"/>
         </p:xfrm>
         <a:graphic>
@@ -15837,7 +15966,7 @@
         </p:nvSpPr>
         <p:spPr>
           <a:xfrm>
-            <a:off x="467544" y="228600"/>
+            <a:off x="1991544" y="228600"/>
             <a:ext cx="8219256" cy="914400"/>
           </a:xfrm>
         </p:spPr>
@@ -15868,7 +15997,7 @@
         </p:nvSpPr>
         <p:spPr>
           <a:xfrm>
-            <a:off x="424380" y="1043211"/>
+            <a:off x="1948380" y="1043211"/>
             <a:ext cx="4040188" cy="685800"/>
           </a:xfrm>
         </p:spPr>
@@ -15902,7 +16031,7 @@
         </p:nvSpPr>
         <p:spPr>
           <a:xfrm>
-            <a:off x="4615380" y="1052736"/>
+            <a:off x="6139381" y="1052736"/>
             <a:ext cx="4041775" cy="685800"/>
           </a:xfrm>
         </p:spPr>
@@ -15936,7 +16065,7 @@
         </p:nvSpPr>
         <p:spPr>
           <a:xfrm>
-            <a:off x="424380" y="1890936"/>
+            <a:off x="1948380" y="1890936"/>
             <a:ext cx="4038600" cy="4038600"/>
           </a:xfrm>
         </p:spPr>
@@ -15964,7 +16093,7 @@
           </p:nvPr>
         </p:nvGraphicFramePr>
         <p:xfrm>
-          <a:off x="1043608" y="1844824"/>
+          <a:off x="2567608" y="1844825"/>
           <a:ext cx="2376264" cy="1368153"/>
         </p:xfrm>
         <a:graphic>
@@ -16333,7 +16462,7 @@
           <p:nvPr/>
         </p:nvGraphicFramePr>
         <p:xfrm>
-          <a:off x="1115616" y="3307553"/>
+          <a:off x="2639616" y="3307553"/>
           <a:ext cx="2232248" cy="2474304"/>
         </p:xfrm>
         <a:graphic>
@@ -17020,7 +17149,7 @@
           <p:nvPr/>
         </p:nvGraphicFramePr>
         <p:xfrm>
-          <a:off x="5004048" y="1844824"/>
+          <a:off x="6528048" y="1844825"/>
           <a:ext cx="2376264" cy="1368153"/>
         </p:xfrm>
         <a:graphic>
@@ -17386,12 +17515,10 @@
           <p:cNvGraphicFramePr>
             <a:graphicFrameLocks noGrp="1"/>
           </p:cNvGraphicFramePr>
-          <p:nvPr>
-            <p:extLst/>
-          </p:nvPr>
+          <p:nvPr/>
         </p:nvGraphicFramePr>
         <p:xfrm>
-          <a:off x="5076056" y="3307553"/>
+          <a:off x="6600056" y="3307553"/>
           <a:ext cx="2232248" cy="2474304"/>
         </p:xfrm>
         <a:graphic>
@@ -18083,7 +18210,7 @@
         </p:nvSpPr>
         <p:spPr>
           <a:xfrm>
-            <a:off x="5172" y="5951808"/>
+            <a:off x="1529172" y="5951808"/>
             <a:ext cx="9031324" cy="923330"/>
           </a:xfrm>
           <a:prstGeom prst="rect">
@@ -18263,7 +18390,7 @@
         </p:nvSpPr>
         <p:spPr>
           <a:xfrm>
-            <a:off x="457200" y="1600200"/>
+            <a:off x="1981200" y="1600200"/>
             <a:ext cx="8229600" cy="4637112"/>
           </a:xfrm>
         </p:spPr>
@@ -18326,7 +18453,7 @@
         </p:nvSpPr>
         <p:spPr>
           <a:xfrm>
-            <a:off x="395536" y="6309320"/>
+            <a:off x="1919536" y="6309320"/>
             <a:ext cx="6840760" cy="369332"/>
           </a:xfrm>
           <a:prstGeom prst="rect">
@@ -18357,7 +18484,7 @@
           <p:nvPr/>
         </p:nvGraphicFramePr>
         <p:xfrm>
-          <a:off x="361864" y="3724122"/>
+          <a:off x="1885864" y="3724122"/>
           <a:ext cx="3420380" cy="1854200"/>
         </p:xfrm>
         <a:graphic>
@@ -18720,7 +18847,7 @@
           <p:nvPr/>
         </p:nvGraphicFramePr>
         <p:xfrm>
-          <a:off x="3905978" y="3748016"/>
+          <a:off x="5429978" y="3748016"/>
           <a:ext cx="3420380" cy="1849120"/>
         </p:xfrm>
         <a:graphic>
@@ -19195,12 +19322,8 @@
           <a:lstStyle/>
           <a:p>
             <a:r>
-              <a:rPr lang="nl-NL" dirty="0" err="1"/>
-              <a:t>Literature</a:t>
-            </a:r>
-            <a:r>
               <a:rPr lang="nl-NL" dirty="0"/>
-              <a:t> </a:t>
+              <a:t>Programme </a:t>
             </a:r>
             <a:r>
               <a:rPr lang="nl-NL" dirty="0" err="1"/>
@@ -19223,7 +19346,7 @@
         <p:spPr/>
         <p:txBody>
           <a:bodyPr>
-            <a:normAutofit fontScale="92500" lnSpcReduction="10000"/>
+            <a:normAutofit fontScale="92500" lnSpcReduction="20000"/>
           </a:bodyPr>
           <a:lstStyle/>
           <a:p>
@@ -19286,6 +19409,16 @@
             <a:r>
               <a:rPr lang="nl-NL" dirty="0"/>
               <a:t> error</a:t>
+            </a:r>
+          </a:p>
+          <a:p>
+            <a:r>
+              <a:rPr lang="nl-NL" dirty="0" err="1"/>
+              <a:t>Brick</a:t>
+            </a:r>
+            <a:r>
+              <a:rPr lang="nl-NL" dirty="0"/>
+              <a:t> (2013)</a:t>
             </a:r>
           </a:p>
           <a:p>
@@ -19454,7 +19587,7 @@
         </p:nvSpPr>
         <p:spPr>
           <a:xfrm>
-            <a:off x="395536" y="6309320"/>
+            <a:off x="1919536" y="6309320"/>
             <a:ext cx="6840760" cy="369332"/>
           </a:xfrm>
           <a:prstGeom prst="rect">
@@ -19484,7 +19617,7 @@
         </p:nvSpPr>
         <p:spPr>
           <a:xfrm>
-            <a:off x="611560" y="1028343"/>
+            <a:off x="2135560" y="1028344"/>
             <a:ext cx="7776864" cy="5109091"/>
           </a:xfrm>
           <a:prstGeom prst="rect">
@@ -19617,7 +19750,7 @@
         </p:blipFill>
         <p:spPr bwMode="auto">
           <a:xfrm>
-            <a:off x="5905670" y="4077072"/>
+            <a:off x="7429671" y="4077072"/>
             <a:ext cx="2657475" cy="933450"/>
           </a:xfrm>
           <a:prstGeom prst="rect">
@@ -19629,14 +19762,14 @@
           </a:ln>
           <a:extLst>
             <a:ext uri="{909E8E84-426E-40dd-AFC4-6F175D3DCCD1}">
-              <a14:hiddenFill xmlns:a14="http://schemas.microsoft.com/office/drawing/2010/main" xmlns="">
+              <a14:hiddenFill xmlns="" xmlns:a14="http://schemas.microsoft.com/office/drawing/2010/main">
                 <a:solidFill>
                   <a:schemeClr val="accent1"/>
                 </a:solidFill>
               </a14:hiddenFill>
             </a:ext>
             <a:ext uri="{91240B29-F687-4f45-9708-019B960494DF}">
-              <a14:hiddenLine xmlns:a14="http://schemas.microsoft.com/office/drawing/2010/main" xmlns="" w="9525">
+              <a14:hiddenLine xmlns="" xmlns:a14="http://schemas.microsoft.com/office/drawing/2010/main" w="9525">
                 <a:solidFill>
                   <a:schemeClr val="tx1"/>
                 </a:solidFill>
@@ -19671,7 +19804,7 @@
         </p:blipFill>
         <p:spPr bwMode="auto">
           <a:xfrm>
-            <a:off x="6732240" y="5376168"/>
+            <a:off x="8256240" y="5376168"/>
             <a:ext cx="2247900" cy="781050"/>
           </a:xfrm>
           <a:prstGeom prst="rect">
@@ -19683,14 +19816,14 @@
           </a:ln>
           <a:extLst>
             <a:ext uri="{909E8E84-426E-40dd-AFC4-6F175D3DCCD1}">
-              <a14:hiddenFill xmlns:a14="http://schemas.microsoft.com/office/drawing/2010/main" xmlns="">
+              <a14:hiddenFill xmlns="" xmlns:a14="http://schemas.microsoft.com/office/drawing/2010/main">
                 <a:solidFill>
                   <a:schemeClr val="accent1"/>
                 </a:solidFill>
               </a14:hiddenFill>
             </a:ext>
             <a:ext uri="{91240B29-F687-4f45-9708-019B960494DF}">
-              <a14:hiddenLine xmlns:a14="http://schemas.microsoft.com/office/drawing/2010/main" xmlns="" w="9525">
+              <a14:hiddenLine xmlns="" xmlns:a14="http://schemas.microsoft.com/office/drawing/2010/main" w="9525">
                 <a:solidFill>
                   <a:schemeClr val="tx1"/>
                 </a:solidFill>
@@ -19768,7 +19901,7 @@
         </p:nvSpPr>
         <p:spPr>
           <a:xfrm>
-            <a:off x="457200" y="1600200"/>
+            <a:off x="1981200" y="1600200"/>
             <a:ext cx="8686800" cy="5213176"/>
           </a:xfrm>
         </p:spPr>
@@ -19865,7 +19998,7 @@
           </p:nvPr>
         </p:nvGraphicFramePr>
         <p:xfrm>
-          <a:off x="395536" y="1417638"/>
+          <a:off x="1919536" y="1417638"/>
           <a:ext cx="5976664" cy="3708400"/>
         </p:xfrm>
         <a:graphic>
@@ -21267,7 +21400,7 @@
         </p:nvSpPr>
         <p:spPr>
           <a:xfrm>
-            <a:off x="457200" y="1600200"/>
+            <a:off x="1981200" y="1600200"/>
             <a:ext cx="8686800" cy="5213176"/>
           </a:xfrm>
         </p:spPr>
@@ -21404,7 +21537,7 @@
           <p:nvPr/>
         </p:nvGraphicFramePr>
         <p:xfrm>
-          <a:off x="395536" y="1417638"/>
+          <a:off x="1919536" y="1417638"/>
           <a:ext cx="5976664" cy="3708400"/>
         </p:xfrm>
         <a:graphic>
@@ -22806,7 +22939,7 @@
         </p:nvSpPr>
         <p:spPr>
           <a:xfrm>
-            <a:off x="457200" y="1600200"/>
+            <a:off x="1981200" y="1600200"/>
             <a:ext cx="8229600" cy="5213176"/>
           </a:xfrm>
         </p:spPr>
@@ -22866,7 +22999,7 @@
           <p:nvPr/>
         </p:nvGraphicFramePr>
         <p:xfrm>
-          <a:off x="251520" y="2204864"/>
+          <a:off x="1775520" y="2204864"/>
           <a:ext cx="5976664" cy="3708400"/>
         </p:xfrm>
         <a:graphic>
@@ -24393,7 +24526,7 @@
         </p:nvSpPr>
         <p:spPr>
           <a:xfrm>
-            <a:off x="457200" y="1600200"/>
+            <a:off x="1981200" y="1600200"/>
             <a:ext cx="8229600" cy="5213176"/>
           </a:xfrm>
         </p:spPr>
@@ -24446,7 +24579,7 @@
           <p:nvPr/>
         </p:nvGraphicFramePr>
         <p:xfrm>
-          <a:off x="251520" y="2204864"/>
+          <a:off x="1775520" y="2204864"/>
           <a:ext cx="5976664" cy="3708400"/>
         </p:xfrm>
         <a:graphic>
@@ -25763,7 +25896,7 @@
         </p:nvSpPr>
         <p:spPr>
           <a:xfrm>
-            <a:off x="254725" y="5934670"/>
+            <a:off x="1778725" y="5934670"/>
             <a:ext cx="8343638" cy="923330"/>
           </a:xfrm>
           <a:prstGeom prst="rect">
@@ -25997,7 +26130,7 @@
         </p:nvSpPr>
         <p:spPr>
           <a:xfrm>
-            <a:off x="457200" y="1628800"/>
+            <a:off x="1981200" y="1628801"/>
             <a:ext cx="8075240" cy="4497363"/>
           </a:xfrm>
         </p:spPr>
@@ -26143,7 +26276,7 @@
         </p:blipFill>
         <p:spPr bwMode="auto">
           <a:xfrm>
-            <a:off x="398910" y="898602"/>
+            <a:off x="1922910" y="898603"/>
             <a:ext cx="7914132" cy="5728543"/>
           </a:xfrm>
           <a:prstGeom prst="rect">
@@ -26156,14 +26289,14 @@
           <a:effectLst/>
           <a:extLst>
             <a:ext uri="{909E8E84-426E-40dd-AFC4-6F175D3DCCD1}">
-              <a14:hiddenFill xmlns:a14="http://schemas.microsoft.com/office/drawing/2010/main" xmlns="">
+              <a14:hiddenFill xmlns="" xmlns:a14="http://schemas.microsoft.com/office/drawing/2010/main">
                 <a:solidFill>
                   <a:schemeClr val="accent1"/>
                 </a:solidFill>
               </a14:hiddenFill>
             </a:ext>
             <a:ext uri="{91240B29-F687-4f45-9708-019B960494DF}">
-              <a14:hiddenLine xmlns:a14="http://schemas.microsoft.com/office/drawing/2010/main" xmlns="" w="9525">
+              <a14:hiddenLine xmlns="" xmlns:a14="http://schemas.microsoft.com/office/drawing/2010/main" w="9525">
                 <a:solidFill>
                   <a:schemeClr val="tx1"/>
                 </a:solidFill>
@@ -26173,7 +26306,7 @@
               </a14:hiddenLine>
             </a:ext>
             <a:ext uri="{AF507438-7753-43e0-B8FC-AC1667EBCBE1}">
-              <a14:hiddenEffects xmlns:a14="http://schemas.microsoft.com/office/drawing/2010/main" xmlns="">
+              <a14:hiddenEffects xmlns="" xmlns:a14="http://schemas.microsoft.com/office/drawing/2010/main">
                 <a:effectLst>
                   <a:outerShdw dist="35921" dir="2700000" algn="ctr" rotWithShape="0">
                     <a:schemeClr val="bg2"/>
@@ -26196,7 +26329,7 @@
         </p:nvSpPr>
         <p:spPr>
           <a:xfrm>
-            <a:off x="457200" y="152400"/>
+            <a:off x="1981200" y="152401"/>
             <a:ext cx="8229600" cy="696239"/>
           </a:xfrm>
         </p:spPr>
@@ -26225,7 +26358,7 @@
         </p:nvSpPr>
         <p:spPr>
           <a:xfrm>
-            <a:off x="4767487" y="6424739"/>
+            <a:off x="6291487" y="6424739"/>
             <a:ext cx="3550172" cy="404812"/>
           </a:xfrm>
           <a:prstGeom prst="rect">
@@ -26238,90 +26371,21 @@
           </a:bodyPr>
           <a:lstStyle/>
           <a:p>
-            <a:pPr marL="274320" marR="0" lvl="0" indent="-274320" algn="r" defTabSz="914400" rtl="0" eaLnBrk="1" fontAlgn="auto" latinLnBrk="0" hangingPunct="1">
-              <a:lnSpc>
-                <a:spcPct val="100000"/>
-              </a:lnSpc>
+            <a:pPr marL="274320" indent="-274320" algn="r">
               <a:spcBef>
                 <a:spcPct val="0"/>
               </a:spcBef>
-              <a:spcAft>
-                <a:spcPts val="0"/>
-              </a:spcAft>
               <a:buClr>
                 <a:srgbClr val="FCA914"/>
               </a:buClr>
               <a:buSzPct val="76000"/>
-              <a:buFont typeface="Webdings" pitchFamily="18" charset="2"/>
-              <a:buNone/>
-              <a:tabLst/>
               <a:defRPr/>
             </a:pPr>
             <a:r>
-              <a:rPr kumimoji="0" lang="en-US" sz="1800" b="0" i="0" u="none" strike="noStrike" kern="1200" cap="none" spc="0" normalizeH="0" baseline="0" noProof="0" dirty="0">
-                <a:ln>
-                  <a:noFill/>
-                </a:ln>
-                <a:solidFill>
-                  <a:schemeClr val="tx1"/>
-                </a:solidFill>
-                <a:effectLst/>
-                <a:uLnTx/>
-                <a:uFillTx/>
-                <a:latin typeface="+mn-lt"/>
-                <a:ea typeface="+mn-ea"/>
-                <a:cs typeface="+mn-cs"/>
-              </a:rPr>
-              <a:t>(Groves et al. 2009,</a:t>
-            </a:r>
-            <a:r>
-              <a:rPr kumimoji="0" lang="en-US" sz="1800" b="0" i="0" u="none" strike="noStrike" kern="1200" cap="none" spc="0" normalizeH="0" noProof="0" dirty="0">
-                <a:ln>
-                  <a:noFill/>
-                </a:ln>
-                <a:solidFill>
-                  <a:schemeClr val="tx1"/>
-                </a:solidFill>
-                <a:effectLst/>
-                <a:uLnTx/>
-                <a:uFillTx/>
-                <a:latin typeface="+mn-lt"/>
-                <a:ea typeface="+mn-ea"/>
-                <a:cs typeface="+mn-cs"/>
-              </a:rPr>
-              <a:t> p.48</a:t>
-            </a:r>
-            <a:r>
-              <a:rPr kumimoji="0" lang="en-US" sz="1800" b="0" i="0" u="none" strike="noStrike" kern="1200" cap="none" spc="0" normalizeH="0" baseline="0" noProof="0" dirty="0">
-                <a:ln>
-                  <a:noFill/>
-                </a:ln>
-                <a:solidFill>
-                  <a:schemeClr val="tx1"/>
-                </a:solidFill>
-                <a:effectLst/>
-                <a:uLnTx/>
-                <a:uFillTx/>
-                <a:latin typeface="+mn-lt"/>
-                <a:ea typeface="+mn-ea"/>
-                <a:cs typeface="+mn-cs"/>
-              </a:rPr>
-              <a:t>)</a:t>
-            </a:r>
-            <a:endParaRPr kumimoji="0" lang="de-DE" sz="1800" b="0" i="0" u="none" strike="noStrike" kern="1200" cap="none" spc="0" normalizeH="0" baseline="0" noProof="0" dirty="0">
-              <a:ln>
-                <a:noFill/>
-              </a:ln>
-              <a:solidFill>
-                <a:schemeClr val="tx1"/>
-              </a:solidFill>
-              <a:effectLst/>
-              <a:uLnTx/>
-              <a:uFillTx/>
-              <a:latin typeface="+mn-lt"/>
-              <a:ea typeface="+mn-ea"/>
-              <a:cs typeface="+mn-cs"/>
-            </a:endParaRPr>
+              <a:rPr lang="en-US" dirty="0"/>
+              <a:t>(Groves et al. 2009, p.48)</a:t>
+            </a:r>
+            <a:endParaRPr lang="de-DE" dirty="0"/>
           </a:p>
         </p:txBody>
       </p:sp>
@@ -26333,7 +26397,7 @@
         </p:nvSpPr>
         <p:spPr>
           <a:xfrm>
-            <a:off x="5364088" y="3762872"/>
+            <a:off x="6888088" y="3762872"/>
             <a:ext cx="3672408" cy="2611904"/>
           </a:xfrm>
           <a:prstGeom prst="ellipse">
@@ -26505,7 +26569,7 @@
         </p:blipFill>
         <p:spPr bwMode="auto">
           <a:xfrm>
-            <a:off x="398910" y="898602"/>
+            <a:off x="1922910" y="898603"/>
             <a:ext cx="7914132" cy="5728543"/>
           </a:xfrm>
           <a:prstGeom prst="rect">
@@ -26518,14 +26582,14 @@
           <a:effectLst/>
           <a:extLst>
             <a:ext uri="{909E8E84-426E-40dd-AFC4-6F175D3DCCD1}">
-              <a14:hiddenFill xmlns:a14="http://schemas.microsoft.com/office/drawing/2010/main" xmlns="">
+              <a14:hiddenFill xmlns="" xmlns:a14="http://schemas.microsoft.com/office/drawing/2010/main">
                 <a:solidFill>
                   <a:schemeClr val="accent1"/>
                 </a:solidFill>
               </a14:hiddenFill>
             </a:ext>
             <a:ext uri="{91240B29-F687-4f45-9708-019B960494DF}">
-              <a14:hiddenLine xmlns:a14="http://schemas.microsoft.com/office/drawing/2010/main" xmlns="" w="9525">
+              <a14:hiddenLine xmlns="" xmlns:a14="http://schemas.microsoft.com/office/drawing/2010/main" w="9525">
                 <a:solidFill>
                   <a:schemeClr val="tx1"/>
                 </a:solidFill>
@@ -26535,7 +26599,7 @@
               </a14:hiddenLine>
             </a:ext>
             <a:ext uri="{AF507438-7753-43e0-B8FC-AC1667EBCBE1}">
-              <a14:hiddenEffects xmlns:a14="http://schemas.microsoft.com/office/drawing/2010/main" xmlns="">
+              <a14:hiddenEffects xmlns="" xmlns:a14="http://schemas.microsoft.com/office/drawing/2010/main">
                 <a:effectLst>
                   <a:outerShdw dist="35921" dir="2700000" algn="ctr" rotWithShape="0">
                     <a:schemeClr val="bg2"/>
@@ -26558,7 +26622,7 @@
         </p:nvSpPr>
         <p:spPr>
           <a:xfrm>
-            <a:off x="457200" y="152400"/>
+            <a:off x="1981200" y="152401"/>
             <a:ext cx="8229600" cy="696239"/>
           </a:xfrm>
         </p:spPr>
@@ -26587,7 +26651,7 @@
         </p:nvSpPr>
         <p:spPr>
           <a:xfrm>
-            <a:off x="4767487" y="6424739"/>
+            <a:off x="6291487" y="6424739"/>
             <a:ext cx="3550172" cy="404812"/>
           </a:xfrm>
           <a:prstGeom prst="rect">
@@ -26600,90 +26664,21 @@
           </a:bodyPr>
           <a:lstStyle/>
           <a:p>
-            <a:pPr marL="274320" marR="0" lvl="0" indent="-274320" algn="r" defTabSz="914400" rtl="0" eaLnBrk="1" fontAlgn="auto" latinLnBrk="0" hangingPunct="1">
-              <a:lnSpc>
-                <a:spcPct val="100000"/>
-              </a:lnSpc>
+            <a:pPr marL="274320" indent="-274320" algn="r">
               <a:spcBef>
                 <a:spcPct val="0"/>
               </a:spcBef>
-              <a:spcAft>
-                <a:spcPts val="0"/>
-              </a:spcAft>
               <a:buClr>
                 <a:srgbClr val="FCA914"/>
               </a:buClr>
               <a:buSzPct val="76000"/>
-              <a:buFont typeface="Webdings" pitchFamily="18" charset="2"/>
-              <a:buNone/>
-              <a:tabLst/>
               <a:defRPr/>
             </a:pPr>
             <a:r>
-              <a:rPr kumimoji="0" lang="en-US" sz="1800" b="0" i="0" u="none" strike="noStrike" kern="1200" cap="none" spc="0" normalizeH="0" baseline="0" noProof="0" dirty="0">
-                <a:ln>
-                  <a:noFill/>
-                </a:ln>
-                <a:solidFill>
-                  <a:schemeClr val="tx1"/>
-                </a:solidFill>
-                <a:effectLst/>
-                <a:uLnTx/>
-                <a:uFillTx/>
-                <a:latin typeface="+mn-lt"/>
-                <a:ea typeface="+mn-ea"/>
-                <a:cs typeface="+mn-cs"/>
-              </a:rPr>
-              <a:t>(Groves et al. 2009,</a:t>
-            </a:r>
-            <a:r>
-              <a:rPr kumimoji="0" lang="en-US" sz="1800" b="0" i="0" u="none" strike="noStrike" kern="1200" cap="none" spc="0" normalizeH="0" noProof="0" dirty="0">
-                <a:ln>
-                  <a:noFill/>
-                </a:ln>
-                <a:solidFill>
-                  <a:schemeClr val="tx1"/>
-                </a:solidFill>
-                <a:effectLst/>
-                <a:uLnTx/>
-                <a:uFillTx/>
-                <a:latin typeface="+mn-lt"/>
-                <a:ea typeface="+mn-ea"/>
-                <a:cs typeface="+mn-cs"/>
-              </a:rPr>
-              <a:t> p.48</a:t>
-            </a:r>
-            <a:r>
-              <a:rPr kumimoji="0" lang="en-US" sz="1800" b="0" i="0" u="none" strike="noStrike" kern="1200" cap="none" spc="0" normalizeH="0" baseline="0" noProof="0" dirty="0">
-                <a:ln>
-                  <a:noFill/>
-                </a:ln>
-                <a:solidFill>
-                  <a:schemeClr val="tx1"/>
-                </a:solidFill>
-                <a:effectLst/>
-                <a:uLnTx/>
-                <a:uFillTx/>
-                <a:latin typeface="+mn-lt"/>
-                <a:ea typeface="+mn-ea"/>
-                <a:cs typeface="+mn-cs"/>
-              </a:rPr>
-              <a:t>)</a:t>
-            </a:r>
-            <a:endParaRPr kumimoji="0" lang="de-DE" sz="1800" b="0" i="0" u="none" strike="noStrike" kern="1200" cap="none" spc="0" normalizeH="0" baseline="0" noProof="0" dirty="0">
-              <a:ln>
-                <a:noFill/>
-              </a:ln>
-              <a:solidFill>
-                <a:schemeClr val="tx1"/>
-              </a:solidFill>
-              <a:effectLst/>
-              <a:uLnTx/>
-              <a:uFillTx/>
-              <a:latin typeface="+mn-lt"/>
-              <a:ea typeface="+mn-ea"/>
-              <a:cs typeface="+mn-cs"/>
-            </a:endParaRPr>
+              <a:rPr lang="en-US" dirty="0"/>
+              <a:t>(Groves et al. 2009, p.48)</a:t>
+            </a:r>
+            <a:endParaRPr lang="de-DE" dirty="0"/>
           </a:p>
         </p:txBody>
       </p:sp>
@@ -26695,7 +26690,7 @@
         </p:nvSpPr>
         <p:spPr>
           <a:xfrm>
-            <a:off x="5292080" y="4958412"/>
+            <a:off x="6816080" y="4958413"/>
             <a:ext cx="3240360" cy="1466327"/>
           </a:xfrm>
           <a:prstGeom prst="ellipse">
@@ -26867,8 +26862,8 @@
           </a:p>
         </p:txBody>
       </p:sp>
-      <mc:AlternateContent xmlns:mc="http://schemas.openxmlformats.org/markup-compatibility/2006" xmlns:a14="http://schemas.microsoft.com/office/drawing/2010/main">
-        <mc:Choice Requires="a14">
+      <mc:AlternateContent xmlns:mc="http://schemas.openxmlformats.org/markup-compatibility/2006">
+        <mc:Choice xmlns:a14="http://schemas.microsoft.com/office/drawing/2010/main" Requires="a14">
           <p:sp>
             <p:nvSpPr>
               <p:cNvPr id="3" name="Content Placeholder 2"/>
@@ -26882,7 +26877,7 @@
             <p:spPr/>
             <p:txBody>
               <a:bodyPr>
-                <a:normAutofit fontScale="77500" lnSpcReduction="20000"/>
+                <a:normAutofit fontScale="85000" lnSpcReduction="20000"/>
               </a:bodyPr>
               <a:lstStyle/>
               <a:p>
@@ -27499,7 +27494,7 @@
             </p:txBody>
           </p:sp>
         </mc:Choice>
-        <mc:Fallback xmlns="">
+        <mc:Fallback>
           <p:sp>
             <p:nvSpPr>
               <p:cNvPr id="3" name="Content Placeholder 2"/>
@@ -27511,10 +27506,10 @@
               </p:nvPr>
             </p:nvSpPr>
             <p:spPr>
-              <a:blipFill rotWithShape="1">
+              <a:blipFill>
                 <a:blip r:embed="rId2"/>
                 <a:stretch>
-                  <a:fillRect t="-673"/>
+                  <a:fillRect l="-1056" t="-2830"/>
                 </a:stretch>
               </a:blipFill>
             </p:spPr>
@@ -27523,7 +27518,7 @@
               <a:lstStyle/>
               <a:p>
                 <a:r>
-                  <a:rPr lang="en-US">
+                  <a:rPr lang="nl-NL">
                     <a:noFill/>
                   </a:rPr>
                   <a:t> </a:t>
@@ -27655,10 +27650,10 @@
         </p:nvGrpSpPr>
         <p:grpSpPr bwMode="auto">
           <a:xfrm>
-            <a:off x="6096000" y="2971800"/>
-            <a:ext cx="2590800" cy="3096931"/>
+            <a:off x="7620000" y="2971801"/>
+            <a:ext cx="2590800" cy="2866985"/>
             <a:chOff x="672" y="1344"/>
-            <a:chExt cx="816" cy="1266"/>
+            <a:chExt cx="816" cy="1172"/>
           </a:xfrm>
         </p:grpSpPr>
         <p:grpSp>
@@ -27672,9 +27667,9 @@
           <p:grpSpPr bwMode="auto">
             <a:xfrm>
               <a:off x="672" y="1344"/>
-              <a:ext cx="816" cy="1266"/>
+              <a:ext cx="816" cy="1172"/>
               <a:chOff x="330" y="2736"/>
-              <a:chExt cx="816" cy="1266"/>
+              <a:chExt cx="816" cy="1172"/>
             </a:xfrm>
           </p:grpSpPr>
           <p:sp>
@@ -27688,7 +27683,7 @@
             <p:spPr bwMode="auto">
               <a:xfrm>
                 <a:off x="336" y="2736"/>
-                <a:ext cx="336" cy="288"/>
+                <a:ext cx="336" cy="189"/>
               </a:xfrm>
               <a:prstGeom prst="rect">
                 <a:avLst/>
@@ -27699,14 +27694,14 @@
               </a:ln>
               <a:extLst>
                 <a:ext uri="{909E8E84-426E-40dd-AFC4-6F175D3DCCD1}">
-                  <a14:hiddenFill xmlns:a14="http://schemas.microsoft.com/office/drawing/2010/main" xmlns="">
+                  <a14:hiddenFill xmlns="" xmlns:a14="http://schemas.microsoft.com/office/drawing/2010/main">
                     <a:solidFill>
                       <a:srgbClr val="FFFFFF"/>
                     </a:solidFill>
                   </a14:hiddenFill>
                 </a:ext>
                 <a:ext uri="{91240B29-F687-4f45-9708-019B960494DF}">
-                  <a14:hiddenLine xmlns:a14="http://schemas.microsoft.com/office/drawing/2010/main" xmlns="" w="12700">
+                  <a14:hiddenLine xmlns="" xmlns:a14="http://schemas.microsoft.com/office/drawing/2010/main" w="12700">
                     <a:solidFill>
                       <a:srgbClr val="000000"/>
                     </a:solidFill>
@@ -27863,14 +27858,14 @@
               </a:ln>
               <a:extLst>
                 <a:ext uri="{909E8E84-426E-40dd-AFC4-6F175D3DCCD1}">
-                  <a14:hiddenFill xmlns:a14="http://schemas.microsoft.com/office/drawing/2010/main" xmlns="">
+                  <a14:hiddenFill xmlns="" xmlns:a14="http://schemas.microsoft.com/office/drawing/2010/main">
                     <a:solidFill>
                       <a:srgbClr val="FFFFFF"/>
                     </a:solidFill>
                   </a14:hiddenFill>
                 </a:ext>
                 <a:ext uri="{91240B29-F687-4f45-9708-019B960494DF}">
-                  <a14:hiddenLine xmlns:a14="http://schemas.microsoft.com/office/drawing/2010/main" xmlns="" w="12700">
+                  <a14:hiddenLine xmlns="" xmlns:a14="http://schemas.microsoft.com/office/drawing/2010/main" w="12700">
                     <a:solidFill>
                       <a:srgbClr val="000000"/>
                     </a:solidFill>
@@ -28027,14 +28022,14 @@
               </a:ln>
               <a:extLst>
                 <a:ext uri="{909E8E84-426E-40dd-AFC4-6F175D3DCCD1}">
-                  <a14:hiddenFill xmlns:a14="http://schemas.microsoft.com/office/drawing/2010/main" xmlns="">
+                  <a14:hiddenFill xmlns="" xmlns:a14="http://schemas.microsoft.com/office/drawing/2010/main">
                     <a:solidFill>
                       <a:srgbClr val="FFFFFF"/>
                     </a:solidFill>
                   </a14:hiddenFill>
                 </a:ext>
                 <a:ext uri="{91240B29-F687-4f45-9708-019B960494DF}">
-                  <a14:hiddenLine xmlns:a14="http://schemas.microsoft.com/office/drawing/2010/main" xmlns="" w="12700">
+                  <a14:hiddenLine xmlns="" xmlns:a14="http://schemas.microsoft.com/office/drawing/2010/main" w="12700">
                     <a:solidFill>
                       <a:srgbClr val="000000"/>
                     </a:solidFill>
@@ -28180,7 +28175,7 @@
             <p:spPr bwMode="auto">
               <a:xfrm>
                 <a:off x="810" y="2739"/>
-                <a:ext cx="336" cy="288"/>
+                <a:ext cx="336" cy="189"/>
               </a:xfrm>
               <a:prstGeom prst="rect">
                 <a:avLst/>
@@ -28191,14 +28186,14 @@
               </a:ln>
               <a:extLst>
                 <a:ext uri="{909E8E84-426E-40dd-AFC4-6F175D3DCCD1}">
-                  <a14:hiddenFill xmlns:a14="http://schemas.microsoft.com/office/drawing/2010/main" xmlns="">
+                  <a14:hiddenFill xmlns="" xmlns:a14="http://schemas.microsoft.com/office/drawing/2010/main">
                     <a:solidFill>
                       <a:srgbClr val="FFFFFF"/>
                     </a:solidFill>
                   </a14:hiddenFill>
                 </a:ext>
                 <a:ext uri="{91240B29-F687-4f45-9708-019B960494DF}">
-                  <a14:hiddenLine xmlns:a14="http://schemas.microsoft.com/office/drawing/2010/main" xmlns="" w="12700">
+                  <a14:hiddenLine xmlns="" xmlns:a14="http://schemas.microsoft.com/office/drawing/2010/main" w="12700">
                     <a:solidFill>
                       <a:srgbClr val="000000"/>
                     </a:solidFill>
@@ -28360,7 +28355,7 @@
               </a:ln>
               <a:extLst>
                 <a:ext uri="{909E8E84-426E-40dd-AFC4-6F175D3DCCD1}">
-                  <a14:hiddenFill xmlns:a14="http://schemas.microsoft.com/office/drawing/2010/main" xmlns="">
+                  <a14:hiddenFill xmlns="" xmlns:a14="http://schemas.microsoft.com/office/drawing/2010/main">
                     <a:noFill/>
                   </a14:hiddenFill>
                 </a:ext>
@@ -28401,7 +28396,7 @@
               </a:ln>
               <a:extLst>
                 <a:ext uri="{909E8E84-426E-40dd-AFC4-6F175D3DCCD1}">
-                  <a14:hiddenFill xmlns:a14="http://schemas.microsoft.com/office/drawing/2010/main" xmlns="">
+                  <a14:hiddenFill xmlns="" xmlns:a14="http://schemas.microsoft.com/office/drawing/2010/main">
                     <a:noFill/>
                   </a14:hiddenFill>
                 </a:ext>
@@ -28426,7 +28421,7 @@
             <p:spPr bwMode="auto">
               <a:xfrm>
                 <a:off x="336" y="3744"/>
-                <a:ext cx="768" cy="258"/>
+                <a:ext cx="768" cy="164"/>
               </a:xfrm>
               <a:prstGeom prst="rect">
                 <a:avLst/>
@@ -28442,7 +28437,7 @@
               </a:ln>
               <a:extLst>
                 <a:ext uri="{909E8E84-426E-40dd-AFC4-6F175D3DCCD1}">
-                  <a14:hiddenFill xmlns:a14="http://schemas.microsoft.com/office/drawing/2010/main" xmlns="">
+                  <a14:hiddenFill xmlns="" xmlns:a14="http://schemas.microsoft.com/office/drawing/2010/main">
                     <a:solidFill>
                       <a:srgbClr val="FFFFFF"/>
                     </a:solidFill>
@@ -28602,7 +28597,7 @@
             </a:ln>
             <a:extLst>
               <a:ext uri="{909E8E84-426E-40dd-AFC4-6F175D3DCCD1}">
-                <a14:hiddenFill xmlns:a14="http://schemas.microsoft.com/office/drawing/2010/main" xmlns="">
+                <a14:hiddenFill xmlns="" xmlns:a14="http://schemas.microsoft.com/office/drawing/2010/main">
                   <a:noFill/>
                 </a14:hiddenFill>
               </a:ext>
@@ -28623,12 +28618,10 @@
           <p:cNvGraphicFramePr>
             <a:graphicFrameLocks noGrp="1"/>
           </p:cNvGraphicFramePr>
-          <p:nvPr>
-            <p:extLst/>
-          </p:nvPr>
+          <p:nvPr/>
         </p:nvGraphicFramePr>
         <p:xfrm>
-          <a:off x="457200" y="2558594"/>
+          <a:off x="1981201" y="2558594"/>
           <a:ext cx="5600699" cy="1651000"/>
         </p:xfrm>
         <a:graphic>
@@ -29160,6 +29153,273 @@
 </file>
 
 <file path=ppt/slides/slide31.xml><?xml version="1.0" encoding="utf-8"?>
+<p:sld xmlns:a="http://schemas.openxmlformats.org/drawingml/2006/main" xmlns:r="http://schemas.openxmlformats.org/officeDocument/2006/relationships" xmlns:p="http://schemas.openxmlformats.org/presentationml/2006/main">
+  <p:cSld>
+    <p:spTree>
+      <p:nvGrpSpPr>
+        <p:cNvPr id="1" name=""/>
+        <p:cNvGrpSpPr/>
+        <p:nvPr/>
+      </p:nvGrpSpPr>
+      <p:grpSpPr>
+        <a:xfrm>
+          <a:off x="0" y="0"/>
+          <a:ext cx="0" cy="0"/>
+          <a:chOff x="0" y="0"/>
+          <a:chExt cx="0" cy="0"/>
+        </a:xfrm>
+      </p:grpSpPr>
+      <p:sp>
+        <p:nvSpPr>
+          <p:cNvPr id="2" name="Titel 1">
+            <a:extLst>
+              <a:ext uri="{FF2B5EF4-FFF2-40B4-BE49-F238E27FC236}">
+                <a16:creationId xmlns:a16="http://schemas.microsoft.com/office/drawing/2014/main" id="{BD0B6105-5E36-4E43-879D-370FD58BD296}"/>
+              </a:ext>
+            </a:extLst>
+          </p:cNvPr>
+          <p:cNvSpPr>
+            <a:spLocks noGrp="1"/>
+          </p:cNvSpPr>
+          <p:nvPr>
+            <p:ph type="title"/>
+          </p:nvPr>
+        </p:nvSpPr>
+        <p:spPr/>
+        <p:txBody>
+          <a:bodyPr/>
+          <a:lstStyle/>
+          <a:p>
+            <a:r>
+              <a:rPr lang="nl-NL" dirty="0" err="1"/>
+              <a:t>Brick</a:t>
+            </a:r>
+            <a:r>
+              <a:rPr lang="nl-NL" dirty="0"/>
+              <a:t> (2013)</a:t>
+            </a:r>
+          </a:p>
+        </p:txBody>
+      </p:sp>
+      <p:pic>
+        <p:nvPicPr>
+          <p:cNvPr id="4" name="Afbeelding 3">
+            <a:extLst>
+              <a:ext uri="{FF2B5EF4-FFF2-40B4-BE49-F238E27FC236}">
+                <a16:creationId xmlns:a16="http://schemas.microsoft.com/office/drawing/2014/main" id="{5B4FC16B-4E11-AE49-A79D-A7472885960E}"/>
+              </a:ext>
+            </a:extLst>
+          </p:cNvPr>
+          <p:cNvPicPr>
+            <a:picLocks noChangeAspect="1"/>
+          </p:cNvPicPr>
+          <p:nvPr/>
+        </p:nvPicPr>
+        <p:blipFill>
+          <a:blip r:embed="rId3"/>
+          <a:stretch>
+            <a:fillRect/>
+          </a:stretch>
+        </p:blipFill>
+        <p:spPr>
+          <a:xfrm>
+            <a:off x="5879976" y="1600201"/>
+            <a:ext cx="4978896" cy="3672955"/>
+          </a:xfrm>
+          <a:prstGeom prst="rect">
+            <a:avLst/>
+          </a:prstGeom>
+        </p:spPr>
+      </p:pic>
+      <p:sp>
+        <p:nvSpPr>
+          <p:cNvPr id="3" name="Tijdelijke aanduiding voor inhoud 2">
+            <a:extLst>
+              <a:ext uri="{FF2B5EF4-FFF2-40B4-BE49-F238E27FC236}">
+                <a16:creationId xmlns:a16="http://schemas.microsoft.com/office/drawing/2014/main" id="{5CD6BD55-5AFD-BD47-9F46-95865B07BDB3}"/>
+              </a:ext>
+            </a:extLst>
+          </p:cNvPr>
+          <p:cNvSpPr>
+            <a:spLocks noGrp="1"/>
+          </p:cNvSpPr>
+          <p:nvPr>
+            <p:ph idx="1"/>
+          </p:nvPr>
+        </p:nvSpPr>
+        <p:spPr>
+          <a:xfrm>
+            <a:off x="839416" y="1600201"/>
+            <a:ext cx="5040560" cy="4525963"/>
+          </a:xfrm>
+        </p:spPr>
+        <p:txBody>
+          <a:bodyPr>
+            <a:normAutofit fontScale="92500" lnSpcReduction="10000"/>
+          </a:bodyPr>
+          <a:lstStyle/>
+          <a:p>
+            <a:r>
+              <a:rPr lang="nl-NL" dirty="0"/>
+              <a:t>Review of </a:t>
+            </a:r>
+            <a:r>
+              <a:rPr lang="nl-NL" dirty="0" err="1"/>
+              <a:t>weighting</a:t>
+            </a:r>
+            <a:r>
+              <a:rPr lang="nl-NL" dirty="0"/>
+              <a:t> approaches</a:t>
+            </a:r>
+          </a:p>
+          <a:p>
+            <a:r>
+              <a:rPr lang="nl-NL" dirty="0"/>
+              <a:t>RHG – response </a:t>
+            </a:r>
+            <a:r>
+              <a:rPr lang="nl-NL" dirty="0" err="1"/>
+              <a:t>homogeneity</a:t>
+            </a:r>
+            <a:r>
+              <a:rPr lang="nl-NL" dirty="0"/>
+              <a:t> </a:t>
+            </a:r>
+            <a:r>
+              <a:rPr lang="nl-NL" dirty="0" err="1"/>
+              <a:t>groups</a:t>
+            </a:r>
+            <a:endParaRPr lang="nl-NL" dirty="0"/>
+          </a:p>
+          <a:p>
+            <a:pPr lvl="1"/>
+            <a:r>
+              <a:rPr lang="nl-NL" dirty="0" err="1"/>
+              <a:t>Groups</a:t>
+            </a:r>
+            <a:r>
+              <a:rPr lang="nl-NL" dirty="0"/>
+              <a:t> of </a:t>
+            </a:r>
+            <a:r>
+              <a:rPr lang="nl-NL" dirty="0" err="1"/>
+              <a:t>propensity</a:t>
+            </a:r>
+            <a:r>
+              <a:rPr lang="nl-NL" dirty="0"/>
+              <a:t> score </a:t>
+            </a:r>
+            <a:r>
+              <a:rPr lang="nl-NL" dirty="0" err="1"/>
+              <a:t>models</a:t>
+            </a:r>
+            <a:r>
+              <a:rPr lang="nl-NL" dirty="0"/>
+              <a:t> </a:t>
+            </a:r>
+          </a:p>
+          <a:p>
+            <a:r>
+              <a:rPr lang="nl-NL" dirty="0" err="1"/>
+              <a:t>Responsive</a:t>
+            </a:r>
+            <a:r>
+              <a:rPr lang="nl-NL" dirty="0"/>
+              <a:t> design </a:t>
+            </a:r>
+            <a:r>
+              <a:rPr lang="nl-NL" dirty="0" err="1"/>
+              <a:t>models</a:t>
+            </a:r>
+            <a:r>
+              <a:rPr lang="nl-NL" dirty="0"/>
+              <a:t> </a:t>
+            </a:r>
+          </a:p>
+          <a:p>
+            <a:pPr lvl="1"/>
+            <a:r>
+              <a:rPr lang="nl-NL" dirty="0" err="1"/>
+              <a:t>Adjust</a:t>
+            </a:r>
+            <a:r>
+              <a:rPr lang="nl-NL" dirty="0"/>
+              <a:t> fieldwork </a:t>
+            </a:r>
+            <a:r>
+              <a:rPr lang="nl-NL" dirty="0" err="1"/>
+              <a:t>efforts</a:t>
+            </a:r>
+            <a:r>
+              <a:rPr lang="nl-NL" dirty="0"/>
+              <a:t> </a:t>
+            </a:r>
+            <a:r>
+              <a:rPr lang="nl-NL" dirty="0" err="1"/>
+              <a:t>so</a:t>
+            </a:r>
+            <a:r>
+              <a:rPr lang="nl-NL" dirty="0"/>
+              <a:t> </a:t>
+            </a:r>
+            <a:r>
+              <a:rPr lang="nl-NL" dirty="0" err="1"/>
+              <a:t>that</a:t>
+            </a:r>
+            <a:r>
+              <a:rPr lang="nl-NL" dirty="0"/>
+              <a:t> P</a:t>
+            </a:r>
+            <a:r>
+              <a:rPr lang="nl-NL" sz="3000" baseline="-25000" dirty="0"/>
+              <a:t>respond</a:t>
+            </a:r>
+            <a:r>
+              <a:rPr lang="nl-NL" dirty="0"/>
+              <a:t> = </a:t>
+            </a:r>
+            <a:r>
+              <a:rPr lang="nl-NL" dirty="0" err="1"/>
+              <a:t>equal</a:t>
+            </a:r>
+            <a:endParaRPr lang="nl-NL" dirty="0"/>
+          </a:p>
+          <a:p>
+            <a:pPr lvl="1"/>
+            <a:r>
+              <a:rPr lang="nl-NL" dirty="0"/>
+              <a:t>Var (p</a:t>
+            </a:r>
+            <a:r>
+              <a:rPr lang="nl-NL" baseline="-25000" dirty="0"/>
+              <a:t>respond</a:t>
+            </a:r>
+            <a:r>
+              <a:rPr lang="nl-NL" dirty="0"/>
+              <a:t>) = 0</a:t>
+            </a:r>
+            <a:endParaRPr lang="nl-NL" baseline="-25000" dirty="0"/>
+          </a:p>
+          <a:p>
+            <a:pPr lvl="1"/>
+            <a:endParaRPr lang="nl-NL" dirty="0"/>
+          </a:p>
+        </p:txBody>
+      </p:sp>
+    </p:spTree>
+    <p:extLst>
+      <p:ext uri="{BB962C8B-B14F-4D97-AF65-F5344CB8AC3E}">
+        <p14:creationId xmlns:p14="http://schemas.microsoft.com/office/powerpoint/2010/main" val="868043378"/>
+      </p:ext>
+    </p:extLst>
+  </p:cSld>
+  <p:clrMapOvr>
+    <a:masterClrMapping/>
+  </p:clrMapOvr>
+</p:sld>
+</file>
+
+<file path=ppt/slides/slide32.xml><?xml version="1.0" encoding="utf-8"?>
 <p:sld xmlns:a="http://schemas.openxmlformats.org/drawingml/2006/main" xmlns:r="http://schemas.openxmlformats.org/officeDocument/2006/relationships" xmlns:p="http://schemas.openxmlformats.org/presentationml/2006/main">
   <p:cSld>
     <p:spTree>
@@ -29507,7 +29767,7 @@
 </p:sld>
 </file>
 
-<file path=ppt/slides/slide32.xml><?xml version="1.0" encoding="utf-8"?>
+<file path=ppt/slides/slide33.xml><?xml version="1.0" encoding="utf-8"?>
 <p:sld xmlns:a="http://schemas.openxmlformats.org/drawingml/2006/main" xmlns:r="http://schemas.openxmlformats.org/officeDocument/2006/relationships" xmlns:p="http://schemas.openxmlformats.org/presentationml/2006/main">
   <p:cSld>
     <p:spTree>
@@ -29767,148 +30027,6 @@
     <p:extLst>
       <p:ext uri="{BB962C8B-B14F-4D97-AF65-F5344CB8AC3E}">
         <p14:creationId xmlns:p14="http://schemas.microsoft.com/office/powerpoint/2010/main" val="3663075168"/>
-      </p:ext>
-    </p:extLst>
-  </p:cSld>
-  <p:clrMapOvr>
-    <a:masterClrMapping/>
-  </p:clrMapOvr>
-</p:sld>
-</file>
-
-<file path=ppt/slides/slide33.xml><?xml version="1.0" encoding="utf-8"?>
-<p:sld xmlns:a="http://schemas.openxmlformats.org/drawingml/2006/main" xmlns:r="http://schemas.openxmlformats.org/officeDocument/2006/relationships" xmlns:p="http://schemas.openxmlformats.org/presentationml/2006/main">
-  <p:cSld>
-    <p:spTree>
-      <p:nvGrpSpPr>
-        <p:cNvPr id="1" name=""/>
-        <p:cNvGrpSpPr/>
-        <p:nvPr/>
-      </p:nvGrpSpPr>
-      <p:grpSpPr>
-        <a:xfrm>
-          <a:off x="0" y="0"/>
-          <a:ext cx="0" cy="0"/>
-          <a:chOff x="0" y="0"/>
-          <a:chExt cx="0" cy="0"/>
-        </a:xfrm>
-      </p:grpSpPr>
-      <p:sp>
-        <p:nvSpPr>
-          <p:cNvPr id="2" name="Title 1"/>
-          <p:cNvSpPr>
-            <a:spLocks noGrp="1"/>
-          </p:cNvSpPr>
-          <p:nvPr>
-            <p:ph type="title"/>
-          </p:nvPr>
-        </p:nvSpPr>
-        <p:spPr/>
-        <p:txBody>
-          <a:bodyPr/>
-          <a:lstStyle/>
-          <a:p>
-            <a:r>
-              <a:rPr lang="en-US" dirty="0" err="1"/>
-              <a:t>Paradata</a:t>
-            </a:r>
-            <a:endParaRPr lang="nl-NL" dirty="0"/>
-          </a:p>
-        </p:txBody>
-      </p:sp>
-      <p:sp>
-        <p:nvSpPr>
-          <p:cNvPr id="3" name="Content Placeholder 2"/>
-          <p:cNvSpPr>
-            <a:spLocks noGrp="1"/>
-          </p:cNvSpPr>
-          <p:nvPr>
-            <p:ph idx="1"/>
-          </p:nvPr>
-        </p:nvSpPr>
-        <p:spPr/>
-        <p:txBody>
-          <a:bodyPr/>
-          <a:lstStyle/>
-          <a:p>
-            <a:r>
-              <a:rPr lang="en-US" dirty="0"/>
-              <a:t>By-product of doing research</a:t>
-            </a:r>
-            <a:endParaRPr lang="nl-NL" dirty="0"/>
-          </a:p>
-          <a:p>
-            <a:r>
-              <a:rPr lang="en-US" dirty="0"/>
-              <a:t>Surveys</a:t>
-            </a:r>
-          </a:p>
-          <a:p>
-            <a:pPr lvl="1"/>
-            <a:r>
-              <a:rPr lang="en-US" dirty="0"/>
-              <a:t>F2f: Interviewer observations</a:t>
-            </a:r>
-          </a:p>
-          <a:p>
-            <a:pPr lvl="2"/>
-            <a:r>
-              <a:rPr lang="en-US" dirty="0"/>
-              <a:t>Or Recordings </a:t>
-            </a:r>
-          </a:p>
-          <a:p>
-            <a:pPr lvl="1"/>
-            <a:r>
-              <a:rPr lang="en-US" dirty="0"/>
-              <a:t>CATI: Call record data</a:t>
-            </a:r>
-          </a:p>
-          <a:p>
-            <a:pPr lvl="1"/>
-            <a:r>
-              <a:rPr lang="en-US" dirty="0"/>
-              <a:t>WEB: Browser data, Response timings, section timings, evaluation questions, etc.</a:t>
-            </a:r>
-          </a:p>
-          <a:p>
-            <a:pPr lvl="1"/>
-            <a:endParaRPr lang="en-US" dirty="0"/>
-          </a:p>
-          <a:p>
-            <a:pPr lvl="1"/>
-            <a:endParaRPr lang="en-US" dirty="0"/>
-          </a:p>
-        </p:txBody>
-      </p:sp>
-      <p:sp>
-        <p:nvSpPr>
-          <p:cNvPr id="4" name="Slide Number Placeholder 3"/>
-          <p:cNvSpPr>
-            <a:spLocks noGrp="1"/>
-          </p:cNvSpPr>
-          <p:nvPr>
-            <p:ph type="sldNum" sz="quarter" idx="12"/>
-          </p:nvPr>
-        </p:nvSpPr>
-        <p:spPr/>
-        <p:txBody>
-          <a:bodyPr/>
-          <a:lstStyle/>
-          <a:p>
-            <a:fld id="{B6F15528-21DE-4FAA-801E-634DDDAF4B2B}" type="slidenum">
-              <a:rPr lang="en-US" smtClean="0"/>
-              <a:pPr/>
-              <a:t>33</a:t>
-            </a:fld>
-            <a:endParaRPr lang="en-US"/>
-          </a:p>
-        </p:txBody>
-      </p:sp>
-    </p:spTree>
-    <p:extLst>
-      <p:ext uri="{BB962C8B-B14F-4D97-AF65-F5344CB8AC3E}">
-        <p14:creationId xmlns:p14="http://schemas.microsoft.com/office/powerpoint/2010/main" val="1377098113"/>
       </p:ext>
     </p:extLst>
   </p:cSld>
@@ -29954,10 +30072,6 @@
               <a:rPr lang="en-US" dirty="0" err="1"/>
               <a:t>Paradata</a:t>
             </a:r>
-            <a:r>
-              <a:rPr lang="en-US" dirty="0"/>
-              <a:t> – so what?</a:t>
-            </a:r>
             <a:endParaRPr lang="nl-NL" dirty="0"/>
           </a:p>
         </p:txBody>
@@ -29979,6 +30093,152 @@
           <a:p>
             <a:r>
               <a:rPr lang="en-US" dirty="0"/>
+              <a:t>By-product of doing research</a:t>
+            </a:r>
+            <a:endParaRPr lang="nl-NL" dirty="0"/>
+          </a:p>
+          <a:p>
+            <a:r>
+              <a:rPr lang="en-US" dirty="0"/>
+              <a:t>Surveys</a:t>
+            </a:r>
+          </a:p>
+          <a:p>
+            <a:pPr lvl="1"/>
+            <a:r>
+              <a:rPr lang="en-US" dirty="0"/>
+              <a:t>F2f: Interviewer observations</a:t>
+            </a:r>
+          </a:p>
+          <a:p>
+            <a:pPr lvl="2"/>
+            <a:r>
+              <a:rPr lang="en-US" dirty="0"/>
+              <a:t>Or Recordings </a:t>
+            </a:r>
+          </a:p>
+          <a:p>
+            <a:pPr lvl="1"/>
+            <a:r>
+              <a:rPr lang="en-US" dirty="0"/>
+              <a:t>CATI: Call record data</a:t>
+            </a:r>
+          </a:p>
+          <a:p>
+            <a:pPr lvl="1"/>
+            <a:r>
+              <a:rPr lang="en-US" dirty="0"/>
+              <a:t>WEB: Browser data, Response timings, section timings, evaluation questions, etc.</a:t>
+            </a:r>
+          </a:p>
+          <a:p>
+            <a:pPr lvl="1"/>
+            <a:endParaRPr lang="en-US" dirty="0"/>
+          </a:p>
+          <a:p>
+            <a:pPr lvl="1"/>
+            <a:endParaRPr lang="en-US" dirty="0"/>
+          </a:p>
+        </p:txBody>
+      </p:sp>
+      <p:sp>
+        <p:nvSpPr>
+          <p:cNvPr id="4" name="Slide Number Placeholder 3"/>
+          <p:cNvSpPr>
+            <a:spLocks noGrp="1"/>
+          </p:cNvSpPr>
+          <p:nvPr>
+            <p:ph type="sldNum" sz="quarter" idx="12"/>
+          </p:nvPr>
+        </p:nvSpPr>
+        <p:spPr/>
+        <p:txBody>
+          <a:bodyPr/>
+          <a:lstStyle/>
+          <a:p>
+            <a:fld id="{B6F15528-21DE-4FAA-801E-634DDDAF4B2B}" type="slidenum">
+              <a:rPr lang="en-US" smtClean="0"/>
+              <a:pPr/>
+              <a:t>34</a:t>
+            </a:fld>
+            <a:endParaRPr lang="en-US"/>
+          </a:p>
+        </p:txBody>
+      </p:sp>
+    </p:spTree>
+    <p:extLst>
+      <p:ext uri="{BB962C8B-B14F-4D97-AF65-F5344CB8AC3E}">
+        <p14:creationId xmlns:p14="http://schemas.microsoft.com/office/powerpoint/2010/main" val="1377098113"/>
+      </p:ext>
+    </p:extLst>
+  </p:cSld>
+  <p:clrMapOvr>
+    <a:masterClrMapping/>
+  </p:clrMapOvr>
+</p:sld>
+</file>
+
+<file path=ppt/slides/slide35.xml><?xml version="1.0" encoding="utf-8"?>
+<p:sld xmlns:a="http://schemas.openxmlformats.org/drawingml/2006/main" xmlns:r="http://schemas.openxmlformats.org/officeDocument/2006/relationships" xmlns:p="http://schemas.openxmlformats.org/presentationml/2006/main">
+  <p:cSld>
+    <p:spTree>
+      <p:nvGrpSpPr>
+        <p:cNvPr id="1" name=""/>
+        <p:cNvGrpSpPr/>
+        <p:nvPr/>
+      </p:nvGrpSpPr>
+      <p:grpSpPr>
+        <a:xfrm>
+          <a:off x="0" y="0"/>
+          <a:ext cx="0" cy="0"/>
+          <a:chOff x="0" y="0"/>
+          <a:chExt cx="0" cy="0"/>
+        </a:xfrm>
+      </p:grpSpPr>
+      <p:sp>
+        <p:nvSpPr>
+          <p:cNvPr id="2" name="Title 1"/>
+          <p:cNvSpPr>
+            <a:spLocks noGrp="1"/>
+          </p:cNvSpPr>
+          <p:nvPr>
+            <p:ph type="title"/>
+          </p:nvPr>
+        </p:nvSpPr>
+        <p:spPr/>
+        <p:txBody>
+          <a:bodyPr/>
+          <a:lstStyle/>
+          <a:p>
+            <a:r>
+              <a:rPr lang="en-US" dirty="0" err="1"/>
+              <a:t>Paradata</a:t>
+            </a:r>
+            <a:r>
+              <a:rPr lang="en-US" dirty="0"/>
+              <a:t> – so what?</a:t>
+            </a:r>
+            <a:endParaRPr lang="nl-NL" dirty="0"/>
+          </a:p>
+        </p:txBody>
+      </p:sp>
+      <p:sp>
+        <p:nvSpPr>
+          <p:cNvPr id="3" name="Content Placeholder 2"/>
+          <p:cNvSpPr>
+            <a:spLocks noGrp="1"/>
+          </p:cNvSpPr>
+          <p:nvPr>
+            <p:ph idx="1"/>
+          </p:nvPr>
+        </p:nvSpPr>
+        <p:spPr/>
+        <p:txBody>
+          <a:bodyPr/>
+          <a:lstStyle/>
+          <a:p>
+            <a:r>
+              <a:rPr lang="en-US" dirty="0"/>
               <a:t>Interviewer observations</a:t>
             </a:r>
           </a:p>
@@ -30012,7 +30272,7 @@
         </p:nvGrpSpPr>
         <p:grpSpPr bwMode="auto">
           <a:xfrm>
-            <a:off x="2905125" y="3763243"/>
+            <a:off x="4429126" y="3763244"/>
             <a:ext cx="1285875" cy="2009775"/>
             <a:chOff x="678" y="1344"/>
             <a:chExt cx="810" cy="1266"/>
@@ -30656,7 +30916,7 @@
         </p:nvGrpSpPr>
         <p:grpSpPr bwMode="auto">
           <a:xfrm>
-            <a:off x="5038725" y="3768006"/>
+            <a:off x="6562726" y="3768007"/>
             <a:ext cx="1285875" cy="2009775"/>
             <a:chOff x="2502" y="1344"/>
             <a:chExt cx="810" cy="1266"/>
@@ -31341,7 +31601,7 @@
         </p:nvGrpSpPr>
         <p:grpSpPr bwMode="auto">
           <a:xfrm>
-            <a:off x="868507" y="3730625"/>
+            <a:off x="2392508" y="3730626"/>
             <a:ext cx="1285875" cy="2009775"/>
             <a:chOff x="336" y="2736"/>
             <a:chExt cx="810" cy="1266"/>
@@ -32263,7 +32523,7 @@
             <a:fld id="{B6F15528-21DE-4FAA-801E-634DDDAF4B2B}" type="slidenum">
               <a:rPr lang="en-US" smtClean="0"/>
               <a:pPr/>
-              <a:t>34</a:t>
+              <a:t>35</a:t>
             </a:fld>
             <a:endParaRPr lang="en-US"/>
           </a:p>
@@ -32285,7 +32545,7 @@
         </p:nvSpPr>
         <p:spPr bwMode="auto">
           <a:xfrm>
-            <a:off x="3649227" y="4645025"/>
+            <a:off x="5173227" y="4645025"/>
             <a:ext cx="533400" cy="457200"/>
           </a:xfrm>
           <a:prstGeom prst="rect">
@@ -32455,7 +32715,7 @@
         </p:nvSpPr>
         <p:spPr bwMode="auto">
           <a:xfrm>
-            <a:off x="2979302" y="4645025"/>
+            <a:off x="4503302" y="4645025"/>
             <a:ext cx="533400" cy="457200"/>
           </a:xfrm>
           <a:prstGeom prst="rect">
@@ -32625,7 +32885,7 @@
         </p:nvSpPr>
         <p:spPr bwMode="auto">
           <a:xfrm>
-            <a:off x="5738864" y="4645025"/>
+            <a:off x="7262864" y="4645025"/>
             <a:ext cx="533400" cy="457200"/>
           </a:xfrm>
           <a:prstGeom prst="rect">
@@ -32795,7 +33055,7 @@
         </p:nvSpPr>
         <p:spPr bwMode="auto">
           <a:xfrm>
-            <a:off x="5068939" y="4645025"/>
+            <a:off x="6592939" y="4645025"/>
             <a:ext cx="533400" cy="457200"/>
           </a:xfrm>
           <a:prstGeom prst="rect">
@@ -32962,7 +33222,7 @@
 </p:sld>
 </file>
 
-<file path=ppt/slides/slide35.xml><?xml version="1.0" encoding="utf-8"?>
+<file path=ppt/slides/slide36.xml><?xml version="1.0" encoding="utf-8"?>
 <p:sld xmlns:a="http://schemas.openxmlformats.org/drawingml/2006/main" xmlns:r="http://schemas.openxmlformats.org/officeDocument/2006/relationships" xmlns:p="http://schemas.openxmlformats.org/presentationml/2006/main">
   <p:cSld>
     <p:spTree>
@@ -33023,7 +33283,7 @@
         </p:nvSpPr>
         <p:spPr>
           <a:xfrm>
-            <a:off x="457200" y="6476999"/>
+            <a:off x="1981200" y="6476999"/>
             <a:ext cx="8229600" cy="304800"/>
           </a:xfrm>
         </p:spPr>
@@ -33064,7 +33324,7 @@
         </p:blipFill>
         <p:spPr bwMode="auto">
           <a:xfrm>
-            <a:off x="228600" y="1524000"/>
+            <a:off x="1752600" y="1524000"/>
             <a:ext cx="5010150" cy="4872436"/>
           </a:xfrm>
           <a:prstGeom prst="rect">
@@ -33113,7 +33373,7 @@
             <a:fld id="{B6F15528-21DE-4FAA-801E-634DDDAF4B2B}" type="slidenum">
               <a:rPr lang="en-US" smtClean="0"/>
               <a:pPr/>
-              <a:t>35</a:t>
+              <a:t>36</a:t>
             </a:fld>
             <a:endParaRPr lang="en-US"/>
           </a:p>
@@ -33133,7 +33393,7 @@
         </p:nvSpPr>
         <p:spPr>
           <a:xfrm>
-            <a:off x="4201472" y="2209800"/>
+            <a:off x="5725472" y="2209800"/>
             <a:ext cx="4256728" cy="923330"/>
           </a:xfrm>
           <a:prstGeom prst="rect">
@@ -33179,7 +33439,7 @@
 </p:sld>
 </file>
 
-<file path=ppt/slides/slide36.xml><?xml version="1.0" encoding="utf-8"?>
+<file path=ppt/slides/slide37.xml><?xml version="1.0" encoding="utf-8"?>
 <p:sld xmlns:a="http://schemas.openxmlformats.org/drawingml/2006/main" xmlns:r="http://schemas.openxmlformats.org/officeDocument/2006/relationships" xmlns:p="http://schemas.openxmlformats.org/presentationml/2006/main">
   <p:cSld>
     <p:spTree>
@@ -33236,7 +33496,7 @@
         </p:nvSpPr>
         <p:spPr>
           <a:xfrm>
-            <a:off x="457200" y="6476999"/>
+            <a:off x="1981200" y="6476999"/>
             <a:ext cx="8229600" cy="304800"/>
           </a:xfrm>
         </p:spPr>
@@ -33277,7 +33537,7 @@
         </p:blipFill>
         <p:spPr bwMode="auto">
           <a:xfrm>
-            <a:off x="1159827" y="1600200"/>
+            <a:off x="2683827" y="1600201"/>
             <a:ext cx="6824346" cy="4525963"/>
           </a:xfrm>
           <a:prstGeom prst="rect">
@@ -33326,7 +33586,7 @@
             <a:fld id="{B6F15528-21DE-4FAA-801E-634DDDAF4B2B}" type="slidenum">
               <a:rPr lang="en-US" smtClean="0"/>
               <a:pPr/>
-              <a:t>36</a:t>
+              <a:t>37</a:t>
             </a:fld>
             <a:endParaRPr lang="en-US"/>
           </a:p>
@@ -33336,206 +33596,6 @@
     <p:extLst>
       <p:ext uri="{BB962C8B-B14F-4D97-AF65-F5344CB8AC3E}">
         <p14:creationId xmlns:p14="http://schemas.microsoft.com/office/powerpoint/2010/main" val="3568777068"/>
-      </p:ext>
-    </p:extLst>
-  </p:cSld>
-  <p:clrMapOvr>
-    <a:masterClrMapping/>
-  </p:clrMapOvr>
-</p:sld>
-</file>
-
-<file path=ppt/slides/slide37.xml><?xml version="1.0" encoding="utf-8"?>
-<p:sld xmlns:a="http://schemas.openxmlformats.org/drawingml/2006/main" xmlns:r="http://schemas.openxmlformats.org/officeDocument/2006/relationships" xmlns:p="http://schemas.openxmlformats.org/presentationml/2006/main" show="0">
-  <p:cSld>
-    <p:spTree>
-      <p:nvGrpSpPr>
-        <p:cNvPr id="1" name=""/>
-        <p:cNvGrpSpPr/>
-        <p:nvPr/>
-      </p:nvGrpSpPr>
-      <p:grpSpPr>
-        <a:xfrm>
-          <a:off x="0" y="0"/>
-          <a:ext cx="0" cy="0"/>
-          <a:chOff x="0" y="0"/>
-          <a:chExt cx="0" cy="0"/>
-        </a:xfrm>
-      </p:grpSpPr>
-      <p:sp>
-        <p:nvSpPr>
-          <p:cNvPr id="2" name="Title 1"/>
-          <p:cNvSpPr>
-            <a:spLocks noGrp="1"/>
-          </p:cNvSpPr>
-          <p:nvPr>
-            <p:ph type="title"/>
-          </p:nvPr>
-        </p:nvSpPr>
-        <p:spPr/>
-        <p:txBody>
-          <a:bodyPr/>
-          <a:lstStyle/>
-          <a:p>
-            <a:r>
-              <a:rPr lang="en-US" dirty="0"/>
-              <a:t>Call record data?</a:t>
-            </a:r>
-            <a:endParaRPr lang="nl-NL" dirty="0"/>
-          </a:p>
-        </p:txBody>
-      </p:sp>
-      <p:sp>
-        <p:nvSpPr>
-          <p:cNvPr id="3" name="Content Placeholder 2"/>
-          <p:cNvSpPr>
-            <a:spLocks noGrp="1"/>
-          </p:cNvSpPr>
-          <p:nvPr>
-            <p:ph idx="1"/>
-          </p:nvPr>
-        </p:nvSpPr>
-        <p:spPr/>
-        <p:txBody>
-          <a:bodyPr/>
-          <a:lstStyle/>
-          <a:p>
-            <a:r>
-              <a:rPr lang="en-US" dirty="0"/>
-              <a:t>Sequence analysis</a:t>
-            </a:r>
-            <a:endParaRPr lang="nl-NL" dirty="0"/>
-          </a:p>
-        </p:txBody>
-      </p:sp>
-      <p:pic>
-        <p:nvPicPr>
-          <p:cNvPr id="1026" name="Picture 2"/>
-          <p:cNvPicPr>
-            <a:picLocks noChangeAspect="1" noChangeArrowheads="1"/>
-          </p:cNvPicPr>
-          <p:nvPr/>
-        </p:nvPicPr>
-        <p:blipFill>
-          <a:blip r:embed="rId2">
-            <a:extLst>
-              <a:ext uri="{28A0092B-C50C-407E-A947-70E740481C1C}">
-                <a14:useLocalDpi xmlns:a14="http://schemas.microsoft.com/office/drawing/2010/main" val="0"/>
-              </a:ext>
-            </a:extLst>
-          </a:blip>
-          <a:srcRect/>
-          <a:stretch>
-            <a:fillRect/>
-          </a:stretch>
-        </p:blipFill>
-        <p:spPr bwMode="auto">
-          <a:xfrm>
-            <a:off x="3352800" y="2260600"/>
-            <a:ext cx="5089750" cy="4572000"/>
-          </a:xfrm>
-          <a:prstGeom prst="rect">
-            <a:avLst/>
-          </a:prstGeom>
-          <a:noFill/>
-          <a:ln>
-            <a:noFill/>
-          </a:ln>
-          <a:extLst>
-            <a:ext uri="{909E8E84-426E-40DD-AFC4-6F175D3DCCD1}">
-              <a14:hiddenFill xmlns:a14="http://schemas.microsoft.com/office/drawing/2010/main">
-                <a:solidFill>
-                  <a:schemeClr val="accent1"/>
-                </a:solidFill>
-              </a14:hiddenFill>
-            </a:ext>
-            <a:ext uri="{91240B29-F687-4F45-9708-019B960494DF}">
-              <a14:hiddenLine xmlns:a14="http://schemas.microsoft.com/office/drawing/2010/main" w="9525">
-                <a:solidFill>
-                  <a:schemeClr val="tx1"/>
-                </a:solidFill>
-                <a:miter lim="800000"/>
-                <a:headEnd/>
-                <a:tailEnd/>
-              </a14:hiddenLine>
-            </a:ext>
-          </a:extLst>
-        </p:spPr>
-      </p:pic>
-      <p:sp>
-        <p:nvSpPr>
-          <p:cNvPr id="4" name="TextBox 3"/>
-          <p:cNvSpPr txBox="1"/>
-          <p:nvPr/>
-        </p:nvSpPr>
-        <p:spPr>
-          <a:xfrm>
-            <a:off x="228600" y="5671510"/>
-            <a:ext cx="8305800" cy="276999"/>
-          </a:xfrm>
-          <a:prstGeom prst="rect">
-            <a:avLst/>
-          </a:prstGeom>
-          <a:noFill/>
-        </p:spPr>
-        <p:txBody>
-          <a:bodyPr wrap="square" rtlCol="0">
-            <a:spAutoFit/>
-          </a:bodyPr>
-          <a:lstStyle/>
-          <a:p>
-            <a:r>
-              <a:rPr lang="en-US" sz="1200" dirty="0"/>
-              <a:t>Taken from </a:t>
-            </a:r>
-            <a:r>
-              <a:rPr lang="en-US" sz="1200" dirty="0" err="1"/>
-              <a:t>Durrant</a:t>
-            </a:r>
-            <a:r>
-              <a:rPr lang="en-US" sz="1200" dirty="0"/>
-              <a:t>, </a:t>
-            </a:r>
-            <a:r>
-              <a:rPr lang="en-US" sz="1200" dirty="0" err="1"/>
-              <a:t>Mavlovskaya</a:t>
-            </a:r>
-            <a:r>
-              <a:rPr lang="en-US" sz="1200" dirty="0"/>
-              <a:t> &amp; Smith, 2014, Sequence analysis as a tool for analysing call record data. NCRM working papers</a:t>
-            </a:r>
-            <a:endParaRPr lang="nl-NL" sz="1200" dirty="0"/>
-          </a:p>
-        </p:txBody>
-      </p:sp>
-      <p:sp>
-        <p:nvSpPr>
-          <p:cNvPr id="5" name="Slide Number Placeholder 4"/>
-          <p:cNvSpPr>
-            <a:spLocks noGrp="1"/>
-          </p:cNvSpPr>
-          <p:nvPr>
-            <p:ph type="sldNum" sz="quarter" idx="12"/>
-          </p:nvPr>
-        </p:nvSpPr>
-        <p:spPr/>
-        <p:txBody>
-          <a:bodyPr/>
-          <a:lstStyle/>
-          <a:p>
-            <a:fld id="{B6F15528-21DE-4FAA-801E-634DDDAF4B2B}" type="slidenum">
-              <a:rPr lang="en-US" smtClean="0"/>
-              <a:pPr/>
-              <a:t>37</a:t>
-            </a:fld>
-            <a:endParaRPr lang="en-US"/>
-          </a:p>
-        </p:txBody>
-      </p:sp>
-    </p:spTree>
-    <p:extLst>
-      <p:ext uri="{BB962C8B-B14F-4D97-AF65-F5344CB8AC3E}">
-        <p14:creationId xmlns:p14="http://schemas.microsoft.com/office/powerpoint/2010/main" val="273441437"/>
       </p:ext>
     </p:extLst>
   </p:cSld>
@@ -33579,7 +33639,7 @@
           <a:p>
             <a:r>
               <a:rPr lang="en-US" dirty="0"/>
-              <a:t>Call record data</a:t>
+              <a:t>Call record data?</a:t>
             </a:r>
             <a:endParaRPr lang="nl-NL" dirty="0"/>
           </a:p>
@@ -33600,6 +33660,206 @@
           <a:bodyPr/>
           <a:lstStyle/>
           <a:p>
+            <a:r>
+              <a:rPr lang="en-US" dirty="0"/>
+              <a:t>Sequence analysis</a:t>
+            </a:r>
+            <a:endParaRPr lang="nl-NL" dirty="0"/>
+          </a:p>
+        </p:txBody>
+      </p:sp>
+      <p:pic>
+        <p:nvPicPr>
+          <p:cNvPr id="1026" name="Picture 2"/>
+          <p:cNvPicPr>
+            <a:picLocks noChangeAspect="1" noChangeArrowheads="1"/>
+          </p:cNvPicPr>
+          <p:nvPr/>
+        </p:nvPicPr>
+        <p:blipFill>
+          <a:blip r:embed="rId2">
+            <a:extLst>
+              <a:ext uri="{28A0092B-C50C-407E-A947-70E740481C1C}">
+                <a14:useLocalDpi xmlns:a14="http://schemas.microsoft.com/office/drawing/2010/main" val="0"/>
+              </a:ext>
+            </a:extLst>
+          </a:blip>
+          <a:srcRect/>
+          <a:stretch>
+            <a:fillRect/>
+          </a:stretch>
+        </p:blipFill>
+        <p:spPr bwMode="auto">
+          <a:xfrm>
+            <a:off x="4876800" y="2260600"/>
+            <a:ext cx="5089750" cy="4572000"/>
+          </a:xfrm>
+          <a:prstGeom prst="rect">
+            <a:avLst/>
+          </a:prstGeom>
+          <a:noFill/>
+          <a:ln>
+            <a:noFill/>
+          </a:ln>
+          <a:extLst>
+            <a:ext uri="{909E8E84-426E-40DD-AFC4-6F175D3DCCD1}">
+              <a14:hiddenFill xmlns:a14="http://schemas.microsoft.com/office/drawing/2010/main">
+                <a:solidFill>
+                  <a:schemeClr val="accent1"/>
+                </a:solidFill>
+              </a14:hiddenFill>
+            </a:ext>
+            <a:ext uri="{91240B29-F687-4F45-9708-019B960494DF}">
+              <a14:hiddenLine xmlns:a14="http://schemas.microsoft.com/office/drawing/2010/main" w="9525">
+                <a:solidFill>
+                  <a:schemeClr val="tx1"/>
+                </a:solidFill>
+                <a:miter lim="800000"/>
+                <a:headEnd/>
+                <a:tailEnd/>
+              </a14:hiddenLine>
+            </a:ext>
+          </a:extLst>
+        </p:spPr>
+      </p:pic>
+      <p:sp>
+        <p:nvSpPr>
+          <p:cNvPr id="4" name="TextBox 3"/>
+          <p:cNvSpPr txBox="1"/>
+          <p:nvPr/>
+        </p:nvSpPr>
+        <p:spPr>
+          <a:xfrm>
+            <a:off x="1752600" y="5671511"/>
+            <a:ext cx="8305800" cy="276999"/>
+          </a:xfrm>
+          <a:prstGeom prst="rect">
+            <a:avLst/>
+          </a:prstGeom>
+          <a:noFill/>
+        </p:spPr>
+        <p:txBody>
+          <a:bodyPr wrap="square" rtlCol="0">
+            <a:spAutoFit/>
+          </a:bodyPr>
+          <a:lstStyle/>
+          <a:p>
+            <a:r>
+              <a:rPr lang="en-US" sz="1200" dirty="0"/>
+              <a:t>Taken from </a:t>
+            </a:r>
+            <a:r>
+              <a:rPr lang="en-US" sz="1200" dirty="0" err="1"/>
+              <a:t>Durrant</a:t>
+            </a:r>
+            <a:r>
+              <a:rPr lang="en-US" sz="1200" dirty="0"/>
+              <a:t>, </a:t>
+            </a:r>
+            <a:r>
+              <a:rPr lang="en-US" sz="1200" dirty="0" err="1"/>
+              <a:t>Mavlovskaya</a:t>
+            </a:r>
+            <a:r>
+              <a:rPr lang="en-US" sz="1200" dirty="0"/>
+              <a:t> &amp; Smith, 2014, Sequence analysis as a tool for analysing call record data. NCRM working papers</a:t>
+            </a:r>
+            <a:endParaRPr lang="nl-NL" sz="1200" dirty="0"/>
+          </a:p>
+        </p:txBody>
+      </p:sp>
+      <p:sp>
+        <p:nvSpPr>
+          <p:cNvPr id="5" name="Slide Number Placeholder 4"/>
+          <p:cNvSpPr>
+            <a:spLocks noGrp="1"/>
+          </p:cNvSpPr>
+          <p:nvPr>
+            <p:ph type="sldNum" sz="quarter" idx="12"/>
+          </p:nvPr>
+        </p:nvSpPr>
+        <p:spPr/>
+        <p:txBody>
+          <a:bodyPr/>
+          <a:lstStyle/>
+          <a:p>
+            <a:fld id="{B6F15528-21DE-4FAA-801E-634DDDAF4B2B}" type="slidenum">
+              <a:rPr lang="en-US" smtClean="0"/>
+              <a:pPr/>
+              <a:t>38</a:t>
+            </a:fld>
+            <a:endParaRPr lang="en-US"/>
+          </a:p>
+        </p:txBody>
+      </p:sp>
+    </p:spTree>
+    <p:extLst>
+      <p:ext uri="{BB962C8B-B14F-4D97-AF65-F5344CB8AC3E}">
+        <p14:creationId xmlns:p14="http://schemas.microsoft.com/office/powerpoint/2010/main" val="273441437"/>
+      </p:ext>
+    </p:extLst>
+  </p:cSld>
+  <p:clrMapOvr>
+    <a:masterClrMapping/>
+  </p:clrMapOvr>
+</p:sld>
+</file>
+
+<file path=ppt/slides/slide39.xml><?xml version="1.0" encoding="utf-8"?>
+<p:sld xmlns:a="http://schemas.openxmlformats.org/drawingml/2006/main" xmlns:r="http://schemas.openxmlformats.org/officeDocument/2006/relationships" xmlns:p="http://schemas.openxmlformats.org/presentationml/2006/main" show="0">
+  <p:cSld>
+    <p:spTree>
+      <p:nvGrpSpPr>
+        <p:cNvPr id="1" name=""/>
+        <p:cNvGrpSpPr/>
+        <p:nvPr/>
+      </p:nvGrpSpPr>
+      <p:grpSpPr>
+        <a:xfrm>
+          <a:off x="0" y="0"/>
+          <a:ext cx="0" cy="0"/>
+          <a:chOff x="0" y="0"/>
+          <a:chExt cx="0" cy="0"/>
+        </a:xfrm>
+      </p:grpSpPr>
+      <p:sp>
+        <p:nvSpPr>
+          <p:cNvPr id="2" name="Title 1"/>
+          <p:cNvSpPr>
+            <a:spLocks noGrp="1"/>
+          </p:cNvSpPr>
+          <p:nvPr>
+            <p:ph type="title"/>
+          </p:nvPr>
+        </p:nvSpPr>
+        <p:spPr/>
+        <p:txBody>
+          <a:bodyPr/>
+          <a:lstStyle/>
+          <a:p>
+            <a:r>
+              <a:rPr lang="en-US" dirty="0"/>
+              <a:t>Call record data</a:t>
+            </a:r>
+            <a:endParaRPr lang="nl-NL" dirty="0"/>
+          </a:p>
+        </p:txBody>
+      </p:sp>
+      <p:sp>
+        <p:nvSpPr>
+          <p:cNvPr id="3" name="Content Placeholder 2"/>
+          <p:cNvSpPr>
+            <a:spLocks noGrp="1"/>
+          </p:cNvSpPr>
+          <p:nvPr>
+            <p:ph idx="1"/>
+          </p:nvPr>
+        </p:nvSpPr>
+        <p:spPr/>
+        <p:txBody>
+          <a:bodyPr/>
+          <a:lstStyle/>
+          <a:p>
             <a:endParaRPr lang="nl-NL" dirty="0"/>
           </a:p>
         </p:txBody>
@@ -33612,7 +33872,7 @@
         </p:nvSpPr>
         <p:spPr>
           <a:xfrm>
-            <a:off x="228600" y="5671510"/>
+            <a:off x="1752600" y="5671511"/>
             <a:ext cx="8305800" cy="276999"/>
           </a:xfrm>
           <a:prstGeom prst="rect">
@@ -33673,7 +33933,7 @@
         </p:blipFill>
         <p:spPr bwMode="auto">
           <a:xfrm>
-            <a:off x="-37074" y="1583212"/>
+            <a:off x="1486926" y="1583213"/>
             <a:ext cx="9181074" cy="3105363"/>
           </a:xfrm>
           <a:prstGeom prst="rect">
@@ -33722,7 +33982,7 @@
             <a:fld id="{B6F15528-21DE-4FAA-801E-634DDDAF4B2B}" type="slidenum">
               <a:rPr lang="en-US" smtClean="0"/>
               <a:pPr/>
-              <a:t>38</a:t>
+              <a:t>39</a:t>
             </a:fld>
             <a:endParaRPr lang="en-US"/>
           </a:p>
@@ -33732,269 +33992,6 @@
     <p:extLst>
       <p:ext uri="{BB962C8B-B14F-4D97-AF65-F5344CB8AC3E}">
         <p14:creationId xmlns:p14="http://schemas.microsoft.com/office/powerpoint/2010/main" val="375382110"/>
-      </p:ext>
-    </p:extLst>
-  </p:cSld>
-  <p:clrMapOvr>
-    <a:masterClrMapping/>
-  </p:clrMapOvr>
-</p:sld>
-</file>
-
-<file path=ppt/slides/slide39.xml><?xml version="1.0" encoding="utf-8"?>
-<p:sld xmlns:a="http://schemas.openxmlformats.org/drawingml/2006/main" xmlns:r="http://schemas.openxmlformats.org/officeDocument/2006/relationships" xmlns:p="http://schemas.openxmlformats.org/presentationml/2006/main" show="0">
-  <p:cSld>
-    <p:spTree>
-      <p:nvGrpSpPr>
-        <p:cNvPr id="1" name=""/>
-        <p:cNvGrpSpPr/>
-        <p:nvPr/>
-      </p:nvGrpSpPr>
-      <p:grpSpPr>
-        <a:xfrm>
-          <a:off x="0" y="0"/>
-          <a:ext cx="0" cy="0"/>
-          <a:chOff x="0" y="0"/>
-          <a:chExt cx="0" cy="0"/>
-        </a:xfrm>
-      </p:grpSpPr>
-      <p:pic>
-        <p:nvPicPr>
-          <p:cNvPr id="8196" name="Picture 4" descr="http://www.sawtooth.com/sawtooth/site/images/uploads/image/Image/CDSCBCLO.png"/>
-          <p:cNvPicPr>
-            <a:picLocks noChangeAspect="1" noChangeArrowheads="1"/>
-          </p:cNvPicPr>
-          <p:nvPr/>
-        </p:nvPicPr>
-        <p:blipFill>
-          <a:blip r:embed="rId2">
-            <a:extLst>
-              <a:ext uri="{28A0092B-C50C-407E-A947-70E740481C1C}">
-                <a14:useLocalDpi xmlns:a14="http://schemas.microsoft.com/office/drawing/2010/main" val="0"/>
-              </a:ext>
-            </a:extLst>
-          </a:blip>
-          <a:srcRect/>
-          <a:stretch>
-            <a:fillRect/>
-          </a:stretch>
-        </p:blipFill>
-        <p:spPr bwMode="auto">
-          <a:xfrm>
-            <a:off x="4644008" y="1268760"/>
-            <a:ext cx="3976516" cy="4905164"/>
-          </a:xfrm>
-          <a:prstGeom prst="rect">
-            <a:avLst/>
-          </a:prstGeom>
-          <a:noFill/>
-          <a:extLst>
-            <a:ext uri="{909E8E84-426E-40DD-AFC4-6F175D3DCCD1}">
-              <a14:hiddenFill xmlns:a14="http://schemas.microsoft.com/office/drawing/2010/main">
-                <a:solidFill>
-                  <a:srgbClr val="FFFFFF"/>
-                </a:solidFill>
-              </a14:hiddenFill>
-            </a:ext>
-          </a:extLst>
-        </p:spPr>
-      </p:pic>
-      <p:sp>
-        <p:nvSpPr>
-          <p:cNvPr id="2" name="Title 1"/>
-          <p:cNvSpPr>
-            <a:spLocks noGrp="1"/>
-          </p:cNvSpPr>
-          <p:nvPr>
-            <p:ph type="title"/>
-          </p:nvPr>
-        </p:nvSpPr>
-        <p:spPr/>
-        <p:txBody>
-          <a:bodyPr>
-            <a:normAutofit fontScale="90000"/>
-          </a:bodyPr>
-          <a:lstStyle/>
-          <a:p>
-            <a:r>
-              <a:rPr lang="en-GB" dirty="0"/>
-              <a:t>Fieldwork monitoring</a:t>
-            </a:r>
-            <a:br>
-              <a:rPr lang="en-GB" dirty="0"/>
-            </a:br>
-            <a:r>
-              <a:rPr lang="en-GB" sz="2800" dirty="0"/>
-              <a:t>Telephone </a:t>
-            </a:r>
-            <a:endParaRPr lang="en-GB" dirty="0"/>
-          </a:p>
-        </p:txBody>
-      </p:sp>
-      <p:sp>
-        <p:nvSpPr>
-          <p:cNvPr id="3" name="Content Placeholder 2"/>
-          <p:cNvSpPr>
-            <a:spLocks noGrp="1"/>
-          </p:cNvSpPr>
-          <p:nvPr>
-            <p:ph sz="quarter" idx="1"/>
-          </p:nvPr>
-        </p:nvSpPr>
-        <p:spPr>
-          <a:xfrm>
-            <a:off x="457200" y="1828800"/>
-            <a:ext cx="7696200" cy="4297363"/>
-          </a:xfrm>
-        </p:spPr>
-        <p:txBody>
-          <a:bodyPr>
-            <a:normAutofit fontScale="85000" lnSpcReduction="20000"/>
-          </a:bodyPr>
-          <a:lstStyle/>
-          <a:p>
-            <a:r>
-              <a:rPr lang="en-GB" dirty="0"/>
-              <a:t>Telephone</a:t>
-            </a:r>
-          </a:p>
-          <a:p>
-            <a:pPr lvl="1"/>
-            <a:r>
-              <a:rPr lang="en-GB" dirty="0"/>
-              <a:t>Highly centralized </a:t>
-            </a:r>
-          </a:p>
-          <a:p>
-            <a:pPr lvl="1"/>
-            <a:r>
-              <a:rPr lang="en-GB" dirty="0"/>
-              <a:t>Automatic call schedules -&gt;</a:t>
-            </a:r>
-          </a:p>
-          <a:p>
-            <a:pPr lvl="1"/>
-            <a:endParaRPr lang="en-GB" dirty="0"/>
-          </a:p>
-          <a:p>
-            <a:r>
-              <a:rPr lang="en-GB" dirty="0"/>
-              <a:t>If not automated</a:t>
-            </a:r>
-          </a:p>
-          <a:p>
-            <a:pPr lvl="1"/>
-            <a:r>
-              <a:rPr lang="en-GB" dirty="0"/>
-              <a:t>Vary the time and day of calling</a:t>
-            </a:r>
-          </a:p>
-          <a:p>
-            <a:pPr lvl="1"/>
-            <a:r>
-              <a:rPr lang="en-GB" dirty="0"/>
-              <a:t>Try to predict best calling times</a:t>
-            </a:r>
-          </a:p>
-          <a:p>
-            <a:pPr lvl="2"/>
-            <a:r>
-              <a:rPr lang="en-GB" dirty="0"/>
-              <a:t>E.g. if someone works, probably try in evening</a:t>
-            </a:r>
-          </a:p>
-          <a:p>
-            <a:pPr lvl="1"/>
-            <a:r>
-              <a:rPr lang="en-GB" dirty="0"/>
-              <a:t>Keep to your appointments</a:t>
-            </a:r>
-          </a:p>
-          <a:p>
-            <a:pPr lvl="1"/>
-            <a:r>
-              <a:rPr lang="en-GB" dirty="0"/>
-              <a:t>Record interviewers if possible</a:t>
-            </a:r>
-          </a:p>
-          <a:p>
-            <a:pPr lvl="2"/>
-            <a:r>
-              <a:rPr lang="en-GB" dirty="0"/>
-              <a:t>For analysis and quality control purposes</a:t>
-            </a:r>
-          </a:p>
-        </p:txBody>
-      </p:sp>
-      <p:pic>
-        <p:nvPicPr>
-          <p:cNvPr id="8194" name="Picture 2" descr="http://www.independentdata.org/design/images/about_callcenter.jpg"/>
-          <p:cNvPicPr>
-            <a:picLocks noChangeAspect="1" noChangeArrowheads="1"/>
-          </p:cNvPicPr>
-          <p:nvPr/>
-        </p:nvPicPr>
-        <p:blipFill>
-          <a:blip r:embed="rId3">
-            <a:extLst>
-              <a:ext uri="{28A0092B-C50C-407E-A947-70E740481C1C}">
-                <a14:useLocalDpi xmlns:a14="http://schemas.microsoft.com/office/drawing/2010/main" val="0"/>
-              </a:ext>
-            </a:extLst>
-          </a:blip>
-          <a:srcRect/>
-          <a:stretch>
-            <a:fillRect/>
-          </a:stretch>
-        </p:blipFill>
-        <p:spPr bwMode="auto">
-          <a:xfrm>
-            <a:off x="6599707" y="116632"/>
-            <a:ext cx="2409825" cy="1609726"/>
-          </a:xfrm>
-          <a:prstGeom prst="rect">
-            <a:avLst/>
-          </a:prstGeom>
-          <a:noFill/>
-          <a:extLst>
-            <a:ext uri="{909E8E84-426E-40DD-AFC4-6F175D3DCCD1}">
-              <a14:hiddenFill xmlns:a14="http://schemas.microsoft.com/office/drawing/2010/main">
-                <a:solidFill>
-                  <a:srgbClr val="FFFFFF"/>
-                </a:solidFill>
-              </a14:hiddenFill>
-            </a:ext>
-          </a:extLst>
-        </p:spPr>
-      </p:pic>
-      <p:sp>
-        <p:nvSpPr>
-          <p:cNvPr id="4" name="Slide Number Placeholder 3"/>
-          <p:cNvSpPr>
-            <a:spLocks noGrp="1"/>
-          </p:cNvSpPr>
-          <p:nvPr>
-            <p:ph type="sldNum" sz="quarter" idx="12"/>
-          </p:nvPr>
-        </p:nvSpPr>
-        <p:spPr/>
-        <p:txBody>
-          <a:bodyPr/>
-          <a:lstStyle/>
-          <a:p>
-            <a:fld id="{B6F15528-21DE-4FAA-801E-634DDDAF4B2B}" type="slidenum">
-              <a:rPr lang="en-US" smtClean="0"/>
-              <a:pPr/>
-              <a:t>39</a:t>
-            </a:fld>
-            <a:endParaRPr lang="en-US"/>
-          </a:p>
-        </p:txBody>
-      </p:sp>
-    </p:spTree>
-    <p:extLst>
-      <p:ext uri="{BB962C8B-B14F-4D97-AF65-F5344CB8AC3E}">
-        <p14:creationId xmlns:p14="http://schemas.microsoft.com/office/powerpoint/2010/main" val="3529582717"/>
       </p:ext>
     </p:extLst>
   </p:cSld>
@@ -34186,6 +34183,269 @@
 </file>
 
 <file path=ppt/slides/slide40.xml><?xml version="1.0" encoding="utf-8"?>
+<p:sld xmlns:a="http://schemas.openxmlformats.org/drawingml/2006/main" xmlns:r="http://schemas.openxmlformats.org/officeDocument/2006/relationships" xmlns:p="http://schemas.openxmlformats.org/presentationml/2006/main" show="0">
+  <p:cSld>
+    <p:spTree>
+      <p:nvGrpSpPr>
+        <p:cNvPr id="1" name=""/>
+        <p:cNvGrpSpPr/>
+        <p:nvPr/>
+      </p:nvGrpSpPr>
+      <p:grpSpPr>
+        <a:xfrm>
+          <a:off x="0" y="0"/>
+          <a:ext cx="0" cy="0"/>
+          <a:chOff x="0" y="0"/>
+          <a:chExt cx="0" cy="0"/>
+        </a:xfrm>
+      </p:grpSpPr>
+      <p:pic>
+        <p:nvPicPr>
+          <p:cNvPr id="8196" name="Picture 4" descr="http://www.sawtooth.com/sawtooth/site/images/uploads/image/Image/CDSCBCLO.png"/>
+          <p:cNvPicPr>
+            <a:picLocks noChangeAspect="1" noChangeArrowheads="1"/>
+          </p:cNvPicPr>
+          <p:nvPr/>
+        </p:nvPicPr>
+        <p:blipFill>
+          <a:blip r:embed="rId2">
+            <a:extLst>
+              <a:ext uri="{28A0092B-C50C-407E-A947-70E740481C1C}">
+                <a14:useLocalDpi xmlns:a14="http://schemas.microsoft.com/office/drawing/2010/main" val="0"/>
+              </a:ext>
+            </a:extLst>
+          </a:blip>
+          <a:srcRect/>
+          <a:stretch>
+            <a:fillRect/>
+          </a:stretch>
+        </p:blipFill>
+        <p:spPr bwMode="auto">
+          <a:xfrm>
+            <a:off x="6168008" y="1268760"/>
+            <a:ext cx="3976516" cy="4905164"/>
+          </a:xfrm>
+          <a:prstGeom prst="rect">
+            <a:avLst/>
+          </a:prstGeom>
+          <a:noFill/>
+          <a:extLst>
+            <a:ext uri="{909E8E84-426E-40DD-AFC4-6F175D3DCCD1}">
+              <a14:hiddenFill xmlns:a14="http://schemas.microsoft.com/office/drawing/2010/main">
+                <a:solidFill>
+                  <a:srgbClr val="FFFFFF"/>
+                </a:solidFill>
+              </a14:hiddenFill>
+            </a:ext>
+          </a:extLst>
+        </p:spPr>
+      </p:pic>
+      <p:sp>
+        <p:nvSpPr>
+          <p:cNvPr id="2" name="Title 1"/>
+          <p:cNvSpPr>
+            <a:spLocks noGrp="1"/>
+          </p:cNvSpPr>
+          <p:nvPr>
+            <p:ph type="title"/>
+          </p:nvPr>
+        </p:nvSpPr>
+        <p:spPr/>
+        <p:txBody>
+          <a:bodyPr>
+            <a:normAutofit fontScale="90000"/>
+          </a:bodyPr>
+          <a:lstStyle/>
+          <a:p>
+            <a:r>
+              <a:rPr lang="en-GB" dirty="0"/>
+              <a:t>Fieldwork monitoring</a:t>
+            </a:r>
+            <a:br>
+              <a:rPr lang="en-GB" dirty="0"/>
+            </a:br>
+            <a:r>
+              <a:rPr lang="en-GB" sz="2800" dirty="0"/>
+              <a:t>Telephone </a:t>
+            </a:r>
+            <a:endParaRPr lang="en-GB" dirty="0"/>
+          </a:p>
+        </p:txBody>
+      </p:sp>
+      <p:sp>
+        <p:nvSpPr>
+          <p:cNvPr id="3" name="Content Placeholder 2"/>
+          <p:cNvSpPr>
+            <a:spLocks noGrp="1"/>
+          </p:cNvSpPr>
+          <p:nvPr>
+            <p:ph sz="quarter" idx="1"/>
+          </p:nvPr>
+        </p:nvSpPr>
+        <p:spPr>
+          <a:xfrm>
+            <a:off x="1981200" y="1828801"/>
+            <a:ext cx="7696200" cy="4297363"/>
+          </a:xfrm>
+        </p:spPr>
+        <p:txBody>
+          <a:bodyPr>
+            <a:normAutofit fontScale="85000" lnSpcReduction="20000"/>
+          </a:bodyPr>
+          <a:lstStyle/>
+          <a:p>
+            <a:r>
+              <a:rPr lang="en-GB" dirty="0"/>
+              <a:t>Telephone</a:t>
+            </a:r>
+          </a:p>
+          <a:p>
+            <a:pPr lvl="1"/>
+            <a:r>
+              <a:rPr lang="en-GB" dirty="0"/>
+              <a:t>Highly centralized </a:t>
+            </a:r>
+          </a:p>
+          <a:p>
+            <a:pPr lvl="1"/>
+            <a:r>
+              <a:rPr lang="en-GB" dirty="0"/>
+              <a:t>Automatic call schedules -&gt;</a:t>
+            </a:r>
+          </a:p>
+          <a:p>
+            <a:pPr lvl="1"/>
+            <a:endParaRPr lang="en-GB" dirty="0"/>
+          </a:p>
+          <a:p>
+            <a:r>
+              <a:rPr lang="en-GB" dirty="0"/>
+              <a:t>If not automated</a:t>
+            </a:r>
+          </a:p>
+          <a:p>
+            <a:pPr lvl="1"/>
+            <a:r>
+              <a:rPr lang="en-GB" dirty="0"/>
+              <a:t>Vary the time and day of calling</a:t>
+            </a:r>
+          </a:p>
+          <a:p>
+            <a:pPr lvl="1"/>
+            <a:r>
+              <a:rPr lang="en-GB" dirty="0"/>
+              <a:t>Try to predict best calling times</a:t>
+            </a:r>
+          </a:p>
+          <a:p>
+            <a:pPr lvl="2"/>
+            <a:r>
+              <a:rPr lang="en-GB" dirty="0"/>
+              <a:t>E.g. if someone works, probably try in evening</a:t>
+            </a:r>
+          </a:p>
+          <a:p>
+            <a:pPr lvl="1"/>
+            <a:r>
+              <a:rPr lang="en-GB" dirty="0"/>
+              <a:t>Keep to your appointments</a:t>
+            </a:r>
+          </a:p>
+          <a:p>
+            <a:pPr lvl="1"/>
+            <a:r>
+              <a:rPr lang="en-GB" dirty="0"/>
+              <a:t>Record interviewers if possible</a:t>
+            </a:r>
+          </a:p>
+          <a:p>
+            <a:pPr lvl="2"/>
+            <a:r>
+              <a:rPr lang="en-GB" dirty="0"/>
+              <a:t>For analysis and quality control purposes</a:t>
+            </a:r>
+          </a:p>
+        </p:txBody>
+      </p:sp>
+      <p:pic>
+        <p:nvPicPr>
+          <p:cNvPr id="8194" name="Picture 2" descr="http://www.independentdata.org/design/images/about_callcenter.jpg"/>
+          <p:cNvPicPr>
+            <a:picLocks noChangeAspect="1" noChangeArrowheads="1"/>
+          </p:cNvPicPr>
+          <p:nvPr/>
+        </p:nvPicPr>
+        <p:blipFill>
+          <a:blip r:embed="rId3">
+            <a:extLst>
+              <a:ext uri="{28A0092B-C50C-407E-A947-70E740481C1C}">
+                <a14:useLocalDpi xmlns:a14="http://schemas.microsoft.com/office/drawing/2010/main" val="0"/>
+              </a:ext>
+            </a:extLst>
+          </a:blip>
+          <a:srcRect/>
+          <a:stretch>
+            <a:fillRect/>
+          </a:stretch>
+        </p:blipFill>
+        <p:spPr bwMode="auto">
+          <a:xfrm>
+            <a:off x="8123708" y="116632"/>
+            <a:ext cx="2409825" cy="1609726"/>
+          </a:xfrm>
+          <a:prstGeom prst="rect">
+            <a:avLst/>
+          </a:prstGeom>
+          <a:noFill/>
+          <a:extLst>
+            <a:ext uri="{909E8E84-426E-40DD-AFC4-6F175D3DCCD1}">
+              <a14:hiddenFill xmlns:a14="http://schemas.microsoft.com/office/drawing/2010/main">
+                <a:solidFill>
+                  <a:srgbClr val="FFFFFF"/>
+                </a:solidFill>
+              </a14:hiddenFill>
+            </a:ext>
+          </a:extLst>
+        </p:spPr>
+      </p:pic>
+      <p:sp>
+        <p:nvSpPr>
+          <p:cNvPr id="4" name="Slide Number Placeholder 3"/>
+          <p:cNvSpPr>
+            <a:spLocks noGrp="1"/>
+          </p:cNvSpPr>
+          <p:nvPr>
+            <p:ph type="sldNum" sz="quarter" idx="12"/>
+          </p:nvPr>
+        </p:nvSpPr>
+        <p:spPr/>
+        <p:txBody>
+          <a:bodyPr/>
+          <a:lstStyle/>
+          <a:p>
+            <a:fld id="{B6F15528-21DE-4FAA-801E-634DDDAF4B2B}" type="slidenum">
+              <a:rPr lang="en-US" smtClean="0"/>
+              <a:pPr/>
+              <a:t>40</a:t>
+            </a:fld>
+            <a:endParaRPr lang="en-US"/>
+          </a:p>
+        </p:txBody>
+      </p:sp>
+    </p:spTree>
+    <p:extLst>
+      <p:ext uri="{BB962C8B-B14F-4D97-AF65-F5344CB8AC3E}">
+        <p14:creationId xmlns:p14="http://schemas.microsoft.com/office/powerpoint/2010/main" val="3529582717"/>
+      </p:ext>
+    </p:extLst>
+  </p:cSld>
+  <p:clrMapOvr>
+    <a:masterClrMapping/>
+  </p:clrMapOvr>
+</p:sld>
+</file>
+
+<file path=ppt/slides/slide41.xml><?xml version="1.0" encoding="utf-8"?>
 <p:sld xmlns:a="http://schemas.openxmlformats.org/drawingml/2006/main" xmlns:r="http://schemas.openxmlformats.org/officeDocument/2006/relationships" xmlns:p="http://schemas.openxmlformats.org/presentationml/2006/main">
   <p:cSld>
     <p:spTree>
@@ -34241,7 +34501,7 @@
         </p:nvSpPr>
         <p:spPr>
           <a:xfrm>
-            <a:off x="7121736" y="1143000"/>
+            <a:off x="8645736" y="1143001"/>
             <a:ext cx="2022264" cy="4525963"/>
           </a:xfrm>
         </p:spPr>
@@ -34291,7 +34551,7 @@
         </p:blipFill>
         <p:spPr>
           <a:xfrm>
-            <a:off x="0" y="1143000"/>
+            <a:off x="1524000" y="1143001"/>
             <a:ext cx="7121736" cy="5721927"/>
           </a:xfrm>
           <a:prstGeom prst="rect">
@@ -34317,7 +34577,7 @@
             <a:fld id="{B6F15528-21DE-4FAA-801E-634DDDAF4B2B}" type="slidenum">
               <a:rPr lang="en-US" smtClean="0"/>
               <a:pPr/>
-              <a:t>40</a:t>
+              <a:t>41</a:t>
             </a:fld>
             <a:endParaRPr lang="en-US"/>
           </a:p>
@@ -34336,7 +34596,7 @@
 </p:sld>
 </file>
 
-<file path=ppt/slides/slide41.xml><?xml version="1.0" encoding="utf-8"?>
+<file path=ppt/slides/slide42.xml><?xml version="1.0" encoding="utf-8"?>
 <p:sld xmlns:a="http://schemas.openxmlformats.org/drawingml/2006/main" xmlns:r="http://schemas.openxmlformats.org/officeDocument/2006/relationships" xmlns:p="http://schemas.openxmlformats.org/presentationml/2006/main">
   <p:cSld>
     <p:spTree>
@@ -34387,7 +34647,7 @@
         </p:blipFill>
         <p:spPr>
           <a:xfrm>
-            <a:off x="-609600" y="-76200"/>
+            <a:off x="914400" y="-76200"/>
             <a:ext cx="10058400" cy="8081377"/>
           </a:xfrm>
           <a:prstGeom prst="rect">
@@ -34426,7 +34686,7 @@
         </p:nvSpPr>
         <p:spPr>
           <a:xfrm>
-            <a:off x="457200" y="1701506"/>
+            <a:off x="1981200" y="1701507"/>
             <a:ext cx="8229600" cy="4525963"/>
           </a:xfrm>
         </p:spPr>
@@ -34501,7 +34761,7 @@
         </p:nvSpPr>
         <p:spPr>
           <a:xfrm>
-            <a:off x="762000" y="1143000"/>
+            <a:off x="2286000" y="1143000"/>
             <a:ext cx="6400800" cy="228600"/>
           </a:xfrm>
           <a:prstGeom prst="rect">
@@ -34547,7 +34807,7 @@
         </p:nvCxnSpPr>
         <p:spPr>
           <a:xfrm>
-            <a:off x="2362200" y="1371600"/>
+            <a:off x="3886200" y="1371600"/>
             <a:ext cx="0" cy="457200"/>
           </a:xfrm>
           <a:prstGeom prst="straightConnector1">
@@ -34593,7 +34853,7 @@
             <a:fld id="{B6F15528-21DE-4FAA-801E-634DDDAF4B2B}" type="slidenum">
               <a:rPr lang="en-US" smtClean="0"/>
               <a:pPr/>
-              <a:t>41</a:t>
+              <a:t>42</a:t>
             </a:fld>
             <a:endParaRPr lang="en-US"/>
           </a:p>
@@ -34612,7 +34872,7 @@
 </p:sld>
 </file>
 
-<file path=ppt/slides/slide42.xml><?xml version="1.0" encoding="utf-8"?>
+<file path=ppt/slides/slide43.xml><?xml version="1.0" encoding="utf-8"?>
 <p:sld xmlns:a="http://schemas.openxmlformats.org/drawingml/2006/main" xmlns:r="http://schemas.openxmlformats.org/officeDocument/2006/relationships" xmlns:p="http://schemas.openxmlformats.org/presentationml/2006/main">
   <p:cSld>
     <p:spTree>
@@ -34689,12 +34949,10 @@
           <p:cNvGraphicFramePr>
             <a:graphicFrameLocks noGrp="1"/>
           </p:cNvGraphicFramePr>
-          <p:nvPr>
-            <p:extLst/>
-          </p:nvPr>
+          <p:nvPr/>
         </p:nvGraphicFramePr>
         <p:xfrm>
-          <a:off x="457200" y="1600200"/>
+          <a:off x="1981200" y="1600200"/>
           <a:ext cx="8534400" cy="3550544"/>
         </p:xfrm>
         <a:graphic>
@@ -36352,7 +36610,7 @@
             <a:fld id="{B6F15528-21DE-4FAA-801E-634DDDAF4B2B}" type="slidenum">
               <a:rPr lang="en-US" smtClean="0"/>
               <a:pPr/>
-              <a:t>42</a:t>
+              <a:t>43</a:t>
             </a:fld>
             <a:endParaRPr lang="en-US"/>
           </a:p>
@@ -36371,7 +36629,7 @@
 </p:sld>
 </file>
 
-<file path=ppt/slides/slide43.xml><?xml version="1.0" encoding="utf-8"?>
+<file path=ppt/slides/slide44.xml><?xml version="1.0" encoding="utf-8"?>
 <p:sld xmlns:a="http://schemas.openxmlformats.org/drawingml/2006/main" xmlns:r="http://schemas.openxmlformats.org/officeDocument/2006/relationships" xmlns:p="http://schemas.openxmlformats.org/presentationml/2006/main">
   <p:cSld>
     <p:spTree>
@@ -36400,7 +36658,7 @@
         </p:nvSpPr>
         <p:spPr>
           <a:xfrm>
-            <a:off x="457200" y="304800"/>
+            <a:off x="1981200" y="304800"/>
             <a:ext cx="8229600" cy="1143000"/>
           </a:xfrm>
         </p:spPr>
@@ -36473,7 +36731,7 @@
         </p:blipFill>
         <p:spPr bwMode="auto">
           <a:xfrm>
-            <a:off x="439086" y="1447800"/>
+            <a:off x="1963086" y="1447801"/>
             <a:ext cx="6190314" cy="5412509"/>
           </a:xfrm>
           <a:prstGeom prst="rect">
@@ -36522,7 +36780,7 @@
             <a:fld id="{B6F15528-21DE-4FAA-801E-634DDDAF4B2B}" type="slidenum">
               <a:rPr lang="en-US" smtClean="0"/>
               <a:pPr/>
-              <a:t>43</a:t>
+              <a:t>44</a:t>
             </a:fld>
             <a:endParaRPr lang="en-US"/>
           </a:p>
@@ -36541,7 +36799,7 @@
 </p:sld>
 </file>
 
-<file path=ppt/slides/slide44.xml><?xml version="1.0" encoding="utf-8"?>
+<file path=ppt/slides/slide45.xml><?xml version="1.0" encoding="utf-8"?>
 <p:sld xmlns:a="http://schemas.openxmlformats.org/drawingml/2006/main" xmlns:r="http://schemas.openxmlformats.org/officeDocument/2006/relationships" xmlns:p="http://schemas.openxmlformats.org/presentationml/2006/main">
   <p:cSld>
     <p:spTree>
@@ -36570,7 +36828,7 @@
         </p:nvSpPr>
         <p:spPr>
           <a:xfrm>
-            <a:off x="457200" y="304800"/>
+            <a:off x="1981200" y="304800"/>
             <a:ext cx="8229600" cy="1143000"/>
           </a:xfrm>
         </p:spPr>
@@ -36602,7 +36860,7 @@
         </p:nvSpPr>
         <p:spPr>
           <a:xfrm>
-            <a:off x="457200" y="1600200"/>
+            <a:off x="1981201" y="1600201"/>
             <a:ext cx="4553805" cy="4525963"/>
           </a:xfrm>
         </p:spPr>
@@ -36640,7 +36898,7 @@
         </p:blipFill>
         <p:spPr>
           <a:xfrm>
-            <a:off x="5011005" y="2352861"/>
+            <a:off x="6535005" y="2352861"/>
             <a:ext cx="4126992" cy="4475322"/>
           </a:xfrm>
           <a:prstGeom prst="rect">
@@ -36666,7 +36924,7 @@
             <a:fld id="{B6F15528-21DE-4FAA-801E-634DDDAF4B2B}" type="slidenum">
               <a:rPr lang="en-US" smtClean="0"/>
               <a:pPr/>
-              <a:t>44</a:t>
+              <a:t>45</a:t>
             </a:fld>
             <a:endParaRPr lang="en-US"/>
           </a:p>
@@ -36685,7 +36943,7 @@
 </p:sld>
 </file>
 
-<file path=ppt/slides/slide45.xml><?xml version="1.0" encoding="utf-8"?>
+<file path=ppt/slides/slide46.xml><?xml version="1.0" encoding="utf-8"?>
 <p:sld xmlns:a="http://schemas.openxmlformats.org/drawingml/2006/main" xmlns:r="http://schemas.openxmlformats.org/officeDocument/2006/relationships" xmlns:p="http://schemas.openxmlformats.org/presentationml/2006/main">
   <p:cSld>
     <p:spTree>
@@ -36754,7 +37012,7 @@
         <p:spPr/>
         <p:txBody>
           <a:bodyPr>
-            <a:normAutofit fontScale="92500"/>
+            <a:normAutofit lnSpcReduction="10000"/>
           </a:bodyPr>
           <a:lstStyle/>
           <a:p>
@@ -36880,7 +37138,7 @@
             <a:fld id="{B6F15528-21DE-4FAA-801E-634DDDAF4B2B}" type="slidenum">
               <a:rPr lang="en-US" smtClean="0"/>
               <a:pPr/>
-              <a:t>45</a:t>
+              <a:t>46</a:t>
             </a:fld>
             <a:endParaRPr lang="en-US"/>
           </a:p>
@@ -36899,7 +37157,7 @@
 </p:sld>
 </file>
 
-<file path=ppt/slides/slide46.xml><?xml version="1.0" encoding="utf-8"?>
+<file path=ppt/slides/slide47.xml><?xml version="1.0" encoding="utf-8"?>
 <p:sld xmlns:a="http://schemas.openxmlformats.org/drawingml/2006/main" xmlns:r="http://schemas.openxmlformats.org/officeDocument/2006/relationships" xmlns:p="http://schemas.openxmlformats.org/presentationml/2006/main">
   <p:cSld>
     <p:spTree>
@@ -36974,7 +37232,7 @@
         </p:nvSpPr>
         <p:spPr>
           <a:xfrm>
-            <a:off x="457200" y="1600200"/>
+            <a:off x="1981200" y="1600200"/>
             <a:ext cx="8507288" cy="5141168"/>
           </a:xfrm>
         </p:spPr>
@@ -37240,7 +37498,7 @@
 </p:sld>
 </file>
 
-<file path=ppt/slides/slide47.xml><?xml version="1.0" encoding="utf-8"?>
+<file path=ppt/slides/slide48.xml><?xml version="1.0" encoding="utf-8"?>
 <p:sld xmlns:a="http://schemas.openxmlformats.org/drawingml/2006/main" xmlns:r="http://schemas.openxmlformats.org/officeDocument/2006/relationships" xmlns:p="http://schemas.openxmlformats.org/presentationml/2006/main">
   <p:cSld>
     <p:spTree>
@@ -37269,7 +37527,7 @@
         </p:nvSpPr>
         <p:spPr>
           <a:xfrm>
-            <a:off x="457200" y="274638"/>
+            <a:off x="1981200" y="274638"/>
             <a:ext cx="8229600" cy="850106"/>
           </a:xfrm>
         </p:spPr>
@@ -37297,7 +37555,7 @@
         </p:nvSpPr>
         <p:spPr>
           <a:xfrm>
-            <a:off x="457200" y="1484784"/>
+            <a:off x="1981200" y="1484784"/>
             <a:ext cx="8435280" cy="4824536"/>
           </a:xfrm>
         </p:spPr>
@@ -37869,7 +38127,7 @@
 </p:sld>
 </file>
 
-<file path=ppt/slides/slide48.xml><?xml version="1.0" encoding="utf-8"?>
+<file path=ppt/slides/slide49.xml><?xml version="1.0" encoding="utf-8"?>
 <p:sld xmlns:a="http://schemas.openxmlformats.org/drawingml/2006/main" xmlns:r="http://schemas.openxmlformats.org/officeDocument/2006/relationships" xmlns:p="http://schemas.openxmlformats.org/presentationml/2006/main">
   <p:cSld>
     <p:spTree>
@@ -38070,269 +38328,6 @@
     <p:extLst>
       <p:ext uri="{BB962C8B-B14F-4D97-AF65-F5344CB8AC3E}">
         <p14:creationId xmlns:p14="http://schemas.microsoft.com/office/powerpoint/2010/main" val="1368185395"/>
-      </p:ext>
-    </p:extLst>
-  </p:cSld>
-  <p:clrMapOvr>
-    <a:masterClrMapping/>
-  </p:clrMapOvr>
-</p:sld>
-</file>
-
-<file path=ppt/slides/slide49.xml><?xml version="1.0" encoding="utf-8"?>
-<p:sld xmlns:a="http://schemas.openxmlformats.org/drawingml/2006/main" xmlns:r="http://schemas.openxmlformats.org/officeDocument/2006/relationships" xmlns:p="http://schemas.openxmlformats.org/presentationml/2006/main">
-  <p:cSld>
-    <p:spTree>
-      <p:nvGrpSpPr>
-        <p:cNvPr id="1" name=""/>
-        <p:cNvGrpSpPr/>
-        <p:nvPr/>
-      </p:nvGrpSpPr>
-      <p:grpSpPr>
-        <a:xfrm>
-          <a:off x="0" y="0"/>
-          <a:ext cx="0" cy="0"/>
-          <a:chOff x="0" y="0"/>
-          <a:chExt cx="0" cy="0"/>
-        </a:xfrm>
-      </p:grpSpPr>
-      <p:sp>
-        <p:nvSpPr>
-          <p:cNvPr id="2" name="Title 1"/>
-          <p:cNvSpPr>
-            <a:spLocks noGrp="1"/>
-          </p:cNvSpPr>
-          <p:nvPr>
-            <p:ph type="title"/>
-          </p:nvPr>
-        </p:nvSpPr>
-        <p:spPr/>
-        <p:txBody>
-          <a:bodyPr/>
-          <a:lstStyle/>
-          <a:p>
-            <a:r>
-              <a:rPr lang="en-US" dirty="0"/>
-              <a:t>How to use variables in R…</a:t>
-            </a:r>
-            <a:endParaRPr lang="nl-NL" dirty="0"/>
-          </a:p>
-        </p:txBody>
-      </p:sp>
-      <p:sp>
-        <p:nvSpPr>
-          <p:cNvPr id="3" name="Content Placeholder 2"/>
-          <p:cNvSpPr>
-            <a:spLocks noGrp="1"/>
-          </p:cNvSpPr>
-          <p:nvPr>
-            <p:ph idx="1"/>
-          </p:nvPr>
-        </p:nvSpPr>
-        <p:spPr/>
-        <p:txBody>
-          <a:bodyPr>
-            <a:normAutofit/>
-          </a:bodyPr>
-          <a:lstStyle/>
-          <a:p>
-            <a:r>
-              <a:rPr lang="en-US" dirty="0"/>
-              <a:t>‘survey’ library</a:t>
-            </a:r>
-          </a:p>
-          <a:p>
-            <a:r>
-              <a:rPr lang="en-US" dirty="0"/>
-              <a:t>Imagine: auxiliary data for sex, age </a:t>
-            </a:r>
-          </a:p>
-          <a:p>
-            <a:pPr lvl="1"/>
-            <a:r>
-              <a:rPr lang="en-US" dirty="0" err="1">
-                <a:solidFill>
-                  <a:srgbClr val="FF0000"/>
-                </a:solidFill>
-              </a:rPr>
-              <a:t>PostStratify</a:t>
-            </a:r>
-            <a:r>
-              <a:rPr lang="en-US" dirty="0"/>
-              <a:t>(design=</a:t>
-            </a:r>
-            <a:r>
-              <a:rPr lang="nl-NL" dirty="0"/>
-              <a:t> </a:t>
-            </a:r>
-            <a:r>
-              <a:rPr lang="nl-NL" dirty="0" err="1"/>
-              <a:t>svy.unweighted</a:t>
-            </a:r>
-            <a:r>
-              <a:rPr lang="nl-NL" dirty="0"/>
-              <a:t>, </a:t>
-            </a:r>
-            <a:r>
-              <a:rPr lang="nl-NL" dirty="0" err="1"/>
-              <a:t>strata</a:t>
-            </a:r>
-            <a:r>
-              <a:rPr lang="nl-NL" dirty="0"/>
-              <a:t> = </a:t>
-            </a:r>
-            <a:r>
-              <a:rPr lang="nl-NL" dirty="0" err="1"/>
-              <a:t>agegender</a:t>
-            </a:r>
-            <a:r>
-              <a:rPr lang="nl-NL" dirty="0"/>
-              <a:t>, </a:t>
-            </a:r>
-            <a:r>
-              <a:rPr lang="nl-NL" dirty="0" err="1"/>
-              <a:t>population</a:t>
-            </a:r>
-            <a:r>
-              <a:rPr lang="nl-NL" dirty="0"/>
-              <a:t>=</a:t>
-            </a:r>
-            <a:r>
-              <a:rPr lang="nl-NL" dirty="0" err="1"/>
-              <a:t>agegender.dist</a:t>
-            </a:r>
-            <a:endParaRPr lang="nl-NL" dirty="0"/>
-          </a:p>
-          <a:p>
-            <a:pPr lvl="1"/>
-            <a:r>
-              <a:rPr lang="nl-NL" dirty="0">
-                <a:solidFill>
-                  <a:srgbClr val="FF0000"/>
-                </a:solidFill>
-              </a:rPr>
-              <a:t>rake</a:t>
-            </a:r>
-            <a:r>
-              <a:rPr lang="nl-NL" dirty="0"/>
-              <a:t>(design = </a:t>
-            </a:r>
-            <a:r>
-              <a:rPr lang="nl-NL" dirty="0" err="1"/>
-              <a:t>svy.unweighted</a:t>
-            </a:r>
-            <a:r>
-              <a:rPr lang="nl-NL" dirty="0"/>
-              <a:t>,</a:t>
-            </a:r>
-            <a:br>
-              <a:rPr lang="nl-NL" dirty="0"/>
-            </a:br>
-            <a:r>
-              <a:rPr lang="nl-NL" dirty="0" err="1"/>
-              <a:t>sample.margins</a:t>
-            </a:r>
-            <a:r>
-              <a:rPr lang="nl-NL" dirty="0"/>
-              <a:t> = list(~</a:t>
-            </a:r>
-            <a:r>
-              <a:rPr lang="nl-NL" dirty="0" err="1"/>
-              <a:t>sex</a:t>
-            </a:r>
-            <a:r>
-              <a:rPr lang="nl-NL" dirty="0"/>
-              <a:t>, ~</a:t>
-            </a:r>
-            <a:r>
-              <a:rPr lang="nl-NL" dirty="0" err="1"/>
-              <a:t>age</a:t>
-            </a:r>
-            <a:r>
-              <a:rPr lang="nl-NL" dirty="0"/>
-              <a:t>),</a:t>
-            </a:r>
-            <a:br>
-              <a:rPr lang="nl-NL" dirty="0"/>
-            </a:br>
-            <a:r>
-              <a:rPr lang="nl-NL" dirty="0" err="1"/>
-              <a:t>population.margins</a:t>
-            </a:r>
-            <a:r>
-              <a:rPr lang="nl-NL" dirty="0"/>
-              <a:t> = list(</a:t>
-            </a:r>
-            <a:r>
-              <a:rPr lang="nl-NL" dirty="0" err="1"/>
-              <a:t>sex.dist</a:t>
-            </a:r>
-            <a:r>
-              <a:rPr lang="nl-NL" dirty="0"/>
-              <a:t>, </a:t>
-            </a:r>
-            <a:r>
-              <a:rPr lang="nl-NL" dirty="0" err="1"/>
-              <a:t>age.dist</a:t>
-            </a:r>
-            <a:r>
-              <a:rPr lang="nl-NL" dirty="0"/>
-              <a:t>))</a:t>
-            </a:r>
-          </a:p>
-          <a:p>
-            <a:pPr lvl="1"/>
-            <a:r>
-              <a:rPr lang="en-US" dirty="0">
-                <a:solidFill>
-                  <a:srgbClr val="FF0000"/>
-                </a:solidFill>
-              </a:rPr>
-              <a:t>Calibrate</a:t>
-            </a:r>
-            <a:r>
-              <a:rPr lang="en-US" dirty="0"/>
-              <a:t>(design=</a:t>
-            </a:r>
-            <a:r>
-              <a:rPr lang="en-US" dirty="0" err="1"/>
-              <a:t>svy.unweighted</a:t>
-            </a:r>
-            <a:r>
-              <a:rPr lang="en-US" dirty="0"/>
-              <a:t>, formula = ~</a:t>
-            </a:r>
-            <a:r>
-              <a:rPr lang="en-US" dirty="0" err="1"/>
-              <a:t>age+gender</a:t>
-            </a:r>
-            <a:r>
-              <a:rPr lang="en-US" dirty="0"/>
-              <a:t> , population=c(</a:t>
-            </a:r>
-            <a:r>
-              <a:rPr lang="en-US" dirty="0" err="1"/>
-              <a:t>sex.dist,age.dist</a:t>
-            </a:r>
-            <a:r>
-              <a:rPr lang="en-US" dirty="0"/>
-              <a:t>)</a:t>
-            </a:r>
-          </a:p>
-          <a:p>
-            <a:pPr lvl="1"/>
-            <a:endParaRPr lang="nl-NL" dirty="0"/>
-          </a:p>
-          <a:p>
-            <a:pPr lvl="1"/>
-            <a:endParaRPr lang="nl-NL" dirty="0"/>
-          </a:p>
-        </p:txBody>
-      </p:sp>
-    </p:spTree>
-    <p:extLst>
-      <p:ext uri="{BB962C8B-B14F-4D97-AF65-F5344CB8AC3E}">
-        <p14:creationId xmlns:p14="http://schemas.microsoft.com/office/powerpoint/2010/main" val="1368665472"/>
       </p:ext>
     </p:extLst>
   </p:cSld>
@@ -38371,7 +38366,7 @@
         </p:nvSpPr>
         <p:spPr>
           <a:xfrm>
-            <a:off x="457200" y="274638"/>
+            <a:off x="1981200" y="274638"/>
             <a:ext cx="8229600" cy="850106"/>
           </a:xfrm>
         </p:spPr>
@@ -38398,7 +38393,7 @@
         </p:nvSpPr>
         <p:spPr>
           <a:xfrm>
-            <a:off x="611560" y="5724257"/>
+            <a:off x="2135560" y="5724257"/>
             <a:ext cx="8435280" cy="648072"/>
           </a:xfrm>
         </p:spPr>
@@ -38435,7 +38430,7 @@
         </p:nvSpPr>
         <p:spPr bwMode="auto">
           <a:xfrm>
-            <a:off x="611560" y="1484784"/>
+            <a:off x="2135561" y="1484784"/>
             <a:ext cx="3887787" cy="2862322"/>
           </a:xfrm>
           <a:prstGeom prst="rect">
@@ -38448,14 +38443,14 @@
           <a:effectLst/>
           <a:extLst>
             <a:ext uri="{909E8E84-426E-40dd-AFC4-6F175D3DCCD1}">
-              <a14:hiddenFill xmlns:a14="http://schemas.microsoft.com/office/drawing/2010/main" xmlns="">
+              <a14:hiddenFill xmlns="" xmlns:a14="http://schemas.microsoft.com/office/drawing/2010/main">
                 <a:solidFill>
                   <a:schemeClr val="accent1"/>
                 </a:solidFill>
               </a14:hiddenFill>
             </a:ext>
             <a:ext uri="{91240B29-F687-4f45-9708-019B960494DF}">
-              <a14:hiddenLine xmlns:a14="http://schemas.microsoft.com/office/drawing/2010/main" xmlns="" w="9525">
+              <a14:hiddenLine xmlns="" xmlns:a14="http://schemas.microsoft.com/office/drawing/2010/main" w="9525">
                 <a:solidFill>
                   <a:schemeClr val="tx1"/>
                 </a:solidFill>
@@ -38465,7 +38460,7 @@
               </a14:hiddenLine>
             </a:ext>
             <a:ext uri="{AF507438-7753-43e0-B8FC-AC1667EBCBE1}">
-              <a14:hiddenEffects xmlns:a14="http://schemas.microsoft.com/office/drawing/2010/main" xmlns="">
+              <a14:hiddenEffects xmlns="" xmlns:a14="http://schemas.microsoft.com/office/drawing/2010/main">
                 <a:effectLst>
                   <a:outerShdw dist="35921" dir="2700000" algn="ctr" rotWithShape="0">
                     <a:schemeClr val="bg2"/>
@@ -38650,7 +38645,7 @@
             </a:lvl9pPr>
           </a:lstStyle>
           <a:p>
-            <a:pPr defTabSz="914400">
+            <a:pPr>
               <a:lnSpc>
                 <a:spcPct val="100000"/>
               </a:lnSpc>
@@ -38659,11 +38654,9 @@
               </a:spcBef>
               <a:buClrTx/>
               <a:buSzTx/>
-              <a:buFontTx/>
-              <a:buNone/>
             </a:pPr>
             <a:r>
-              <a:rPr lang="en-US" sz="2400" b="0" u="sng" dirty="0">
+              <a:rPr lang="en-US" sz="2400" u="sng" dirty="0">
                 <a:solidFill>
                   <a:schemeClr val="tx1"/>
                 </a:solidFill>
@@ -38672,7 +38665,7 @@
               </a:rPr>
               <a:t>Deterministic</a:t>
             </a:r>
-            <a:endParaRPr lang="en-GB" sz="2400" b="0" u="sng" dirty="0">
+            <a:endParaRPr lang="en-GB" sz="2400" u="sng" dirty="0">
               <a:solidFill>
                 <a:schemeClr val="tx1"/>
               </a:solidFill>
@@ -38681,7 +38674,7 @@
             </a:endParaRPr>
           </a:p>
           <a:p>
-            <a:pPr defTabSz="914400">
+            <a:pPr>
               <a:lnSpc>
                 <a:spcPct val="100000"/>
               </a:lnSpc>
@@ -38690,11 +38683,9 @@
               </a:spcBef>
               <a:buClrTx/>
               <a:buSzTx/>
-              <a:buFontTx/>
-              <a:buNone/>
             </a:pPr>
             <a:r>
-              <a:rPr lang="en-US" sz="2400" b="0" dirty="0">
+              <a:rPr lang="en-US" sz="2400" dirty="0">
                 <a:solidFill>
                   <a:schemeClr val="tx1"/>
                 </a:solidFill>
@@ -38704,7 +38695,7 @@
               <a:t>It is a function of the nonresponse rate </a:t>
             </a:r>
             <a:r>
-              <a:rPr lang="en-US" sz="2400" b="0" i="1" dirty="0">
+              <a:rPr lang="en-US" sz="2400" i="1" dirty="0">
                 <a:solidFill>
                   <a:schemeClr val="tx1"/>
                 </a:solidFill>
@@ -38714,7 +38705,7 @@
               <a:t>M/N </a:t>
             </a:r>
             <a:r>
-              <a:rPr lang="en-US" sz="2400" b="0" dirty="0">
+              <a:rPr lang="en-US" sz="2400" dirty="0">
                 <a:solidFill>
                   <a:schemeClr val="tx1"/>
                 </a:solidFill>
@@ -38724,7 +38715,7 @@
               <a:t>and the difference between the respondents’ </a:t>
             </a:r>
             <a:r>
-              <a:rPr lang="en-US" sz="2400" b="0" i="1" dirty="0">
+              <a:rPr lang="en-US" sz="2400" i="1" dirty="0">
                 <a:solidFill>
                   <a:schemeClr val="tx1"/>
                 </a:solidFill>
@@ -38734,7 +38725,7 @@
               <a:t>r </a:t>
             </a:r>
             <a:r>
-              <a:rPr lang="en-US" sz="2400" b="0" dirty="0">
+              <a:rPr lang="en-US" sz="2400" dirty="0">
                 <a:solidFill>
                   <a:schemeClr val="tx1"/>
                 </a:solidFill>
@@ -38744,7 +38735,7 @@
               <a:t>and the nonrespondents’ </a:t>
             </a:r>
             <a:r>
-              <a:rPr lang="en-US" sz="2400" b="0" i="1" dirty="0">
+              <a:rPr lang="en-US" sz="2400" i="1" dirty="0">
                 <a:solidFill>
                   <a:schemeClr val="tx1"/>
                 </a:solidFill>
@@ -38754,7 +38745,7 @@
               <a:t>m </a:t>
             </a:r>
             <a:r>
-              <a:rPr lang="en-US" sz="2400" b="0" dirty="0">
+              <a:rPr lang="en-US" sz="2400" dirty="0">
                 <a:solidFill>
                   <a:schemeClr val="tx1"/>
                 </a:solidFill>
@@ -38763,7 +38754,7 @@
               </a:rPr>
               <a:t>population values.</a:t>
             </a:r>
-            <a:endParaRPr lang="de-DE" sz="2400" b="0" dirty="0">
+            <a:endParaRPr lang="de-DE" sz="2400" dirty="0">
               <a:solidFill>
                 <a:schemeClr val="tx1"/>
               </a:solidFill>
@@ -38783,8 +38774,8 @@
         </p:nvSpPr>
         <p:spPr bwMode="auto">
           <a:xfrm>
-            <a:off x="4734398" y="1484784"/>
-            <a:ext cx="4409601" cy="3123932"/>
+            <a:off x="6258399" y="1484784"/>
+            <a:ext cx="4409601" cy="2754600"/>
           </a:xfrm>
           <a:prstGeom prst="rect">
             <a:avLst/>
@@ -38796,14 +38787,14 @@
           <a:effectLst/>
           <a:extLst>
             <a:ext uri="{909E8E84-426E-40dd-AFC4-6F175D3DCCD1}">
-              <a14:hiddenFill xmlns:a14="http://schemas.microsoft.com/office/drawing/2010/main" xmlns="">
+              <a14:hiddenFill xmlns="" xmlns:a14="http://schemas.microsoft.com/office/drawing/2010/main">
                 <a:solidFill>
                   <a:schemeClr val="accent1"/>
                 </a:solidFill>
               </a14:hiddenFill>
             </a:ext>
             <a:ext uri="{91240B29-F687-4f45-9708-019B960494DF}">
-              <a14:hiddenLine xmlns:a14="http://schemas.microsoft.com/office/drawing/2010/main" xmlns="" w="9525">
+              <a14:hiddenLine xmlns="" xmlns:a14="http://schemas.microsoft.com/office/drawing/2010/main" w="9525">
                 <a:solidFill>
                   <a:schemeClr val="tx1"/>
                 </a:solidFill>
@@ -38813,7 +38804,7 @@
               </a14:hiddenLine>
             </a:ext>
             <a:ext uri="{AF507438-7753-43e0-B8FC-AC1667EBCBE1}">
-              <a14:hiddenEffects xmlns:a14="http://schemas.microsoft.com/office/drawing/2010/main" xmlns="">
+              <a14:hiddenEffects xmlns="" xmlns:a14="http://schemas.microsoft.com/office/drawing/2010/main">
                 <a:effectLst>
                   <a:outerShdw dist="35921" dir="2700000" algn="ctr" rotWithShape="0">
                     <a:schemeClr val="bg2"/>
@@ -38871,19 +38862,19 @@
           <p:nvPr/>
         </p:nvGraphicFramePr>
         <p:xfrm>
-          <a:off x="611560" y="4378379"/>
+          <a:off x="2135561" y="4378379"/>
           <a:ext cx="2822623" cy="876654"/>
         </p:xfrm>
         <a:graphic>
           <a:graphicData uri="http://schemas.openxmlformats.org/presentationml/2006/ole">
             <mc:AlternateContent xmlns:mc="http://schemas.openxmlformats.org/markup-compatibility/2006">
               <mc:Choice xmlns:v="urn:schemas-microsoft-com:vml" Requires="v">
-                <p:oleObj spid="_x0000_s3087" name="Formel" r:id="rId3" imgW="1384300" imgH="431800" progId="Equation.3">
+                <p:oleObj name="Formel" r:id="rId2" imgW="1384300" imgH="431800" progId="Equation.3">
                   <p:embed/>
                 </p:oleObj>
               </mc:Choice>
               <mc:Fallback>
-                <p:oleObj name="Formel" r:id="rId3" imgW="1384300" imgH="431800" progId="Equation.3">
+                <p:oleObj name="Formel" r:id="rId2" imgW="1384300" imgH="431800" progId="Equation.3">
                   <p:embed/>
                   <p:pic>
                     <p:nvPicPr>
@@ -38894,7 +38885,7 @@
                       <p:nvPr/>
                     </p:nvPicPr>
                     <p:blipFill>
-                      <a:blip r:embed="rId4">
+                      <a:blip r:embed="rId3">
                         <a:extLst>
                           <a:ext uri="{28A0092B-C50C-407E-A947-70E740481C1C}">
                             <a14:useLocalDpi xmlns:a14="http://schemas.microsoft.com/office/drawing/2010/main" val="0"/>
@@ -38908,7 +38899,7 @@
                     </p:blipFill>
                     <p:spPr bwMode="auto">
                       <a:xfrm>
-                        <a:off x="611560" y="4378379"/>
+                        <a:off x="2135561" y="4378379"/>
                         <a:ext cx="2822623" cy="876654"/>
                       </a:xfrm>
                       <a:prstGeom prst="rect">
@@ -38917,7 +38908,7 @@
                       <a:noFill/>
                       <a:extLst>
                         <a:ext uri="{909E8E84-426E-40dd-AFC4-6F175D3DCCD1}">
-                          <a14:hiddenFill xmlns:a14="http://schemas.microsoft.com/office/drawing/2010/main" xmlns="">
+                          <a14:hiddenFill xmlns="" xmlns:a14="http://schemas.microsoft.com/office/drawing/2010/main">
                             <a:solidFill>
                               <a:srgbClr val="FFFFFF"/>
                             </a:solidFill>
@@ -38941,19 +38932,19 @@
           <p:nvPr/>
         </p:nvGraphicFramePr>
         <p:xfrm>
-          <a:off x="4756981" y="4380507"/>
+          <a:off x="6280982" y="4380508"/>
           <a:ext cx="1680221" cy="932569"/>
         </p:xfrm>
         <a:graphic>
           <a:graphicData uri="http://schemas.openxmlformats.org/presentationml/2006/ole">
             <mc:AlternateContent xmlns:mc="http://schemas.openxmlformats.org/markup-compatibility/2006">
               <mc:Choice xmlns:v="urn:schemas-microsoft-com:vml" Requires="v">
-                <p:oleObj spid="_x0000_s3088" name="Formel" r:id="rId5" imgW="799753" imgH="444307" progId="Equation.3">
+                <p:oleObj name="Formel" r:id="rId4" imgW="799753" imgH="444307" progId="Equation.3">
                   <p:embed/>
                 </p:oleObj>
               </mc:Choice>
               <mc:Fallback>
-                <p:oleObj name="Formel" r:id="rId5" imgW="799753" imgH="444307" progId="Equation.3">
+                <p:oleObj name="Formel" r:id="rId4" imgW="799753" imgH="444307" progId="Equation.3">
                   <p:embed/>
                   <p:pic>
                     <p:nvPicPr>
@@ -38964,7 +38955,7 @@
                       <p:nvPr/>
                     </p:nvPicPr>
                     <p:blipFill>
-                      <a:blip r:embed="rId6">
+                      <a:blip r:embed="rId5">
                         <a:extLst>
                           <a:ext uri="{28A0092B-C50C-407E-A947-70E740481C1C}">
                             <a14:useLocalDpi xmlns:a14="http://schemas.microsoft.com/office/drawing/2010/main" val="0"/>
@@ -38978,7 +38969,7 @@
                     </p:blipFill>
                     <p:spPr bwMode="auto">
                       <a:xfrm>
-                        <a:off x="4756981" y="4380507"/>
+                        <a:off x="6280982" y="4380508"/>
                         <a:ext cx="1680221" cy="932569"/>
                       </a:xfrm>
                       <a:prstGeom prst="rect">
@@ -38987,7 +38978,7 @@
                       <a:noFill/>
                       <a:extLst>
                         <a:ext uri="{909E8E84-426E-40dd-AFC4-6F175D3DCCD1}">
-                          <a14:hiddenFill xmlns:a14="http://schemas.microsoft.com/office/drawing/2010/main" xmlns="">
+                          <a14:hiddenFill xmlns="" xmlns:a14="http://schemas.microsoft.com/office/drawing/2010/main">
                             <a:solidFill>
                               <a:srgbClr val="FFFFFF"/>
                             </a:solidFill>
@@ -39204,7 +39195,7 @@
           <a:p>
             <a:r>
               <a:rPr lang="en-US" dirty="0"/>
-              <a:t>Next week</a:t>
+              <a:t>How to use variables in R…</a:t>
             </a:r>
             <a:endParaRPr lang="nl-NL" dirty="0"/>
           </a:p>
@@ -39229,28 +39220,283 @@
           <a:p>
             <a:r>
               <a:rPr lang="en-US" dirty="0"/>
+              <a:t>‘survey’ library</a:t>
+            </a:r>
+          </a:p>
+          <a:p>
+            <a:r>
+              <a:rPr lang="en-US" dirty="0"/>
+              <a:t>Imagine: auxiliary data for sex, age </a:t>
+            </a:r>
+          </a:p>
+          <a:p>
+            <a:pPr lvl="1"/>
+            <a:r>
+              <a:rPr lang="en-US" dirty="0" err="1">
+                <a:solidFill>
+                  <a:srgbClr val="FF0000"/>
+                </a:solidFill>
+              </a:rPr>
+              <a:t>PostStratify</a:t>
+            </a:r>
+            <a:r>
+              <a:rPr lang="en-US" dirty="0"/>
+              <a:t>(design=</a:t>
+            </a:r>
+            <a:r>
+              <a:rPr lang="nl-NL" dirty="0"/>
+              <a:t> </a:t>
+            </a:r>
+            <a:r>
+              <a:rPr lang="nl-NL" dirty="0" err="1"/>
+              <a:t>svy.unweighted</a:t>
+            </a:r>
+            <a:r>
+              <a:rPr lang="nl-NL" dirty="0"/>
+              <a:t>, </a:t>
+            </a:r>
+            <a:r>
+              <a:rPr lang="nl-NL" dirty="0" err="1"/>
+              <a:t>strata</a:t>
+            </a:r>
+            <a:r>
+              <a:rPr lang="nl-NL" dirty="0"/>
+              <a:t> = </a:t>
+            </a:r>
+            <a:r>
+              <a:rPr lang="nl-NL" dirty="0" err="1"/>
+              <a:t>agegender</a:t>
+            </a:r>
+            <a:r>
+              <a:rPr lang="nl-NL" dirty="0"/>
+              <a:t>, </a:t>
+            </a:r>
+            <a:r>
+              <a:rPr lang="nl-NL" dirty="0" err="1"/>
+              <a:t>population</a:t>
+            </a:r>
+            <a:r>
+              <a:rPr lang="nl-NL" dirty="0"/>
+              <a:t>=</a:t>
+            </a:r>
+            <a:r>
+              <a:rPr lang="nl-NL" dirty="0" err="1"/>
+              <a:t>agegender.dist</a:t>
+            </a:r>
+            <a:endParaRPr lang="nl-NL" dirty="0"/>
+          </a:p>
+          <a:p>
+            <a:pPr lvl="1"/>
+            <a:r>
+              <a:rPr lang="nl-NL" dirty="0">
+                <a:solidFill>
+                  <a:srgbClr val="FF0000"/>
+                </a:solidFill>
+              </a:rPr>
+              <a:t>rake</a:t>
+            </a:r>
+            <a:r>
+              <a:rPr lang="nl-NL" dirty="0"/>
+              <a:t>(design = </a:t>
+            </a:r>
+            <a:r>
+              <a:rPr lang="nl-NL" dirty="0" err="1"/>
+              <a:t>svy.unweighted</a:t>
+            </a:r>
+            <a:r>
+              <a:rPr lang="nl-NL" dirty="0"/>
+              <a:t>,</a:t>
+            </a:r>
+            <a:br>
+              <a:rPr lang="nl-NL" dirty="0"/>
+            </a:br>
+            <a:r>
+              <a:rPr lang="nl-NL" dirty="0" err="1"/>
+              <a:t>sample.margins</a:t>
+            </a:r>
+            <a:r>
+              <a:rPr lang="nl-NL" dirty="0"/>
+              <a:t> = list(~</a:t>
+            </a:r>
+            <a:r>
+              <a:rPr lang="nl-NL" dirty="0" err="1"/>
+              <a:t>sex</a:t>
+            </a:r>
+            <a:r>
+              <a:rPr lang="nl-NL" dirty="0"/>
+              <a:t>, ~</a:t>
+            </a:r>
+            <a:r>
+              <a:rPr lang="nl-NL" dirty="0" err="1"/>
+              <a:t>age</a:t>
+            </a:r>
+            <a:r>
+              <a:rPr lang="nl-NL" dirty="0"/>
+              <a:t>),</a:t>
+            </a:r>
+            <a:br>
+              <a:rPr lang="nl-NL" dirty="0"/>
+            </a:br>
+            <a:r>
+              <a:rPr lang="nl-NL" dirty="0" err="1"/>
+              <a:t>population.margins</a:t>
+            </a:r>
+            <a:r>
+              <a:rPr lang="nl-NL" dirty="0"/>
+              <a:t> = list(</a:t>
+            </a:r>
+            <a:r>
+              <a:rPr lang="nl-NL" dirty="0" err="1"/>
+              <a:t>sex.dist</a:t>
+            </a:r>
+            <a:r>
+              <a:rPr lang="nl-NL" dirty="0"/>
+              <a:t>, </a:t>
+            </a:r>
+            <a:r>
+              <a:rPr lang="nl-NL" dirty="0" err="1"/>
+              <a:t>age.dist</a:t>
+            </a:r>
+            <a:r>
+              <a:rPr lang="nl-NL" dirty="0"/>
+              <a:t>))</a:t>
+            </a:r>
+          </a:p>
+          <a:p>
+            <a:pPr lvl="1"/>
+            <a:r>
+              <a:rPr lang="en-US" dirty="0">
+                <a:solidFill>
+                  <a:srgbClr val="FF0000"/>
+                </a:solidFill>
+              </a:rPr>
+              <a:t>Calibrate</a:t>
+            </a:r>
+            <a:r>
+              <a:rPr lang="en-US" dirty="0"/>
+              <a:t>(design=</a:t>
+            </a:r>
+            <a:r>
+              <a:rPr lang="en-US" dirty="0" err="1"/>
+              <a:t>svy.unweighted</a:t>
+            </a:r>
+            <a:r>
+              <a:rPr lang="en-US" dirty="0"/>
+              <a:t>, formula = ~</a:t>
+            </a:r>
+            <a:r>
+              <a:rPr lang="en-US" dirty="0" err="1"/>
+              <a:t>age+gender</a:t>
+            </a:r>
+            <a:r>
+              <a:rPr lang="en-US" dirty="0"/>
+              <a:t> , population=c(</a:t>
+            </a:r>
+            <a:r>
+              <a:rPr lang="en-US" dirty="0" err="1"/>
+              <a:t>sex.dist,age.dist</a:t>
+            </a:r>
+            <a:r>
+              <a:rPr lang="en-US" dirty="0"/>
+              <a:t>)</a:t>
+            </a:r>
+          </a:p>
+          <a:p>
+            <a:pPr lvl="1"/>
+            <a:endParaRPr lang="nl-NL" dirty="0"/>
+          </a:p>
+          <a:p>
+            <a:pPr lvl="1"/>
+            <a:endParaRPr lang="nl-NL" dirty="0"/>
+          </a:p>
+        </p:txBody>
+      </p:sp>
+    </p:spTree>
+    <p:extLst>
+      <p:ext uri="{BB962C8B-B14F-4D97-AF65-F5344CB8AC3E}">
+        <p14:creationId xmlns:p14="http://schemas.microsoft.com/office/powerpoint/2010/main" val="1368665472"/>
+      </p:ext>
+    </p:extLst>
+  </p:cSld>
+  <p:clrMapOvr>
+    <a:masterClrMapping/>
+  </p:clrMapOvr>
+</p:sld>
+</file>
+
+<file path=ppt/slides/slide51.xml><?xml version="1.0" encoding="utf-8"?>
+<p:sld xmlns:a="http://schemas.openxmlformats.org/drawingml/2006/main" xmlns:r="http://schemas.openxmlformats.org/officeDocument/2006/relationships" xmlns:p="http://schemas.openxmlformats.org/presentationml/2006/main">
+  <p:cSld>
+    <p:spTree>
+      <p:nvGrpSpPr>
+        <p:cNvPr id="1" name=""/>
+        <p:cNvGrpSpPr/>
+        <p:nvPr/>
+      </p:nvGrpSpPr>
+      <p:grpSpPr>
+        <a:xfrm>
+          <a:off x="0" y="0"/>
+          <a:ext cx="0" cy="0"/>
+          <a:chOff x="0" y="0"/>
+          <a:chExt cx="0" cy="0"/>
+        </a:xfrm>
+      </p:grpSpPr>
+      <p:sp>
+        <p:nvSpPr>
+          <p:cNvPr id="2" name="Title 1"/>
+          <p:cNvSpPr>
+            <a:spLocks noGrp="1"/>
+          </p:cNvSpPr>
+          <p:nvPr>
+            <p:ph type="title"/>
+          </p:nvPr>
+        </p:nvSpPr>
+        <p:spPr/>
+        <p:txBody>
+          <a:bodyPr/>
+          <a:lstStyle/>
+          <a:p>
+            <a:r>
+              <a:rPr lang="en-US" dirty="0"/>
+              <a:t>Next week</a:t>
+            </a:r>
+            <a:endParaRPr lang="nl-NL" dirty="0"/>
+          </a:p>
+        </p:txBody>
+      </p:sp>
+      <p:sp>
+        <p:nvSpPr>
+          <p:cNvPr id="3" name="Content Placeholder 2"/>
+          <p:cNvSpPr>
+            <a:spLocks noGrp="1"/>
+          </p:cNvSpPr>
+          <p:nvPr>
+            <p:ph idx="1"/>
+          </p:nvPr>
+        </p:nvSpPr>
+        <p:spPr/>
+        <p:txBody>
+          <a:bodyPr>
+            <a:normAutofit/>
+          </a:bodyPr>
+          <a:lstStyle/>
+          <a:p>
+            <a:r>
+              <a:rPr lang="en-US" dirty="0"/>
               <a:t>Finish exercise on creating weights</a:t>
             </a:r>
           </a:p>
           <a:p>
             <a:r>
               <a:rPr lang="en-US" dirty="0"/>
-              <a:t>Next </a:t>
-            </a:r>
-            <a:r>
-              <a:rPr lang="en-US"/>
-              <a:t>week:</a:t>
+              <a:t>Next week:</a:t>
             </a:r>
           </a:p>
           <a:p>
             <a:pPr lvl="1"/>
             <a:r>
-              <a:rPr lang="en-US"/>
-              <a:t>Designed </a:t>
-            </a:r>
-            <a:r>
               <a:rPr lang="en-US" dirty="0"/>
-              <a:t>big data</a:t>
+              <a:t>Designed big data</a:t>
             </a:r>
           </a:p>
         </p:txBody>
@@ -39268,7 +39514,7 @@
 </p:sld>
 </file>
 
-<file path=ppt/slides/slide51.xml><?xml version="1.0" encoding="utf-8"?>
+<file path=ppt/slides/slide52.xml><?xml version="1.0" encoding="utf-8"?>
 <p:sld xmlns:a="http://schemas.openxmlformats.org/drawingml/2006/main" xmlns:r="http://schemas.openxmlformats.org/officeDocument/2006/relationships" xmlns:p="http://schemas.openxmlformats.org/presentationml/2006/main">
   <p:cSld>
     <p:spTree>
@@ -39483,7 +39729,7 @@
         </p:nvSpPr>
         <p:spPr>
           <a:xfrm>
-            <a:off x="457200" y="274638"/>
+            <a:off x="1981200" y="274638"/>
             <a:ext cx="8229600" cy="850106"/>
           </a:xfrm>
         </p:spPr>
@@ -39510,7 +39756,7 @@
         </p:nvSpPr>
         <p:spPr bwMode="auto">
           <a:xfrm>
-            <a:off x="611560" y="1484784"/>
+            <a:off x="2135561" y="1484784"/>
             <a:ext cx="3887787" cy="2862322"/>
           </a:xfrm>
           <a:prstGeom prst="rect">
@@ -39523,14 +39769,14 @@
           <a:effectLst/>
           <a:extLst>
             <a:ext uri="{909E8E84-426E-40dd-AFC4-6F175D3DCCD1}">
-              <a14:hiddenFill xmlns:a14="http://schemas.microsoft.com/office/drawing/2010/main" xmlns="">
+              <a14:hiddenFill xmlns="" xmlns:a14="http://schemas.microsoft.com/office/drawing/2010/main">
                 <a:solidFill>
                   <a:schemeClr val="accent1"/>
                 </a:solidFill>
               </a14:hiddenFill>
             </a:ext>
             <a:ext uri="{91240B29-F687-4f45-9708-019B960494DF}">
-              <a14:hiddenLine xmlns:a14="http://schemas.microsoft.com/office/drawing/2010/main" xmlns="" w="9525">
+              <a14:hiddenLine xmlns="" xmlns:a14="http://schemas.microsoft.com/office/drawing/2010/main" w="9525">
                 <a:solidFill>
                   <a:schemeClr val="tx1"/>
                 </a:solidFill>
@@ -39540,7 +39786,7 @@
               </a14:hiddenLine>
             </a:ext>
             <a:ext uri="{AF507438-7753-43e0-B8FC-AC1667EBCBE1}">
-              <a14:hiddenEffects xmlns:a14="http://schemas.microsoft.com/office/drawing/2010/main" xmlns="">
+              <a14:hiddenEffects xmlns="" xmlns:a14="http://schemas.microsoft.com/office/drawing/2010/main">
                 <a:effectLst>
                   <a:outerShdw dist="35921" dir="2700000" algn="ctr" rotWithShape="0">
                     <a:schemeClr val="bg2"/>
@@ -39725,7 +39971,7 @@
             </a:lvl9pPr>
           </a:lstStyle>
           <a:p>
-            <a:pPr defTabSz="914400">
+            <a:pPr>
               <a:lnSpc>
                 <a:spcPct val="100000"/>
               </a:lnSpc>
@@ -39734,11 +39980,9 @@
               </a:spcBef>
               <a:buClrTx/>
               <a:buSzTx/>
-              <a:buFontTx/>
-              <a:buNone/>
             </a:pPr>
             <a:r>
-              <a:rPr lang="en-US" sz="2400" b="0" u="sng" dirty="0">
+              <a:rPr lang="en-US" sz="2400" u="sng" dirty="0">
                 <a:solidFill>
                   <a:schemeClr val="bg1">
                     <a:lumMod val="75000"/>
@@ -39749,7 +39993,7 @@
               </a:rPr>
               <a:t>Deterministic</a:t>
             </a:r>
-            <a:endParaRPr lang="en-GB" sz="2400" b="0" u="sng" dirty="0">
+            <a:endParaRPr lang="en-GB" sz="2400" u="sng" dirty="0">
               <a:solidFill>
                 <a:schemeClr val="bg1">
                   <a:lumMod val="75000"/>
@@ -39760,7 +40004,7 @@
             </a:endParaRPr>
           </a:p>
           <a:p>
-            <a:pPr defTabSz="914400">
+            <a:pPr>
               <a:lnSpc>
                 <a:spcPct val="100000"/>
               </a:lnSpc>
@@ -39769,11 +40013,9 @@
               </a:spcBef>
               <a:buClrTx/>
               <a:buSzTx/>
-              <a:buFontTx/>
-              <a:buNone/>
             </a:pPr>
             <a:r>
-              <a:rPr lang="en-US" sz="2400" b="0" dirty="0">
+              <a:rPr lang="en-US" sz="2400" dirty="0">
                 <a:solidFill>
                   <a:schemeClr val="bg1">
                     <a:lumMod val="75000"/>
@@ -39785,7 +40027,7 @@
               <a:t>It is a function of the nonresponse rate </a:t>
             </a:r>
             <a:r>
-              <a:rPr lang="en-US" sz="2400" b="0" i="1" dirty="0">
+              <a:rPr lang="en-US" sz="2400" i="1" dirty="0">
                 <a:solidFill>
                   <a:schemeClr val="bg1">
                     <a:lumMod val="75000"/>
@@ -39797,7 +40039,7 @@
               <a:t>M/N </a:t>
             </a:r>
             <a:r>
-              <a:rPr lang="en-US" sz="2400" b="0" dirty="0">
+              <a:rPr lang="en-US" sz="2400" dirty="0">
                 <a:solidFill>
                   <a:schemeClr val="bg1">
                     <a:lumMod val="75000"/>
@@ -39809,7 +40051,7 @@
               <a:t>and the difference between the respondents’ </a:t>
             </a:r>
             <a:r>
-              <a:rPr lang="en-US" sz="2400" b="0" i="1" dirty="0">
+              <a:rPr lang="en-US" sz="2400" i="1" dirty="0">
                 <a:solidFill>
                   <a:schemeClr val="bg1">
                     <a:lumMod val="75000"/>
@@ -39821,7 +40063,7 @@
               <a:t>r </a:t>
             </a:r>
             <a:r>
-              <a:rPr lang="en-US" sz="2400" b="0" dirty="0">
+              <a:rPr lang="en-US" sz="2400" dirty="0">
                 <a:solidFill>
                   <a:schemeClr val="bg1">
                     <a:lumMod val="75000"/>
@@ -39833,7 +40075,7 @@
               <a:t>and the nonrespondents’ </a:t>
             </a:r>
             <a:r>
-              <a:rPr lang="en-US" sz="2400" b="0" i="1" dirty="0">
+              <a:rPr lang="en-US" sz="2400" i="1" dirty="0">
                 <a:solidFill>
                   <a:schemeClr val="bg1">
                     <a:lumMod val="75000"/>
@@ -39845,7 +40087,7 @@
               <a:t>m </a:t>
             </a:r>
             <a:r>
-              <a:rPr lang="en-US" sz="2400" b="0" dirty="0">
+              <a:rPr lang="en-US" sz="2400" dirty="0">
                 <a:solidFill>
                   <a:schemeClr val="bg1">
                     <a:lumMod val="75000"/>
@@ -39856,7 +40098,7 @@
               </a:rPr>
               <a:t>population values.</a:t>
             </a:r>
-            <a:endParaRPr lang="de-DE" sz="2400" b="0" dirty="0">
+            <a:endParaRPr lang="de-DE" sz="2400" dirty="0">
               <a:solidFill>
                 <a:schemeClr val="bg1">
                   <a:lumMod val="75000"/>
@@ -39878,7 +40120,7 @@
         </p:nvSpPr>
         <p:spPr bwMode="auto">
           <a:xfrm>
-            <a:off x="4734398" y="1484784"/>
+            <a:off x="6258399" y="1484784"/>
             <a:ext cx="4409601" cy="2754600"/>
           </a:xfrm>
           <a:prstGeom prst="rect">
@@ -39891,14 +40133,14 @@
           <a:effectLst/>
           <a:extLst>
             <a:ext uri="{909E8E84-426E-40dd-AFC4-6F175D3DCCD1}">
-              <a14:hiddenFill xmlns:a14="http://schemas.microsoft.com/office/drawing/2010/main" xmlns="">
+              <a14:hiddenFill xmlns="" xmlns:a14="http://schemas.microsoft.com/office/drawing/2010/main">
                 <a:solidFill>
                   <a:schemeClr val="accent1"/>
                 </a:solidFill>
               </a14:hiddenFill>
             </a:ext>
             <a:ext uri="{91240B29-F687-4f45-9708-019B960494DF}">
-              <a14:hiddenLine xmlns:a14="http://schemas.microsoft.com/office/drawing/2010/main" xmlns="" w="9525">
+              <a14:hiddenLine xmlns="" xmlns:a14="http://schemas.microsoft.com/office/drawing/2010/main" w="9525">
                 <a:solidFill>
                   <a:schemeClr val="tx1"/>
                 </a:solidFill>
@@ -39908,7 +40150,7 @@
               </a14:hiddenLine>
             </a:ext>
             <a:ext uri="{AF507438-7753-43e0-B8FC-AC1667EBCBE1}">
-              <a14:hiddenEffects xmlns:a14="http://schemas.microsoft.com/office/drawing/2010/main" xmlns="">
+              <a14:hiddenEffects xmlns="" xmlns:a14="http://schemas.microsoft.com/office/drawing/2010/main">
                 <a:effectLst>
                   <a:outerShdw dist="35921" dir="2700000" algn="ctr" rotWithShape="0">
                     <a:schemeClr val="bg2"/>
@@ -39972,19 +40214,19 @@
           <p:nvPr/>
         </p:nvGraphicFramePr>
         <p:xfrm>
-          <a:off x="611560" y="4378379"/>
+          <a:off x="2135561" y="4378379"/>
           <a:ext cx="2822623" cy="876654"/>
         </p:xfrm>
         <a:graphic>
           <a:graphicData uri="http://schemas.openxmlformats.org/presentationml/2006/ole">
             <mc:AlternateContent xmlns:mc="http://schemas.openxmlformats.org/markup-compatibility/2006">
               <mc:Choice xmlns:v="urn:schemas-microsoft-com:vml" Requires="v">
-                <p:oleObj spid="_x0000_s4111" name="Formel" r:id="rId3" imgW="1384300" imgH="431800" progId="Equation.3">
+                <p:oleObj name="Formel" r:id="rId2" imgW="1384300" imgH="431800" progId="Equation.3">
                   <p:embed/>
                 </p:oleObj>
               </mc:Choice>
               <mc:Fallback>
-                <p:oleObj name="Formel" r:id="rId3" imgW="1384300" imgH="431800" progId="Equation.3">
+                <p:oleObj name="Formel" r:id="rId2" imgW="1384300" imgH="431800" progId="Equation.3">
                   <p:embed/>
                   <p:pic>
                     <p:nvPicPr>
@@ -39995,7 +40237,7 @@
                       <p:nvPr/>
                     </p:nvPicPr>
                     <p:blipFill>
-                      <a:blip r:embed="rId4">
+                      <a:blip r:embed="rId3">
                         <a:extLst>
                           <a:ext uri="{28A0092B-C50C-407E-A947-70E740481C1C}">
                             <a14:useLocalDpi xmlns:a14="http://schemas.microsoft.com/office/drawing/2010/main" val="0"/>
@@ -40009,7 +40251,7 @@
                     </p:blipFill>
                     <p:spPr bwMode="auto">
                       <a:xfrm>
-                        <a:off x="611560" y="4378379"/>
+                        <a:off x="2135561" y="4378379"/>
                         <a:ext cx="2822623" cy="876654"/>
                       </a:xfrm>
                       <a:prstGeom prst="rect">
@@ -40018,7 +40260,7 @@
                       <a:noFill/>
                       <a:extLst>
                         <a:ext uri="{909E8E84-426E-40dd-AFC4-6F175D3DCCD1}">
-                          <a14:hiddenFill xmlns:a14="http://schemas.microsoft.com/office/drawing/2010/main" xmlns="">
+                          <a14:hiddenFill xmlns="" xmlns:a14="http://schemas.microsoft.com/office/drawing/2010/main">
                             <a:solidFill>
                               <a:srgbClr val="FFFFFF"/>
                             </a:solidFill>
@@ -40042,19 +40284,19 @@
           <p:nvPr/>
         </p:nvGraphicFramePr>
         <p:xfrm>
-          <a:off x="4756981" y="4380507"/>
+          <a:off x="6280982" y="4380508"/>
           <a:ext cx="1680221" cy="932569"/>
         </p:xfrm>
         <a:graphic>
           <a:graphicData uri="http://schemas.openxmlformats.org/presentationml/2006/ole">
             <mc:AlternateContent xmlns:mc="http://schemas.openxmlformats.org/markup-compatibility/2006">
               <mc:Choice xmlns:v="urn:schemas-microsoft-com:vml" Requires="v">
-                <p:oleObj spid="_x0000_s4112" name="Formel" r:id="rId5" imgW="799753" imgH="444307" progId="Equation.3">
+                <p:oleObj name="Formel" r:id="rId4" imgW="799753" imgH="444307" progId="Equation.3">
                   <p:embed/>
                 </p:oleObj>
               </mc:Choice>
               <mc:Fallback>
-                <p:oleObj name="Formel" r:id="rId5" imgW="799753" imgH="444307" progId="Equation.3">
+                <p:oleObj name="Formel" r:id="rId4" imgW="799753" imgH="444307" progId="Equation.3">
                   <p:embed/>
                   <p:pic>
                     <p:nvPicPr>
@@ -40065,7 +40307,7 @@
                       <p:nvPr/>
                     </p:nvPicPr>
                     <p:blipFill>
-                      <a:blip r:embed="rId6">
+                      <a:blip r:embed="rId5">
                         <a:extLst>
                           <a:ext uri="{28A0092B-C50C-407E-A947-70E740481C1C}">
                             <a14:useLocalDpi xmlns:a14="http://schemas.microsoft.com/office/drawing/2010/main" val="0"/>
@@ -40079,7 +40321,7 @@
                     </p:blipFill>
                     <p:spPr bwMode="auto">
                       <a:xfrm>
-                        <a:off x="4756981" y="4380507"/>
+                        <a:off x="6280982" y="4380508"/>
                         <a:ext cx="1680221" cy="932569"/>
                       </a:xfrm>
                       <a:prstGeom prst="rect">
@@ -40088,7 +40330,7 @@
                       <a:noFill/>
                       <a:extLst>
                         <a:ext uri="{909E8E84-426E-40dd-AFC4-6F175D3DCCD1}">
-                          <a14:hiddenFill xmlns:a14="http://schemas.microsoft.com/office/drawing/2010/main" xmlns="">
+                          <a14:hiddenFill xmlns="" xmlns:a14="http://schemas.microsoft.com/office/drawing/2010/main">
                             <a:solidFill>
                               <a:srgbClr val="FFFFFF"/>
                             </a:solidFill>
@@ -40250,7 +40492,7 @@
         </p:nvSpPr>
         <p:spPr>
           <a:xfrm>
-            <a:off x="457200" y="274638"/>
+            <a:off x="1981200" y="274638"/>
             <a:ext cx="8229600" cy="850106"/>
           </a:xfrm>
         </p:spPr>
@@ -40278,7 +40520,7 @@
         </p:nvSpPr>
         <p:spPr>
           <a:xfrm>
-            <a:off x="457200" y="1484784"/>
+            <a:off x="1981200" y="1484784"/>
             <a:ext cx="8435280" cy="4104456"/>
           </a:xfrm>
         </p:spPr>
@@ -40485,7 +40727,7 @@
         </p:blipFill>
         <p:spPr bwMode="auto">
           <a:xfrm>
-            <a:off x="4433325" y="3289140"/>
+            <a:off x="5957326" y="3289141"/>
             <a:ext cx="4710675" cy="3409761"/>
           </a:xfrm>
           <a:prstGeom prst="rect">
@@ -40498,14 +40740,14 @@
           <a:effectLst/>
           <a:extLst>
             <a:ext uri="{909E8E84-426E-40dd-AFC4-6F175D3DCCD1}">
-              <a14:hiddenFill xmlns:a14="http://schemas.microsoft.com/office/drawing/2010/main" xmlns="">
+              <a14:hiddenFill xmlns="" xmlns:a14="http://schemas.microsoft.com/office/drawing/2010/main">
                 <a:solidFill>
                   <a:schemeClr val="accent1"/>
                 </a:solidFill>
               </a14:hiddenFill>
             </a:ext>
             <a:ext uri="{91240B29-F687-4f45-9708-019B960494DF}">
-              <a14:hiddenLine xmlns:a14="http://schemas.microsoft.com/office/drawing/2010/main" xmlns="" w="9525">
+              <a14:hiddenLine xmlns="" xmlns:a14="http://schemas.microsoft.com/office/drawing/2010/main" w="9525">
                 <a:solidFill>
                   <a:schemeClr val="tx1"/>
                 </a:solidFill>
@@ -40515,7 +40757,7 @@
               </a14:hiddenLine>
             </a:ext>
             <a:ext uri="{AF507438-7753-43e0-B8FC-AC1667EBCBE1}">
-              <a14:hiddenEffects xmlns:a14="http://schemas.microsoft.com/office/drawing/2010/main" xmlns="">
+              <a14:hiddenEffects xmlns="" xmlns:a14="http://schemas.microsoft.com/office/drawing/2010/main">
                 <a:effectLst>
                   <a:outerShdw dist="35921" dir="2700000" algn="ctr" rotWithShape="0">
                     <a:schemeClr val="bg2"/>
@@ -40538,7 +40780,7 @@
         </p:nvSpPr>
         <p:spPr>
           <a:xfrm>
-            <a:off x="457200" y="274638"/>
+            <a:off x="1981200" y="274638"/>
             <a:ext cx="8229600" cy="850106"/>
           </a:xfrm>
         </p:spPr>
@@ -40565,7 +40807,7 @@
         </p:nvSpPr>
         <p:spPr>
           <a:xfrm>
-            <a:off x="457200" y="1484784"/>
+            <a:off x="1981200" y="1484784"/>
             <a:ext cx="8229600" cy="4968552"/>
           </a:xfrm>
         </p:spPr>
@@ -40645,7 +40887,7 @@
         </p:nvSpPr>
         <p:spPr>
           <a:xfrm>
-            <a:off x="8129398" y="3573016"/>
+            <a:off x="9653398" y="3573017"/>
             <a:ext cx="1080120" cy="649965"/>
           </a:xfrm>
           <a:prstGeom prst="ellipse">
@@ -40691,7 +40933,7 @@
         </p:nvSpPr>
         <p:spPr>
           <a:xfrm>
-            <a:off x="8129398" y="4918448"/>
+            <a:off x="9653398" y="4918449"/>
             <a:ext cx="1080120" cy="649965"/>
           </a:xfrm>
           <a:prstGeom prst="ellipse">
@@ -40797,7 +41039,7 @@
         </p:nvSpPr>
         <p:spPr>
           <a:xfrm>
-            <a:off x="424380" y="1043211"/>
+            <a:off x="1948380" y="1043211"/>
             <a:ext cx="4040188" cy="685800"/>
           </a:xfrm>
         </p:spPr>
@@ -40831,7 +41073,7 @@
         </p:nvSpPr>
         <p:spPr>
           <a:xfrm>
-            <a:off x="4615380" y="1052736"/>
+            <a:off x="6139381" y="1052736"/>
             <a:ext cx="4041775" cy="685800"/>
           </a:xfrm>
         </p:spPr>
@@ -40865,7 +41107,7 @@
         </p:nvSpPr>
         <p:spPr>
           <a:xfrm>
-            <a:off x="424380" y="1890936"/>
+            <a:off x="1948380" y="1890936"/>
             <a:ext cx="4038600" cy="4038600"/>
           </a:xfrm>
         </p:spPr>
@@ -40893,7 +41135,7 @@
           </p:nvPr>
         </p:nvGraphicFramePr>
         <p:xfrm>
-          <a:off x="506732" y="1962200"/>
+          <a:off x="2030732" y="1962200"/>
           <a:ext cx="3615894" cy="3173716"/>
         </p:xfrm>
         <a:graphic>
@@ -41860,7 +42102,7 @@
           <p:nvPr/>
         </p:nvGraphicFramePr>
         <p:xfrm>
-          <a:off x="4683196" y="2034209"/>
+          <a:off x="6207197" y="2034209"/>
           <a:ext cx="4066005" cy="3024336"/>
         </p:xfrm>
         <a:graphic>
@@ -42826,7 +43068,7 @@
         </p:nvSpPr>
         <p:spPr>
           <a:xfrm>
-            <a:off x="2306932" y="3258344"/>
+            <a:off x="3830932" y="3258344"/>
             <a:ext cx="4536504" cy="864096"/>
           </a:xfrm>
           <a:prstGeom prst="curvedUpArrow">
@@ -42875,7 +43117,7 @@
         </p:nvSpPr>
         <p:spPr>
           <a:xfrm>
-            <a:off x="493204" y="5373216"/>
+            <a:off x="2017204" y="5373216"/>
             <a:ext cx="8229600" cy="1008112"/>
           </a:xfrm>
           <a:prstGeom prst="rect">
@@ -43074,7 +43316,6 @@
               <a:spcBef>
                 <a:spcPts val="1800"/>
               </a:spcBef>
-              <a:buFont typeface="Wingdings 3"/>
               <a:buNone/>
             </a:pPr>
             <a:r>

--- a/static/files/SDA/week9/lecture_week_9.pptx
+++ b/static/files/SDA/week9/lecture_week_9.pptx
@@ -259,7 +259,7 @@
           <a:p>
             <a:fld id="{8FEAE804-2177-420F-80EC-8435C849749E}" type="datetimeFigureOut">
               <a:rPr lang="nl-NL" smtClean="0"/>
-              <a:t>16-10-2023</a:t>
+              <a:t>30-10-2023</a:t>
             </a:fld>
             <a:endParaRPr lang="nl-NL"/>
           </a:p>
@@ -1618,7 +1618,7 @@
           <a:p>
             <a:fld id="{7758815F-D99B-4B41-95A2-A0AEC8FACC43}" type="datetimeFigureOut">
               <a:rPr lang="nl-NL" smtClean="0"/>
-              <a:t>16-10-2023</a:t>
+              <a:t>30-10-2023</a:t>
             </a:fld>
             <a:endParaRPr lang="nl-NL"/>
           </a:p>
@@ -1788,7 +1788,7 @@
           <a:p>
             <a:fld id="{7758815F-D99B-4B41-95A2-A0AEC8FACC43}" type="datetimeFigureOut">
               <a:rPr lang="nl-NL" smtClean="0"/>
-              <a:t>16-10-2023</a:t>
+              <a:t>30-10-2023</a:t>
             </a:fld>
             <a:endParaRPr lang="nl-NL"/>
           </a:p>
@@ -1968,7 +1968,7 @@
           <a:p>
             <a:fld id="{7758815F-D99B-4B41-95A2-A0AEC8FACC43}" type="datetimeFigureOut">
               <a:rPr lang="nl-NL" smtClean="0"/>
-              <a:t>16-10-2023</a:t>
+              <a:t>30-10-2023</a:t>
             </a:fld>
             <a:endParaRPr lang="nl-NL"/>
           </a:p>
@@ -2138,7 +2138,7 @@
           <a:p>
             <a:fld id="{7758815F-D99B-4B41-95A2-A0AEC8FACC43}" type="datetimeFigureOut">
               <a:rPr lang="nl-NL" smtClean="0"/>
-              <a:t>16-10-2023</a:t>
+              <a:t>30-10-2023</a:t>
             </a:fld>
             <a:endParaRPr lang="nl-NL"/>
           </a:p>
@@ -2384,7 +2384,7 @@
           <a:p>
             <a:fld id="{7758815F-D99B-4B41-95A2-A0AEC8FACC43}" type="datetimeFigureOut">
               <a:rPr lang="nl-NL" smtClean="0"/>
-              <a:t>16-10-2023</a:t>
+              <a:t>30-10-2023</a:t>
             </a:fld>
             <a:endParaRPr lang="nl-NL"/>
           </a:p>
@@ -2672,7 +2672,7 @@
           <a:p>
             <a:fld id="{7758815F-D99B-4B41-95A2-A0AEC8FACC43}" type="datetimeFigureOut">
               <a:rPr lang="nl-NL" smtClean="0"/>
-              <a:t>16-10-2023</a:t>
+              <a:t>30-10-2023</a:t>
             </a:fld>
             <a:endParaRPr lang="nl-NL"/>
           </a:p>
@@ -3094,7 +3094,7 @@
           <a:p>
             <a:fld id="{7758815F-D99B-4B41-95A2-A0AEC8FACC43}" type="datetimeFigureOut">
               <a:rPr lang="nl-NL" smtClean="0"/>
-              <a:t>16-10-2023</a:t>
+              <a:t>30-10-2023</a:t>
             </a:fld>
             <a:endParaRPr lang="nl-NL"/>
           </a:p>
@@ -3212,7 +3212,7 @@
           <a:p>
             <a:fld id="{7758815F-D99B-4B41-95A2-A0AEC8FACC43}" type="datetimeFigureOut">
               <a:rPr lang="nl-NL" smtClean="0"/>
-              <a:t>16-10-2023</a:t>
+              <a:t>30-10-2023</a:t>
             </a:fld>
             <a:endParaRPr lang="nl-NL"/>
           </a:p>
@@ -3307,7 +3307,7 @@
           <a:p>
             <a:fld id="{7758815F-D99B-4B41-95A2-A0AEC8FACC43}" type="datetimeFigureOut">
               <a:rPr lang="nl-NL" smtClean="0"/>
-              <a:t>16-10-2023</a:t>
+              <a:t>30-10-2023</a:t>
             </a:fld>
             <a:endParaRPr lang="nl-NL"/>
           </a:p>
@@ -3584,7 +3584,7 @@
           <a:p>
             <a:fld id="{7758815F-D99B-4B41-95A2-A0AEC8FACC43}" type="datetimeFigureOut">
               <a:rPr lang="nl-NL" smtClean="0"/>
-              <a:t>16-10-2023</a:t>
+              <a:t>30-10-2023</a:t>
             </a:fld>
             <a:endParaRPr lang="nl-NL"/>
           </a:p>
@@ -3837,7 +3837,7 @@
           <a:p>
             <a:fld id="{7758815F-D99B-4B41-95A2-A0AEC8FACC43}" type="datetimeFigureOut">
               <a:rPr lang="nl-NL" smtClean="0"/>
-              <a:t>16-10-2023</a:t>
+              <a:t>30-10-2023</a:t>
             </a:fld>
             <a:endParaRPr lang="nl-NL"/>
           </a:p>
@@ -4050,7 +4050,7 @@
           <a:p>
             <a:fld id="{7758815F-D99B-4B41-95A2-A0AEC8FACC43}" type="datetimeFigureOut">
               <a:rPr lang="nl-NL" smtClean="0"/>
-              <a:t>16-10-2023</a:t>
+              <a:t>30-10-2023</a:t>
             </a:fld>
             <a:endParaRPr lang="nl-NL"/>
           </a:p>
@@ -19762,14 +19762,14 @@
           </a:ln>
           <a:extLst>
             <a:ext uri="{909E8E84-426E-40dd-AFC4-6F175D3DCCD1}">
-              <a14:hiddenFill xmlns="" xmlns:a14="http://schemas.microsoft.com/office/drawing/2010/main">
+              <a14:hiddenFill xmlns:a14="http://schemas.microsoft.com/office/drawing/2010/main" xmlns="">
                 <a:solidFill>
                   <a:schemeClr val="accent1"/>
                 </a:solidFill>
               </a14:hiddenFill>
             </a:ext>
             <a:ext uri="{91240B29-F687-4f45-9708-019B960494DF}">
-              <a14:hiddenLine xmlns="" xmlns:a14="http://schemas.microsoft.com/office/drawing/2010/main" w="9525">
+              <a14:hiddenLine xmlns:a14="http://schemas.microsoft.com/office/drawing/2010/main" xmlns="" w="9525">
                 <a:solidFill>
                   <a:schemeClr val="tx1"/>
                 </a:solidFill>
@@ -19816,14 +19816,14 @@
           </a:ln>
           <a:extLst>
             <a:ext uri="{909E8E84-426E-40dd-AFC4-6F175D3DCCD1}">
-              <a14:hiddenFill xmlns="" xmlns:a14="http://schemas.microsoft.com/office/drawing/2010/main">
+              <a14:hiddenFill xmlns:a14="http://schemas.microsoft.com/office/drawing/2010/main" xmlns="">
                 <a:solidFill>
                   <a:schemeClr val="accent1"/>
                 </a:solidFill>
               </a14:hiddenFill>
             </a:ext>
             <a:ext uri="{91240B29-F687-4f45-9708-019B960494DF}">
-              <a14:hiddenLine xmlns="" xmlns:a14="http://schemas.microsoft.com/office/drawing/2010/main" w="9525">
+              <a14:hiddenLine xmlns:a14="http://schemas.microsoft.com/office/drawing/2010/main" xmlns="" w="9525">
                 <a:solidFill>
                   <a:schemeClr val="tx1"/>
                 </a:solidFill>
@@ -26289,14 +26289,14 @@
           <a:effectLst/>
           <a:extLst>
             <a:ext uri="{909E8E84-426E-40dd-AFC4-6F175D3DCCD1}">
-              <a14:hiddenFill xmlns="" xmlns:a14="http://schemas.microsoft.com/office/drawing/2010/main">
+              <a14:hiddenFill xmlns:a14="http://schemas.microsoft.com/office/drawing/2010/main" xmlns="">
                 <a:solidFill>
                   <a:schemeClr val="accent1"/>
                 </a:solidFill>
               </a14:hiddenFill>
             </a:ext>
             <a:ext uri="{91240B29-F687-4f45-9708-019B960494DF}">
-              <a14:hiddenLine xmlns="" xmlns:a14="http://schemas.microsoft.com/office/drawing/2010/main" w="9525">
+              <a14:hiddenLine xmlns:a14="http://schemas.microsoft.com/office/drawing/2010/main" xmlns="" w="9525">
                 <a:solidFill>
                   <a:schemeClr val="tx1"/>
                 </a:solidFill>
@@ -26306,7 +26306,7 @@
               </a14:hiddenLine>
             </a:ext>
             <a:ext uri="{AF507438-7753-43e0-B8FC-AC1667EBCBE1}">
-              <a14:hiddenEffects xmlns="" xmlns:a14="http://schemas.microsoft.com/office/drawing/2010/main">
+              <a14:hiddenEffects xmlns:a14="http://schemas.microsoft.com/office/drawing/2010/main" xmlns="">
                 <a:effectLst>
                   <a:outerShdw dist="35921" dir="2700000" algn="ctr" rotWithShape="0">
                     <a:schemeClr val="bg2"/>
@@ -26582,14 +26582,14 @@
           <a:effectLst/>
           <a:extLst>
             <a:ext uri="{909E8E84-426E-40dd-AFC4-6F175D3DCCD1}">
-              <a14:hiddenFill xmlns="" xmlns:a14="http://schemas.microsoft.com/office/drawing/2010/main">
+              <a14:hiddenFill xmlns:a14="http://schemas.microsoft.com/office/drawing/2010/main" xmlns="">
                 <a:solidFill>
                   <a:schemeClr val="accent1"/>
                 </a:solidFill>
               </a14:hiddenFill>
             </a:ext>
             <a:ext uri="{91240B29-F687-4f45-9708-019B960494DF}">
-              <a14:hiddenLine xmlns="" xmlns:a14="http://schemas.microsoft.com/office/drawing/2010/main" w="9525">
+              <a14:hiddenLine xmlns:a14="http://schemas.microsoft.com/office/drawing/2010/main" xmlns="" w="9525">
                 <a:solidFill>
                   <a:schemeClr val="tx1"/>
                 </a:solidFill>
@@ -26599,7 +26599,7 @@
               </a14:hiddenLine>
             </a:ext>
             <a:ext uri="{AF507438-7753-43e0-B8FC-AC1667EBCBE1}">
-              <a14:hiddenEffects xmlns="" xmlns:a14="http://schemas.microsoft.com/office/drawing/2010/main">
+              <a14:hiddenEffects xmlns:a14="http://schemas.microsoft.com/office/drawing/2010/main" xmlns="">
                 <a:effectLst>
                   <a:outerShdw dist="35921" dir="2700000" algn="ctr" rotWithShape="0">
                     <a:schemeClr val="bg2"/>
@@ -26862,8 +26862,8 @@
           </a:p>
         </p:txBody>
       </p:sp>
-      <mc:AlternateContent xmlns:mc="http://schemas.openxmlformats.org/markup-compatibility/2006">
-        <mc:Choice xmlns:a14="http://schemas.microsoft.com/office/drawing/2010/main" Requires="a14">
+      <mc:AlternateContent xmlns:mc="http://schemas.openxmlformats.org/markup-compatibility/2006" xmlns:a14="http://schemas.microsoft.com/office/drawing/2010/main">
+        <mc:Choice Requires="a14">
           <p:sp>
             <p:nvSpPr>
               <p:cNvPr id="3" name="Content Placeholder 2"/>
@@ -27494,7 +27494,7 @@
             </p:txBody>
           </p:sp>
         </mc:Choice>
-        <mc:Fallback>
+        <mc:Fallback xmlns="">
           <p:sp>
             <p:nvSpPr>
               <p:cNvPr id="3" name="Content Placeholder 2"/>
@@ -27694,14 +27694,14 @@
               </a:ln>
               <a:extLst>
                 <a:ext uri="{909E8E84-426E-40dd-AFC4-6F175D3DCCD1}">
-                  <a14:hiddenFill xmlns="" xmlns:a14="http://schemas.microsoft.com/office/drawing/2010/main">
+                  <a14:hiddenFill xmlns:a14="http://schemas.microsoft.com/office/drawing/2010/main" xmlns="">
                     <a:solidFill>
                       <a:srgbClr val="FFFFFF"/>
                     </a:solidFill>
                   </a14:hiddenFill>
                 </a:ext>
                 <a:ext uri="{91240B29-F687-4f45-9708-019B960494DF}">
-                  <a14:hiddenLine xmlns="" xmlns:a14="http://schemas.microsoft.com/office/drawing/2010/main" w="12700">
+                  <a14:hiddenLine xmlns:a14="http://schemas.microsoft.com/office/drawing/2010/main" xmlns="" w="12700">
                     <a:solidFill>
                       <a:srgbClr val="000000"/>
                     </a:solidFill>
@@ -27858,14 +27858,14 @@
               </a:ln>
               <a:extLst>
                 <a:ext uri="{909E8E84-426E-40dd-AFC4-6F175D3DCCD1}">
-                  <a14:hiddenFill xmlns="" xmlns:a14="http://schemas.microsoft.com/office/drawing/2010/main">
+                  <a14:hiddenFill xmlns:a14="http://schemas.microsoft.com/office/drawing/2010/main" xmlns="">
                     <a:solidFill>
                       <a:srgbClr val="FFFFFF"/>
                     </a:solidFill>
                   </a14:hiddenFill>
                 </a:ext>
                 <a:ext uri="{91240B29-F687-4f45-9708-019B960494DF}">
-                  <a14:hiddenLine xmlns="" xmlns:a14="http://schemas.microsoft.com/office/drawing/2010/main" w="12700">
+                  <a14:hiddenLine xmlns:a14="http://schemas.microsoft.com/office/drawing/2010/main" xmlns="" w="12700">
                     <a:solidFill>
                       <a:srgbClr val="000000"/>
                     </a:solidFill>
@@ -28022,14 +28022,14 @@
               </a:ln>
               <a:extLst>
                 <a:ext uri="{909E8E84-426E-40dd-AFC4-6F175D3DCCD1}">
-                  <a14:hiddenFill xmlns="" xmlns:a14="http://schemas.microsoft.com/office/drawing/2010/main">
+                  <a14:hiddenFill xmlns:a14="http://schemas.microsoft.com/office/drawing/2010/main" xmlns="">
                     <a:solidFill>
                       <a:srgbClr val="FFFFFF"/>
                     </a:solidFill>
                   </a14:hiddenFill>
                 </a:ext>
                 <a:ext uri="{91240B29-F687-4f45-9708-019B960494DF}">
-                  <a14:hiddenLine xmlns="" xmlns:a14="http://schemas.microsoft.com/office/drawing/2010/main" w="12700">
+                  <a14:hiddenLine xmlns:a14="http://schemas.microsoft.com/office/drawing/2010/main" xmlns="" w="12700">
                     <a:solidFill>
                       <a:srgbClr val="000000"/>
                     </a:solidFill>
@@ -28186,14 +28186,14 @@
               </a:ln>
               <a:extLst>
                 <a:ext uri="{909E8E84-426E-40dd-AFC4-6F175D3DCCD1}">
-                  <a14:hiddenFill xmlns="" xmlns:a14="http://schemas.microsoft.com/office/drawing/2010/main">
+                  <a14:hiddenFill xmlns:a14="http://schemas.microsoft.com/office/drawing/2010/main" xmlns="">
                     <a:solidFill>
                       <a:srgbClr val="FFFFFF"/>
                     </a:solidFill>
                   </a14:hiddenFill>
                 </a:ext>
                 <a:ext uri="{91240B29-F687-4f45-9708-019B960494DF}">
-                  <a14:hiddenLine xmlns="" xmlns:a14="http://schemas.microsoft.com/office/drawing/2010/main" w="12700">
+                  <a14:hiddenLine xmlns:a14="http://schemas.microsoft.com/office/drawing/2010/main" xmlns="" w="12700">
                     <a:solidFill>
                       <a:srgbClr val="000000"/>
                     </a:solidFill>
@@ -28355,7 +28355,7 @@
               </a:ln>
               <a:extLst>
                 <a:ext uri="{909E8E84-426E-40dd-AFC4-6F175D3DCCD1}">
-                  <a14:hiddenFill xmlns="" xmlns:a14="http://schemas.microsoft.com/office/drawing/2010/main">
+                  <a14:hiddenFill xmlns:a14="http://schemas.microsoft.com/office/drawing/2010/main" xmlns="">
                     <a:noFill/>
                   </a14:hiddenFill>
                 </a:ext>
@@ -28396,7 +28396,7 @@
               </a:ln>
               <a:extLst>
                 <a:ext uri="{909E8E84-426E-40dd-AFC4-6F175D3DCCD1}">
-                  <a14:hiddenFill xmlns="" xmlns:a14="http://schemas.microsoft.com/office/drawing/2010/main">
+                  <a14:hiddenFill xmlns:a14="http://schemas.microsoft.com/office/drawing/2010/main" xmlns="">
                     <a:noFill/>
                   </a14:hiddenFill>
                 </a:ext>
@@ -28437,7 +28437,7 @@
               </a:ln>
               <a:extLst>
                 <a:ext uri="{909E8E84-426E-40dd-AFC4-6F175D3DCCD1}">
-                  <a14:hiddenFill xmlns="" xmlns:a14="http://schemas.microsoft.com/office/drawing/2010/main">
+                  <a14:hiddenFill xmlns:a14="http://schemas.microsoft.com/office/drawing/2010/main" xmlns="">
                     <a:solidFill>
                       <a:srgbClr val="FFFFFF"/>
                     </a:solidFill>
@@ -28597,7 +28597,7 @@
             </a:ln>
             <a:extLst>
               <a:ext uri="{909E8E84-426E-40dd-AFC4-6F175D3DCCD1}">
-                <a14:hiddenFill xmlns="" xmlns:a14="http://schemas.microsoft.com/office/drawing/2010/main">
+                <a14:hiddenFill xmlns:a14="http://schemas.microsoft.com/office/drawing/2010/main" xmlns="">
                   <a:noFill/>
                 </a14:hiddenFill>
               </a:ext>
@@ -38443,14 +38443,14 @@
           <a:effectLst/>
           <a:extLst>
             <a:ext uri="{909E8E84-426E-40dd-AFC4-6F175D3DCCD1}">
-              <a14:hiddenFill xmlns="" xmlns:a14="http://schemas.microsoft.com/office/drawing/2010/main">
+              <a14:hiddenFill xmlns:a14="http://schemas.microsoft.com/office/drawing/2010/main" xmlns="">
                 <a:solidFill>
                   <a:schemeClr val="accent1"/>
                 </a:solidFill>
               </a14:hiddenFill>
             </a:ext>
             <a:ext uri="{91240B29-F687-4f45-9708-019B960494DF}">
-              <a14:hiddenLine xmlns="" xmlns:a14="http://schemas.microsoft.com/office/drawing/2010/main" w="9525">
+              <a14:hiddenLine xmlns:a14="http://schemas.microsoft.com/office/drawing/2010/main" xmlns="" w="9525">
                 <a:solidFill>
                   <a:schemeClr val="tx1"/>
                 </a:solidFill>
@@ -38460,7 +38460,7 @@
               </a14:hiddenLine>
             </a:ext>
             <a:ext uri="{AF507438-7753-43e0-B8FC-AC1667EBCBE1}">
-              <a14:hiddenEffects xmlns="" xmlns:a14="http://schemas.microsoft.com/office/drawing/2010/main">
+              <a14:hiddenEffects xmlns:a14="http://schemas.microsoft.com/office/drawing/2010/main" xmlns="">
                 <a:effectLst>
                   <a:outerShdw dist="35921" dir="2700000" algn="ctr" rotWithShape="0">
                     <a:schemeClr val="bg2"/>
@@ -38787,14 +38787,14 @@
           <a:effectLst/>
           <a:extLst>
             <a:ext uri="{909E8E84-426E-40dd-AFC4-6F175D3DCCD1}">
-              <a14:hiddenFill xmlns="" xmlns:a14="http://schemas.microsoft.com/office/drawing/2010/main">
+              <a14:hiddenFill xmlns:a14="http://schemas.microsoft.com/office/drawing/2010/main" xmlns="">
                 <a:solidFill>
                   <a:schemeClr val="accent1"/>
                 </a:solidFill>
               </a14:hiddenFill>
             </a:ext>
             <a:ext uri="{91240B29-F687-4f45-9708-019B960494DF}">
-              <a14:hiddenLine xmlns="" xmlns:a14="http://schemas.microsoft.com/office/drawing/2010/main" w="9525">
+              <a14:hiddenLine xmlns:a14="http://schemas.microsoft.com/office/drawing/2010/main" xmlns="" w="9525">
                 <a:solidFill>
                   <a:schemeClr val="tx1"/>
                 </a:solidFill>
@@ -38804,7 +38804,7 @@
               </a14:hiddenLine>
             </a:ext>
             <a:ext uri="{AF507438-7753-43e0-B8FC-AC1667EBCBE1}">
-              <a14:hiddenEffects xmlns="" xmlns:a14="http://schemas.microsoft.com/office/drawing/2010/main">
+              <a14:hiddenEffects xmlns:a14="http://schemas.microsoft.com/office/drawing/2010/main" xmlns="">
                 <a:effectLst>
                   <a:outerShdw dist="35921" dir="2700000" algn="ctr" rotWithShape="0">
                     <a:schemeClr val="bg2"/>
@@ -38908,7 +38908,7 @@
                       <a:noFill/>
                       <a:extLst>
                         <a:ext uri="{909E8E84-426E-40dd-AFC4-6F175D3DCCD1}">
-                          <a14:hiddenFill xmlns="" xmlns:a14="http://schemas.microsoft.com/office/drawing/2010/main">
+                          <a14:hiddenFill xmlns:a14="http://schemas.microsoft.com/office/drawing/2010/main" xmlns="">
                             <a:solidFill>
                               <a:srgbClr val="FFFFFF"/>
                             </a:solidFill>
@@ -38978,7 +38978,7 @@
                       <a:noFill/>
                       <a:extLst>
                         <a:ext uri="{909E8E84-426E-40dd-AFC4-6F175D3DCCD1}">
-                          <a14:hiddenFill xmlns="" xmlns:a14="http://schemas.microsoft.com/office/drawing/2010/main">
+                          <a14:hiddenFill xmlns:a14="http://schemas.microsoft.com/office/drawing/2010/main" xmlns="">
                             <a:solidFill>
                               <a:srgbClr val="FFFFFF"/>
                             </a:solidFill>
@@ -39657,6 +39657,33 @@
           </a:p>
           <a:p>
             <a:pPr lvl="1"/>
+            <a:r>
+              <a:rPr lang="nl-NL" dirty="0" err="1"/>
+              <a:t>Calibration</a:t>
+            </a:r>
+            <a:r>
+              <a:rPr lang="nl-NL" dirty="0"/>
+              <a:t> (</a:t>
+            </a:r>
+            <a:r>
+              <a:rPr lang="nl-NL" dirty="0" err="1"/>
+              <a:t>linear</a:t>
+            </a:r>
+            <a:r>
+              <a:rPr lang="nl-NL" dirty="0"/>
+              <a:t> </a:t>
+            </a:r>
+            <a:r>
+              <a:rPr lang="nl-NL" dirty="0" err="1"/>
+              <a:t>weighting</a:t>
+            </a:r>
+            <a:r>
+              <a:rPr lang="nl-NL" dirty="0"/>
+              <a:t> or GREG)</a:t>
+            </a:r>
+          </a:p>
+          <a:p>
+            <a:pPr lvl="1"/>
             <a:endParaRPr lang="nl-NL" dirty="0"/>
           </a:p>
           <a:p>
@@ -39681,7 +39708,7 @@
               <a:t>the</a:t>
             </a:r>
             <a:r>
-              <a:rPr lang="nl-NL"/>
+              <a:rPr lang="nl-NL" dirty="0"/>
               <a:t> survey package</a:t>
             </a:r>
           </a:p>
@@ -39769,14 +39796,14 @@
           <a:effectLst/>
           <a:extLst>
             <a:ext uri="{909E8E84-426E-40dd-AFC4-6F175D3DCCD1}">
-              <a14:hiddenFill xmlns="" xmlns:a14="http://schemas.microsoft.com/office/drawing/2010/main">
+              <a14:hiddenFill xmlns:a14="http://schemas.microsoft.com/office/drawing/2010/main" xmlns="">
                 <a:solidFill>
                   <a:schemeClr val="accent1"/>
                 </a:solidFill>
               </a14:hiddenFill>
             </a:ext>
             <a:ext uri="{91240B29-F687-4f45-9708-019B960494DF}">
-              <a14:hiddenLine xmlns="" xmlns:a14="http://schemas.microsoft.com/office/drawing/2010/main" w="9525">
+              <a14:hiddenLine xmlns:a14="http://schemas.microsoft.com/office/drawing/2010/main" xmlns="" w="9525">
                 <a:solidFill>
                   <a:schemeClr val="tx1"/>
                 </a:solidFill>
@@ -39786,7 +39813,7 @@
               </a14:hiddenLine>
             </a:ext>
             <a:ext uri="{AF507438-7753-43e0-B8FC-AC1667EBCBE1}">
-              <a14:hiddenEffects xmlns="" xmlns:a14="http://schemas.microsoft.com/office/drawing/2010/main">
+              <a14:hiddenEffects xmlns:a14="http://schemas.microsoft.com/office/drawing/2010/main" xmlns="">
                 <a:effectLst>
                   <a:outerShdw dist="35921" dir="2700000" algn="ctr" rotWithShape="0">
                     <a:schemeClr val="bg2"/>
@@ -40133,14 +40160,14 @@
           <a:effectLst/>
           <a:extLst>
             <a:ext uri="{909E8E84-426E-40dd-AFC4-6F175D3DCCD1}">
-              <a14:hiddenFill xmlns="" xmlns:a14="http://schemas.microsoft.com/office/drawing/2010/main">
+              <a14:hiddenFill xmlns:a14="http://schemas.microsoft.com/office/drawing/2010/main" xmlns="">
                 <a:solidFill>
                   <a:schemeClr val="accent1"/>
                 </a:solidFill>
               </a14:hiddenFill>
             </a:ext>
             <a:ext uri="{91240B29-F687-4f45-9708-019B960494DF}">
-              <a14:hiddenLine xmlns="" xmlns:a14="http://schemas.microsoft.com/office/drawing/2010/main" w="9525">
+              <a14:hiddenLine xmlns:a14="http://schemas.microsoft.com/office/drawing/2010/main" xmlns="" w="9525">
                 <a:solidFill>
                   <a:schemeClr val="tx1"/>
                 </a:solidFill>
@@ -40150,7 +40177,7 @@
               </a14:hiddenLine>
             </a:ext>
             <a:ext uri="{AF507438-7753-43e0-B8FC-AC1667EBCBE1}">
-              <a14:hiddenEffects xmlns="" xmlns:a14="http://schemas.microsoft.com/office/drawing/2010/main">
+              <a14:hiddenEffects xmlns:a14="http://schemas.microsoft.com/office/drawing/2010/main" xmlns="">
                 <a:effectLst>
                   <a:outerShdw dist="35921" dir="2700000" algn="ctr" rotWithShape="0">
                     <a:schemeClr val="bg2"/>
@@ -40260,7 +40287,7 @@
                       <a:noFill/>
                       <a:extLst>
                         <a:ext uri="{909E8E84-426E-40dd-AFC4-6F175D3DCCD1}">
-                          <a14:hiddenFill xmlns="" xmlns:a14="http://schemas.microsoft.com/office/drawing/2010/main">
+                          <a14:hiddenFill xmlns:a14="http://schemas.microsoft.com/office/drawing/2010/main" xmlns="">
                             <a:solidFill>
                               <a:srgbClr val="FFFFFF"/>
                             </a:solidFill>
@@ -40330,7 +40357,7 @@
                       <a:noFill/>
                       <a:extLst>
                         <a:ext uri="{909E8E84-426E-40dd-AFC4-6F175D3DCCD1}">
-                          <a14:hiddenFill xmlns="" xmlns:a14="http://schemas.microsoft.com/office/drawing/2010/main">
+                          <a14:hiddenFill xmlns:a14="http://schemas.microsoft.com/office/drawing/2010/main" xmlns="">
                             <a:solidFill>
                               <a:srgbClr val="FFFFFF"/>
                             </a:solidFill>
@@ -40740,14 +40767,14 @@
           <a:effectLst/>
           <a:extLst>
             <a:ext uri="{909E8E84-426E-40dd-AFC4-6F175D3DCCD1}">
-              <a14:hiddenFill xmlns="" xmlns:a14="http://schemas.microsoft.com/office/drawing/2010/main">
+              <a14:hiddenFill xmlns:a14="http://schemas.microsoft.com/office/drawing/2010/main" xmlns="">
                 <a:solidFill>
                   <a:schemeClr val="accent1"/>
                 </a:solidFill>
               </a14:hiddenFill>
             </a:ext>
             <a:ext uri="{91240B29-F687-4f45-9708-019B960494DF}">
-              <a14:hiddenLine xmlns="" xmlns:a14="http://schemas.microsoft.com/office/drawing/2010/main" w="9525">
+              <a14:hiddenLine xmlns:a14="http://schemas.microsoft.com/office/drawing/2010/main" xmlns="" w="9525">
                 <a:solidFill>
                   <a:schemeClr val="tx1"/>
                 </a:solidFill>
@@ -40757,7 +40784,7 @@
               </a14:hiddenLine>
             </a:ext>
             <a:ext uri="{AF507438-7753-43e0-B8FC-AC1667EBCBE1}">
-              <a14:hiddenEffects xmlns="" xmlns:a14="http://schemas.microsoft.com/office/drawing/2010/main">
+              <a14:hiddenEffects xmlns:a14="http://schemas.microsoft.com/office/drawing/2010/main" xmlns="">
                 <a:effectLst>
                   <a:outerShdw dist="35921" dir="2700000" algn="ctr" rotWithShape="0">
                     <a:schemeClr val="bg2"/>
